--- a/Project 1.pptx
+++ b/Project 1.pptx
@@ -113,7 +113,287 @@
       </a:defRPr>
     </a:lvl9pPr>
   </p:defaultTextStyle>
+  <p:extLst>
+    <p:ext uri="{EFAFB233-063F-42B5-8137-9DF3F51BA10A}">
+      <p15:sldGuideLst xmlns:p15="http://schemas.microsoft.com/office/powerpoint/2012/main"/>
+    </p:ext>
+  </p:extLst>
 </p:presentation>
+</file>
+
+<file path=ppt/revisionInfo.xml><?xml version="1.0" encoding="utf-8"?>
+<p1510:revInfo xmlns:a="http://schemas.openxmlformats.org/drawingml/2006/main" xmlns:r="http://schemas.openxmlformats.org/officeDocument/2006/relationships" xmlns:p1510="http://schemas.microsoft.com/office/powerpoint/2015/10/main">
+  <p1510:revLst>
+    <p1510:client id="{D78F7972-82B7-4AEB-92B6-C2AC2D8AECB8}" v="2" dt="2024-03-09T14:40:57.703"/>
+  </p1510:revLst>
+</p1510:revInfo>
+</file>
+
+<file path=ppt/changesInfos/changesInfo1.xml><?xml version="1.0" encoding="utf-8"?>
+<pc:chgInfo xmlns:a="http://schemas.openxmlformats.org/drawingml/2006/main" xmlns:r="http://schemas.openxmlformats.org/officeDocument/2006/relationships" xmlns:ac="http://schemas.microsoft.com/office/drawing/2013/main/command" xmlns:pc="http://schemas.microsoft.com/office/powerpoint/2013/main/command">
+  <pc:docChgLst>
+    <pc:chgData name="Garima Mahajan/OPS/BBL" userId="b3a8aa5d-8c88-4e29-878b-39afa047cefa" providerId="ADAL" clId="{D78F7972-82B7-4AEB-92B6-C2AC2D8AECB8}"/>
+    <pc:docChg chg="undo custSel addSld delSld modSld">
+      <pc:chgData name="Garima Mahajan/OPS/BBL" userId="b3a8aa5d-8c88-4e29-878b-39afa047cefa" providerId="ADAL" clId="{D78F7972-82B7-4AEB-92B6-C2AC2D8AECB8}" dt="2024-03-09T14:42:44.935" v="54" actId="14100"/>
+      <pc:docMkLst>
+        <pc:docMk/>
+      </pc:docMkLst>
+      <pc:sldChg chg="addSp modSp mod setBg">
+        <pc:chgData name="Garima Mahajan/OPS/BBL" userId="b3a8aa5d-8c88-4e29-878b-39afa047cefa" providerId="ADAL" clId="{D78F7972-82B7-4AEB-92B6-C2AC2D8AECB8}" dt="2024-03-09T14:42:44.935" v="54" actId="14100"/>
+        <pc:sldMkLst>
+          <pc:docMk/>
+          <pc:sldMk cId="3211831041" sldId="256"/>
+        </pc:sldMkLst>
+        <pc:spChg chg="mod">
+          <ac:chgData name="Garima Mahajan/OPS/BBL" userId="b3a8aa5d-8c88-4e29-878b-39afa047cefa" providerId="ADAL" clId="{D78F7972-82B7-4AEB-92B6-C2AC2D8AECB8}" dt="2024-03-09T14:42:44.935" v="54" actId="14100"/>
+          <ac:spMkLst>
+            <pc:docMk/>
+            <pc:sldMk cId="3211831041" sldId="256"/>
+            <ac:spMk id="2" creationId="{20818414-62D0-DAFB-C326-A20CD65FADA8}"/>
+          </ac:spMkLst>
+        </pc:spChg>
+        <pc:spChg chg="mod">
+          <ac:chgData name="Garima Mahajan/OPS/BBL" userId="b3a8aa5d-8c88-4e29-878b-39afa047cefa" providerId="ADAL" clId="{D78F7972-82B7-4AEB-92B6-C2AC2D8AECB8}" dt="2024-03-09T14:42:10.344" v="46" actId="26606"/>
+          <ac:spMkLst>
+            <pc:docMk/>
+            <pc:sldMk cId="3211831041" sldId="256"/>
+            <ac:spMk id="3" creationId="{E3C973EF-2456-D3B3-8A3D-A7E45512302F}"/>
+          </ac:spMkLst>
+        </pc:spChg>
+        <pc:spChg chg="add">
+          <ac:chgData name="Garima Mahajan/OPS/BBL" userId="b3a8aa5d-8c88-4e29-878b-39afa047cefa" providerId="ADAL" clId="{D78F7972-82B7-4AEB-92B6-C2AC2D8AECB8}" dt="2024-03-09T14:42:10.344" v="46" actId="26606"/>
+          <ac:spMkLst>
+            <pc:docMk/>
+            <pc:sldMk cId="3211831041" sldId="256"/>
+            <ac:spMk id="10" creationId="{8A94871E-96FC-4ADE-815B-41A636E34F1A}"/>
+          </ac:spMkLst>
+        </pc:spChg>
+        <pc:spChg chg="add">
+          <ac:chgData name="Garima Mahajan/OPS/BBL" userId="b3a8aa5d-8c88-4e29-878b-39afa047cefa" providerId="ADAL" clId="{D78F7972-82B7-4AEB-92B6-C2AC2D8AECB8}" dt="2024-03-09T14:42:10.344" v="46" actId="26606"/>
+          <ac:spMkLst>
+            <pc:docMk/>
+            <pc:sldMk cId="3211831041" sldId="256"/>
+            <ac:spMk id="12" creationId="{3FCFB1DE-0B7E-48CC-BA90-B2AB0889F9D6}"/>
+          </ac:spMkLst>
+        </pc:spChg>
+        <pc:picChg chg="add mod modCrop">
+          <ac:chgData name="Garima Mahajan/OPS/BBL" userId="b3a8aa5d-8c88-4e29-878b-39afa047cefa" providerId="ADAL" clId="{D78F7972-82B7-4AEB-92B6-C2AC2D8AECB8}" dt="2024-03-09T14:42:10.344" v="46" actId="26606"/>
+          <ac:picMkLst>
+            <pc:docMk/>
+            <pc:sldMk cId="3211831041" sldId="256"/>
+            <ac:picMk id="5" creationId="{50D55043-260A-145E-1C44-017BA26B8CB2}"/>
+          </ac:picMkLst>
+        </pc:picChg>
+      </pc:sldChg>
+      <pc:sldChg chg="addSp delSp modSp mod setBg">
+        <pc:chgData name="Garima Mahajan/OPS/BBL" userId="b3a8aa5d-8c88-4e29-878b-39afa047cefa" providerId="ADAL" clId="{D78F7972-82B7-4AEB-92B6-C2AC2D8AECB8}" dt="2024-03-09T14:39:06.913" v="7" actId="26606"/>
+        <pc:sldMkLst>
+          <pc:docMk/>
+          <pc:sldMk cId="4059308290" sldId="257"/>
+        </pc:sldMkLst>
+        <pc:spChg chg="mod">
+          <ac:chgData name="Garima Mahajan/OPS/BBL" userId="b3a8aa5d-8c88-4e29-878b-39afa047cefa" providerId="ADAL" clId="{D78F7972-82B7-4AEB-92B6-C2AC2D8AECB8}" dt="2024-03-09T14:39:06.913" v="7" actId="26606"/>
+          <ac:spMkLst>
+            <pc:docMk/>
+            <pc:sldMk cId="4059308290" sldId="257"/>
+            <ac:spMk id="2" creationId="{501B6F01-C1C0-94B9-CEB3-77080FDF666E}"/>
+          </ac:spMkLst>
+        </pc:spChg>
+        <pc:spChg chg="add del">
+          <ac:chgData name="Garima Mahajan/OPS/BBL" userId="b3a8aa5d-8c88-4e29-878b-39afa047cefa" providerId="ADAL" clId="{D78F7972-82B7-4AEB-92B6-C2AC2D8AECB8}" dt="2024-03-09T14:39:06.913" v="7" actId="26606"/>
+          <ac:spMkLst>
+            <pc:docMk/>
+            <pc:sldMk cId="4059308290" sldId="257"/>
+            <ac:spMk id="3" creationId="{7D13270C-E2EE-D8A9-9257-E57F9E7FF963}"/>
+          </ac:spMkLst>
+        </pc:spChg>
+        <pc:spChg chg="add">
+          <ac:chgData name="Garima Mahajan/OPS/BBL" userId="b3a8aa5d-8c88-4e29-878b-39afa047cefa" providerId="ADAL" clId="{D78F7972-82B7-4AEB-92B6-C2AC2D8AECB8}" dt="2024-03-09T14:39:06.913" v="7" actId="26606"/>
+          <ac:spMkLst>
+            <pc:docMk/>
+            <pc:sldMk cId="4059308290" sldId="257"/>
+            <ac:spMk id="8" creationId="{09588DA8-065E-4F6F-8EFD-43104AB2E0CF}"/>
+          </ac:spMkLst>
+        </pc:spChg>
+        <pc:spChg chg="add del">
+          <ac:chgData name="Garima Mahajan/OPS/BBL" userId="b3a8aa5d-8c88-4e29-878b-39afa047cefa" providerId="ADAL" clId="{D78F7972-82B7-4AEB-92B6-C2AC2D8AECB8}" dt="2024-03-09T14:39:06.883" v="6" actId="26606"/>
+          <ac:spMkLst>
+            <pc:docMk/>
+            <pc:sldMk cId="4059308290" sldId="257"/>
+            <ac:spMk id="9" creationId="{9F6F39C2-8746-4599-843B-CED156C408BF}"/>
+          </ac:spMkLst>
+        </pc:spChg>
+        <pc:spChg chg="add">
+          <ac:chgData name="Garima Mahajan/OPS/BBL" userId="b3a8aa5d-8c88-4e29-878b-39afa047cefa" providerId="ADAL" clId="{D78F7972-82B7-4AEB-92B6-C2AC2D8AECB8}" dt="2024-03-09T14:39:06.913" v="7" actId="26606"/>
+          <ac:spMkLst>
+            <pc:docMk/>
+            <pc:sldMk cId="4059308290" sldId="257"/>
+            <ac:spMk id="10" creationId="{C4285719-470E-454C-AF62-8323075F1F5B}"/>
+          </ac:spMkLst>
+        </pc:spChg>
+        <pc:spChg chg="add del">
+          <ac:chgData name="Garima Mahajan/OPS/BBL" userId="b3a8aa5d-8c88-4e29-878b-39afa047cefa" providerId="ADAL" clId="{D78F7972-82B7-4AEB-92B6-C2AC2D8AECB8}" dt="2024-03-09T14:39:06.883" v="6" actId="26606"/>
+          <ac:spMkLst>
+            <pc:docMk/>
+            <pc:sldMk cId="4059308290" sldId="257"/>
+            <ac:spMk id="11" creationId="{A5D714AD-9E94-4752-AA45-D4B0EAAB52E2}"/>
+          </ac:spMkLst>
+        </pc:spChg>
+        <pc:spChg chg="add">
+          <ac:chgData name="Garima Mahajan/OPS/BBL" userId="b3a8aa5d-8c88-4e29-878b-39afa047cefa" providerId="ADAL" clId="{D78F7972-82B7-4AEB-92B6-C2AC2D8AECB8}" dt="2024-03-09T14:39:06.913" v="7" actId="26606"/>
+          <ac:spMkLst>
+            <pc:docMk/>
+            <pc:sldMk cId="4059308290" sldId="257"/>
+            <ac:spMk id="12" creationId="{CD9FE4EF-C4D8-49A0-B2FF-81D8DB7D8A24}"/>
+          </ac:spMkLst>
+        </pc:spChg>
+        <pc:spChg chg="add del">
+          <ac:chgData name="Garima Mahajan/OPS/BBL" userId="b3a8aa5d-8c88-4e29-878b-39afa047cefa" providerId="ADAL" clId="{D78F7972-82B7-4AEB-92B6-C2AC2D8AECB8}" dt="2024-03-09T14:39:06.883" v="6" actId="26606"/>
+          <ac:spMkLst>
+            <pc:docMk/>
+            <pc:sldMk cId="4059308290" sldId="257"/>
+            <ac:spMk id="13" creationId="{7FF89E09-42FB-4694-96E4-95652B1D83E4}"/>
+          </ac:spMkLst>
+        </pc:spChg>
+        <pc:spChg chg="add">
+          <ac:chgData name="Garima Mahajan/OPS/BBL" userId="b3a8aa5d-8c88-4e29-878b-39afa047cefa" providerId="ADAL" clId="{D78F7972-82B7-4AEB-92B6-C2AC2D8AECB8}" dt="2024-03-09T14:39:06.913" v="7" actId="26606"/>
+          <ac:spMkLst>
+            <pc:docMk/>
+            <pc:sldMk cId="4059308290" sldId="257"/>
+            <ac:spMk id="14" creationId="{4300840D-0A0B-4512-BACA-B439D5B9C57C}"/>
+          </ac:spMkLst>
+        </pc:spChg>
+        <pc:spChg chg="add del">
+          <ac:chgData name="Garima Mahajan/OPS/BBL" userId="b3a8aa5d-8c88-4e29-878b-39afa047cefa" providerId="ADAL" clId="{D78F7972-82B7-4AEB-92B6-C2AC2D8AECB8}" dt="2024-03-09T14:39:06.883" v="6" actId="26606"/>
+          <ac:spMkLst>
+            <pc:docMk/>
+            <pc:sldMk cId="4059308290" sldId="257"/>
+            <ac:spMk id="15" creationId="{25D3C032-881F-4579-A4BF-0FA966E9F350}"/>
+          </ac:spMkLst>
+        </pc:spChg>
+        <pc:spChg chg="add">
+          <ac:chgData name="Garima Mahajan/OPS/BBL" userId="b3a8aa5d-8c88-4e29-878b-39afa047cefa" providerId="ADAL" clId="{D78F7972-82B7-4AEB-92B6-C2AC2D8AECB8}" dt="2024-03-09T14:39:06.913" v="7" actId="26606"/>
+          <ac:spMkLst>
+            <pc:docMk/>
+            <pc:sldMk cId="4059308290" sldId="257"/>
+            <ac:spMk id="16" creationId="{D2B78728-A580-49A7-84F9-6EF6F583ADE0}"/>
+          </ac:spMkLst>
+        </pc:spChg>
+        <pc:spChg chg="add">
+          <ac:chgData name="Garima Mahajan/OPS/BBL" userId="b3a8aa5d-8c88-4e29-878b-39afa047cefa" providerId="ADAL" clId="{D78F7972-82B7-4AEB-92B6-C2AC2D8AECB8}" dt="2024-03-09T14:39:06.913" v="7" actId="26606"/>
+          <ac:spMkLst>
+            <pc:docMk/>
+            <pc:sldMk cId="4059308290" sldId="257"/>
+            <ac:spMk id="17" creationId="{7D13270C-E2EE-D8A9-9257-E57F9E7FF963}"/>
+          </ac:spMkLst>
+        </pc:spChg>
+        <pc:spChg chg="add">
+          <ac:chgData name="Garima Mahajan/OPS/BBL" userId="b3a8aa5d-8c88-4e29-878b-39afa047cefa" providerId="ADAL" clId="{D78F7972-82B7-4AEB-92B6-C2AC2D8AECB8}" dt="2024-03-09T14:39:06.913" v="7" actId="26606"/>
+          <ac:spMkLst>
+            <pc:docMk/>
+            <pc:sldMk cId="4059308290" sldId="257"/>
+            <ac:spMk id="18" creationId="{38FAA1A1-D861-433F-88FA-1E9D6FD31D11}"/>
+          </ac:spMkLst>
+        </pc:spChg>
+        <pc:spChg chg="add">
+          <ac:chgData name="Garima Mahajan/OPS/BBL" userId="b3a8aa5d-8c88-4e29-878b-39afa047cefa" providerId="ADAL" clId="{D78F7972-82B7-4AEB-92B6-C2AC2D8AECB8}" dt="2024-03-09T14:39:06.913" v="7" actId="26606"/>
+          <ac:spMkLst>
+            <pc:docMk/>
+            <pc:sldMk cId="4059308290" sldId="257"/>
+            <ac:spMk id="20" creationId="{8D71EDA1-87BF-4D5D-AB79-F346FD19278A}"/>
+          </ac:spMkLst>
+        </pc:spChg>
+        <pc:graphicFrameChg chg="add del">
+          <ac:chgData name="Garima Mahajan/OPS/BBL" userId="b3a8aa5d-8c88-4e29-878b-39afa047cefa" providerId="ADAL" clId="{D78F7972-82B7-4AEB-92B6-C2AC2D8AECB8}" dt="2024-03-09T14:39:06.883" v="6" actId="26606"/>
+          <ac:graphicFrameMkLst>
+            <pc:docMk/>
+            <pc:sldMk cId="4059308290" sldId="257"/>
+            <ac:graphicFrameMk id="5" creationId="{F0A75023-AB0A-6036-88D0-7F5844A6F079}"/>
+          </ac:graphicFrameMkLst>
+        </pc:graphicFrameChg>
+      </pc:sldChg>
+      <pc:sldChg chg="addSp delSp modSp add del mod setBg addAnim delDesignElem">
+        <pc:chgData name="Garima Mahajan/OPS/BBL" userId="b3a8aa5d-8c88-4e29-878b-39afa047cefa" providerId="ADAL" clId="{D78F7972-82B7-4AEB-92B6-C2AC2D8AECB8}" dt="2024-03-09T14:40:00.693" v="8" actId="47"/>
+        <pc:sldMkLst>
+          <pc:docMk/>
+          <pc:sldMk cId="4221062955" sldId="266"/>
+        </pc:sldMkLst>
+        <pc:spChg chg="mod">
+          <ac:chgData name="Garima Mahajan/OPS/BBL" userId="b3a8aa5d-8c88-4e29-878b-39afa047cefa" providerId="ADAL" clId="{D78F7972-82B7-4AEB-92B6-C2AC2D8AECB8}" dt="2024-03-09T14:38:28.840" v="2" actId="26606"/>
+          <ac:spMkLst>
+            <pc:docMk/>
+            <pc:sldMk cId="4221062955" sldId="266"/>
+            <ac:spMk id="2" creationId="{20818414-62D0-DAFB-C326-A20CD65FADA8}"/>
+          </ac:spMkLst>
+        </pc:spChg>
+        <pc:spChg chg="mod">
+          <ac:chgData name="Garima Mahajan/OPS/BBL" userId="b3a8aa5d-8c88-4e29-878b-39afa047cefa" providerId="ADAL" clId="{D78F7972-82B7-4AEB-92B6-C2AC2D8AECB8}" dt="2024-03-09T14:38:28.840" v="2" actId="26606"/>
+          <ac:spMkLst>
+            <pc:docMk/>
+            <pc:sldMk cId="4221062955" sldId="266"/>
+            <ac:spMk id="3" creationId="{E3C973EF-2456-D3B3-8A3D-A7E45512302F}"/>
+          </ac:spMkLst>
+        </pc:spChg>
+        <pc:spChg chg="add">
+          <ac:chgData name="Garima Mahajan/OPS/BBL" userId="b3a8aa5d-8c88-4e29-878b-39afa047cefa" providerId="ADAL" clId="{D78F7972-82B7-4AEB-92B6-C2AC2D8AECB8}" dt="2024-03-09T14:38:28.840" v="2" actId="26606"/>
+          <ac:spMkLst>
+            <pc:docMk/>
+            <pc:sldMk cId="4221062955" sldId="266"/>
+            <ac:spMk id="5" creationId="{DC631C0B-6DA6-4E57-8231-CE32B3434A7E}"/>
+          </ac:spMkLst>
+        </pc:spChg>
+        <pc:spChg chg="add">
+          <ac:chgData name="Garima Mahajan/OPS/BBL" userId="b3a8aa5d-8c88-4e29-878b-39afa047cefa" providerId="ADAL" clId="{D78F7972-82B7-4AEB-92B6-C2AC2D8AECB8}" dt="2024-03-09T14:38:28.840" v="2" actId="26606"/>
+          <ac:spMkLst>
+            <pc:docMk/>
+            <pc:sldMk cId="4221062955" sldId="266"/>
+            <ac:spMk id="8" creationId="{43C48B49-6135-48B6-AC0F-97E5D8D1F03F}"/>
+          </ac:spMkLst>
+        </pc:spChg>
+        <pc:spChg chg="add">
+          <ac:chgData name="Garima Mahajan/OPS/BBL" userId="b3a8aa5d-8c88-4e29-878b-39afa047cefa" providerId="ADAL" clId="{D78F7972-82B7-4AEB-92B6-C2AC2D8AECB8}" dt="2024-03-09T14:38:28.840" v="2" actId="26606"/>
+          <ac:spMkLst>
+            <pc:docMk/>
+            <pc:sldMk cId="4221062955" sldId="266"/>
+            <ac:spMk id="10" creationId="{9715DAF0-AE1B-46C9-8A6B-DB2AA05AB91D}"/>
+          </ac:spMkLst>
+        </pc:spChg>
+        <pc:spChg chg="del">
+          <ac:chgData name="Garima Mahajan/OPS/BBL" userId="b3a8aa5d-8c88-4e29-878b-39afa047cefa" providerId="ADAL" clId="{D78F7972-82B7-4AEB-92B6-C2AC2D8AECB8}" dt="2024-03-09T14:37:55.257" v="1"/>
+          <ac:spMkLst>
+            <pc:docMk/>
+            <pc:sldMk cId="4221062955" sldId="266"/>
+            <ac:spMk id="12" creationId="{74751229-0244-4FBB-BED1-407467F4C951}"/>
+          </ac:spMkLst>
+        </pc:spChg>
+        <pc:spChg chg="add">
+          <ac:chgData name="Garima Mahajan/OPS/BBL" userId="b3a8aa5d-8c88-4e29-878b-39afa047cefa" providerId="ADAL" clId="{D78F7972-82B7-4AEB-92B6-C2AC2D8AECB8}" dt="2024-03-09T14:38:28.840" v="2" actId="26606"/>
+          <ac:spMkLst>
+            <pc:docMk/>
+            <pc:sldMk cId="4221062955" sldId="266"/>
+            <ac:spMk id="14" creationId="{F256AC18-FB41-4977-8B0C-F5082335AB7D}"/>
+          </ac:spMkLst>
+        </pc:spChg>
+        <pc:spChg chg="add">
+          <ac:chgData name="Garima Mahajan/OPS/BBL" userId="b3a8aa5d-8c88-4e29-878b-39afa047cefa" providerId="ADAL" clId="{D78F7972-82B7-4AEB-92B6-C2AC2D8AECB8}" dt="2024-03-09T14:38:28.840" v="2" actId="26606"/>
+          <ac:spMkLst>
+            <pc:docMk/>
+            <pc:sldMk cId="4221062955" sldId="266"/>
+            <ac:spMk id="16" creationId="{AFF4A713-7B75-4B21-90D7-5AB19547C728}"/>
+          </ac:spMkLst>
+        </pc:spChg>
+        <pc:picChg chg="del">
+          <ac:chgData name="Garima Mahajan/OPS/BBL" userId="b3a8aa5d-8c88-4e29-878b-39afa047cefa" providerId="ADAL" clId="{D78F7972-82B7-4AEB-92B6-C2AC2D8AECB8}" dt="2024-03-09T14:37:55.257" v="1"/>
+          <ac:picMkLst>
+            <pc:docMk/>
+            <pc:sldMk cId="4221062955" sldId="266"/>
+            <ac:picMk id="9" creationId="{783122CA-ACDC-4C64-B152-997CB4E38446}"/>
+          </ac:picMkLst>
+        </pc:picChg>
+      </pc:sldChg>
+    </pc:docChg>
+  </pc:docChgLst>
+</pc:chgInfo>
 </file>
 
 <file path=ppt/diagrams/colors1.xml><?xml version="1.0" encoding="utf-8"?>
@@ -20172,6 +20452,14 @@
 <file path=ppt/slides/slide1.xml><?xml version="1.0" encoding="utf-8"?>
 <p:sld xmlns:a="http://schemas.openxmlformats.org/drawingml/2006/main" xmlns:r="http://schemas.openxmlformats.org/officeDocument/2006/relationships" xmlns:p="http://schemas.openxmlformats.org/presentationml/2006/main">
   <p:cSld>
+    <p:bg>
+      <p:bgPr>
+        <a:solidFill>
+          <a:schemeClr val="bg1"/>
+        </a:solidFill>
+        <a:effectLst/>
+      </p:bgPr>
+    </p:bg>
     <p:spTree>
       <p:nvGrpSpPr>
         <p:cNvPr id="1" name=""/>
@@ -20186,6 +20474,66 @@
           <a:chExt cx="0" cy="0"/>
         </a:xfrm>
       </p:grpSpPr>
+      <p:sp useBgFill="1">
+        <p:nvSpPr>
+          <p:cNvPr id="10" name="Rectangle 9">
+            <a:extLst>
+              <a:ext uri="{FF2B5EF4-FFF2-40B4-BE49-F238E27FC236}">
+                <a16:creationId xmlns:a16="http://schemas.microsoft.com/office/drawing/2014/main" id="{8A94871E-96FC-4ADE-815B-41A636E34F1A}"/>
+              </a:ext>
+              <a:ext uri="{C183D7F6-B498-43B3-948B-1728B52AA6E4}">
+                <adec:decorative xmlns:adec="http://schemas.microsoft.com/office/drawing/2017/decorative" val="1"/>
+              </a:ext>
+            </a:extLst>
+          </p:cNvPr>
+          <p:cNvSpPr>
+            <a:spLocks noGrp="1" noRot="1" noChangeAspect="1" noMove="1" noResize="1" noEditPoints="1" noAdjustHandles="1" noChangeArrowheads="1" noChangeShapeType="1" noTextEdit="1"/>
+          </p:cNvSpPr>
+          <p:nvPr>
+            <p:extLst>
+              <p:ext uri="{386F3935-93C4-4BCD-93E2-E3B085C9AB24}">
+                <p16:designElem xmlns:p16="http://schemas.microsoft.com/office/powerpoint/2015/main" val="1"/>
+              </p:ext>
+            </p:extLst>
+          </p:nvPr>
+        </p:nvSpPr>
+        <p:spPr>
+          <a:xfrm>
+            <a:off x="0" y="0"/>
+            <a:ext cx="12192000" cy="6858000"/>
+          </a:xfrm>
+          <a:prstGeom prst="rect">
+            <a:avLst/>
+          </a:prstGeom>
+          <a:ln>
+            <a:noFill/>
+          </a:ln>
+        </p:spPr>
+        <p:style>
+          <a:lnRef idx="2">
+            <a:schemeClr val="accent1">
+              <a:shade val="50000"/>
+            </a:schemeClr>
+          </a:lnRef>
+          <a:fillRef idx="1">
+            <a:schemeClr val="accent1"/>
+          </a:fillRef>
+          <a:effectRef idx="0">
+            <a:schemeClr val="accent1"/>
+          </a:effectRef>
+          <a:fontRef idx="minor">
+            <a:schemeClr val="lt1"/>
+          </a:fontRef>
+        </p:style>
+        <p:txBody>
+          <a:bodyPr rtlCol="0" anchor="ctr"/>
+          <a:lstStyle/>
+          <a:p>
+            <a:pPr algn="ctr"/>
+            <a:endParaRPr lang="en-US"/>
+          </a:p>
+        </p:txBody>
+      </p:sp>
       <p:sp>
         <p:nvSpPr>
           <p:cNvPr id="2" name="Title 1">
@@ -20202,16 +20550,24 @@
             <p:ph type="ctrTitle"/>
           </p:nvPr>
         </p:nvSpPr>
-        <p:spPr/>
+        <p:spPr>
+          <a:xfrm>
+            <a:off x="640080" y="320040"/>
+            <a:ext cx="6692827" cy="3892669"/>
+          </a:xfrm>
+        </p:spPr>
         <p:txBody>
-          <a:bodyPr/>
+          <a:bodyPr>
+            <a:normAutofit/>
+          </a:bodyPr>
           <a:lstStyle/>
           <a:p>
+            <a:pPr algn="l"/>
             <a:r>
-              <a:rPr lang="en-US" dirty="0"/>
+              <a:rPr lang="en-US" sz="6600" dirty="0"/>
               <a:t>Project Title: Python Based GUI Calculator</a:t>
             </a:r>
-            <a:endParaRPr lang="en-IN" dirty="0"/>
+            <a:endParaRPr lang="en-IN" sz="6600" dirty="0"/>
           </a:p>
         </p:txBody>
       </p:sp>
@@ -20231,19 +20587,417 @@
             <p:ph type="subTitle" idx="1"/>
           </p:nvPr>
         </p:nvSpPr>
-        <p:spPr/>
+        <p:spPr>
+          <a:xfrm>
+            <a:off x="640080" y="4631161"/>
+            <a:ext cx="6692827" cy="1569486"/>
+          </a:xfrm>
+        </p:spPr>
         <p:txBody>
-          <a:bodyPr/>
+          <a:bodyPr>
+            <a:normAutofit/>
+          </a:bodyPr>
           <a:lstStyle/>
           <a:p>
+            <a:pPr algn="l"/>
             <a:r>
               <a:rPr lang="en-US" dirty="0"/>
               <a:t>Made By: GARIMA MAHAJAN</a:t>
             </a:r>
-            <a:endParaRPr lang="en-IN" dirty="0"/>
+            <a:endParaRPr lang="en-US"/>
+          </a:p>
+          <a:p>
+            <a:pPr algn="l"/>
+            <a:r>
+              <a:rPr lang="en-US" dirty="0"/>
+              <a:t>Institute: </a:t>
+            </a:r>
+            <a:r>
+              <a:rPr lang="en-US" dirty="0" err="1"/>
+              <a:t>Digicrome</a:t>
+            </a:r>
+            <a:endParaRPr lang="en-IN"/>
           </a:p>
         </p:txBody>
       </p:sp>
+      <p:sp>
+        <p:nvSpPr>
+          <p:cNvPr id="12" name="sketch line">
+            <a:extLst>
+              <a:ext uri="{FF2B5EF4-FFF2-40B4-BE49-F238E27FC236}">
+                <a16:creationId xmlns:a16="http://schemas.microsoft.com/office/drawing/2014/main" id="{3FCFB1DE-0B7E-48CC-BA90-B2AB0889F9D6}"/>
+              </a:ext>
+              <a:ext uri="{C183D7F6-B498-43B3-948B-1728B52AA6E4}">
+                <adec:decorative xmlns:adec="http://schemas.microsoft.com/office/drawing/2017/decorative" val="1"/>
+              </a:ext>
+            </a:extLst>
+          </p:cNvPr>
+          <p:cNvSpPr>
+            <a:spLocks noGrp="1" noRot="1" noChangeAspect="1" noMove="1" noResize="1" noEditPoints="1" noAdjustHandles="1" noChangeArrowheads="1" noChangeShapeType="1" noTextEdit="1"/>
+          </p:cNvSpPr>
+          <p:nvPr>
+            <p:extLst>
+              <p:ext uri="{386F3935-93C4-4BCD-93E2-E3B085C9AB24}">
+                <p16:designElem xmlns:p16="http://schemas.microsoft.com/office/powerpoint/2015/main" val="1"/>
+              </p:ext>
+            </p:extLst>
+          </p:nvPr>
+        </p:nvSpPr>
+        <p:spPr>
+          <a:xfrm>
+            <a:off x="714562" y="4409267"/>
+            <a:ext cx="4243589" cy="18288"/>
+          </a:xfrm>
+          <a:custGeom>
+            <a:avLst/>
+            <a:gdLst>
+              <a:gd name="connsiteX0" fmla="*/ 0 w 4243589"/>
+              <a:gd name="connsiteY0" fmla="*/ 0 h 18288"/>
+              <a:gd name="connsiteX1" fmla="*/ 563791 w 4243589"/>
+              <a:gd name="connsiteY1" fmla="*/ 0 h 18288"/>
+              <a:gd name="connsiteX2" fmla="*/ 1042710 w 4243589"/>
+              <a:gd name="connsiteY2" fmla="*/ 0 h 18288"/>
+              <a:gd name="connsiteX3" fmla="*/ 1564066 w 4243589"/>
+              <a:gd name="connsiteY3" fmla="*/ 0 h 18288"/>
+              <a:gd name="connsiteX4" fmla="*/ 2212729 w 4243589"/>
+              <a:gd name="connsiteY4" fmla="*/ 0 h 18288"/>
+              <a:gd name="connsiteX5" fmla="*/ 2776520 w 4243589"/>
+              <a:gd name="connsiteY5" fmla="*/ 0 h 18288"/>
+              <a:gd name="connsiteX6" fmla="*/ 3297875 w 4243589"/>
+              <a:gd name="connsiteY6" fmla="*/ 0 h 18288"/>
+              <a:gd name="connsiteX7" fmla="*/ 4243589 w 4243589"/>
+              <a:gd name="connsiteY7" fmla="*/ 0 h 18288"/>
+              <a:gd name="connsiteX8" fmla="*/ 4243589 w 4243589"/>
+              <a:gd name="connsiteY8" fmla="*/ 18288 h 18288"/>
+              <a:gd name="connsiteX9" fmla="*/ 3637362 w 4243589"/>
+              <a:gd name="connsiteY9" fmla="*/ 18288 h 18288"/>
+              <a:gd name="connsiteX10" fmla="*/ 3116007 w 4243589"/>
+              <a:gd name="connsiteY10" fmla="*/ 18288 h 18288"/>
+              <a:gd name="connsiteX11" fmla="*/ 2424908 w 4243589"/>
+              <a:gd name="connsiteY11" fmla="*/ 18288 h 18288"/>
+              <a:gd name="connsiteX12" fmla="*/ 1861117 w 4243589"/>
+              <a:gd name="connsiteY12" fmla="*/ 18288 h 18288"/>
+              <a:gd name="connsiteX13" fmla="*/ 1382198 w 4243589"/>
+              <a:gd name="connsiteY13" fmla="*/ 18288 h 18288"/>
+              <a:gd name="connsiteX14" fmla="*/ 733535 w 4243589"/>
+              <a:gd name="connsiteY14" fmla="*/ 18288 h 18288"/>
+              <a:gd name="connsiteX15" fmla="*/ 0 w 4243589"/>
+              <a:gd name="connsiteY15" fmla="*/ 18288 h 18288"/>
+              <a:gd name="connsiteX16" fmla="*/ 0 w 4243589"/>
+              <a:gd name="connsiteY16" fmla="*/ 0 h 18288"/>
+            </a:gdLst>
+            <a:ahLst/>
+            <a:cxnLst>
+              <a:cxn ang="0">
+                <a:pos x="connsiteX0" y="connsiteY0"/>
+              </a:cxn>
+              <a:cxn ang="0">
+                <a:pos x="connsiteX1" y="connsiteY1"/>
+              </a:cxn>
+              <a:cxn ang="0">
+                <a:pos x="connsiteX2" y="connsiteY2"/>
+              </a:cxn>
+              <a:cxn ang="0">
+                <a:pos x="connsiteX3" y="connsiteY3"/>
+              </a:cxn>
+              <a:cxn ang="0">
+                <a:pos x="connsiteX4" y="connsiteY4"/>
+              </a:cxn>
+              <a:cxn ang="0">
+                <a:pos x="connsiteX5" y="connsiteY5"/>
+              </a:cxn>
+              <a:cxn ang="0">
+                <a:pos x="connsiteX6" y="connsiteY6"/>
+              </a:cxn>
+              <a:cxn ang="0">
+                <a:pos x="connsiteX7" y="connsiteY7"/>
+              </a:cxn>
+              <a:cxn ang="0">
+                <a:pos x="connsiteX8" y="connsiteY8"/>
+              </a:cxn>
+              <a:cxn ang="0">
+                <a:pos x="connsiteX9" y="connsiteY9"/>
+              </a:cxn>
+              <a:cxn ang="0">
+                <a:pos x="connsiteX10" y="connsiteY10"/>
+              </a:cxn>
+              <a:cxn ang="0">
+                <a:pos x="connsiteX11" y="connsiteY11"/>
+              </a:cxn>
+              <a:cxn ang="0">
+                <a:pos x="connsiteX12" y="connsiteY12"/>
+              </a:cxn>
+              <a:cxn ang="0">
+                <a:pos x="connsiteX13" y="connsiteY13"/>
+              </a:cxn>
+              <a:cxn ang="0">
+                <a:pos x="connsiteX14" y="connsiteY14"/>
+              </a:cxn>
+              <a:cxn ang="0">
+                <a:pos x="connsiteX15" y="connsiteY15"/>
+              </a:cxn>
+              <a:cxn ang="0">
+                <a:pos x="connsiteX16" y="connsiteY16"/>
+              </a:cxn>
+            </a:cxnLst>
+            <a:rect l="l" t="t" r="r" b="b"/>
+            <a:pathLst>
+              <a:path w="4243589" h="18288" fill="none" extrusionOk="0">
+                <a:moveTo>
+                  <a:pt x="0" y="0"/>
+                </a:moveTo>
+                <a:cubicBezTo>
+                  <a:pt x="157351" y="-15653"/>
+                  <a:pt x="378877" y="-5828"/>
+                  <a:pt x="563791" y="0"/>
+                </a:cubicBezTo>
+                <a:cubicBezTo>
+                  <a:pt x="748705" y="5828"/>
+                  <a:pt x="905659" y="-5525"/>
+                  <a:pt x="1042710" y="0"/>
+                </a:cubicBezTo>
+                <a:cubicBezTo>
+                  <a:pt x="1179761" y="5525"/>
+                  <a:pt x="1356845" y="-21288"/>
+                  <a:pt x="1564066" y="0"/>
+                </a:cubicBezTo>
+                <a:cubicBezTo>
+                  <a:pt x="1771287" y="21288"/>
+                  <a:pt x="1912099" y="25135"/>
+                  <a:pt x="2212729" y="0"/>
+                </a:cubicBezTo>
+                <a:cubicBezTo>
+                  <a:pt x="2513359" y="-25135"/>
+                  <a:pt x="2514918" y="-27119"/>
+                  <a:pt x="2776520" y="0"/>
+                </a:cubicBezTo>
+                <a:cubicBezTo>
+                  <a:pt x="3038122" y="27119"/>
+                  <a:pt x="3178771" y="18116"/>
+                  <a:pt x="3297875" y="0"/>
+                </a:cubicBezTo>
+                <a:cubicBezTo>
+                  <a:pt x="3416980" y="-18116"/>
+                  <a:pt x="4012240" y="-40869"/>
+                  <a:pt x="4243589" y="0"/>
+                </a:cubicBezTo>
+                <a:cubicBezTo>
+                  <a:pt x="4243987" y="7429"/>
+                  <a:pt x="4243569" y="10822"/>
+                  <a:pt x="4243589" y="18288"/>
+                </a:cubicBezTo>
+                <a:cubicBezTo>
+                  <a:pt x="4112949" y="-2855"/>
+                  <a:pt x="3928037" y="1831"/>
+                  <a:pt x="3637362" y="18288"/>
+                </a:cubicBezTo>
+                <a:cubicBezTo>
+                  <a:pt x="3346687" y="34745"/>
+                  <a:pt x="3254446" y="26669"/>
+                  <a:pt x="3116007" y="18288"/>
+                </a:cubicBezTo>
+                <a:cubicBezTo>
+                  <a:pt x="2977569" y="9907"/>
+                  <a:pt x="2620228" y="28873"/>
+                  <a:pt x="2424908" y="18288"/>
+                </a:cubicBezTo>
+                <a:cubicBezTo>
+                  <a:pt x="2229588" y="7703"/>
+                  <a:pt x="2088287" y="-3854"/>
+                  <a:pt x="1861117" y="18288"/>
+                </a:cubicBezTo>
+                <a:cubicBezTo>
+                  <a:pt x="1633947" y="40430"/>
+                  <a:pt x="1502447" y="-871"/>
+                  <a:pt x="1382198" y="18288"/>
+                </a:cubicBezTo>
+                <a:cubicBezTo>
+                  <a:pt x="1261949" y="37447"/>
+                  <a:pt x="1045440" y="28353"/>
+                  <a:pt x="733535" y="18288"/>
+                </a:cubicBezTo>
+                <a:cubicBezTo>
+                  <a:pt x="421630" y="8223"/>
+                  <a:pt x="341257" y="-18359"/>
+                  <a:pt x="0" y="18288"/>
+                </a:cubicBezTo>
+                <a:cubicBezTo>
+                  <a:pt x="-591" y="13205"/>
+                  <a:pt x="-663" y="6329"/>
+                  <a:pt x="0" y="0"/>
+                </a:cubicBezTo>
+                <a:close/>
+              </a:path>
+              <a:path w="4243589" h="18288" stroke="0" extrusionOk="0">
+                <a:moveTo>
+                  <a:pt x="0" y="0"/>
+                </a:moveTo>
+                <a:cubicBezTo>
+                  <a:pt x="128164" y="17204"/>
+                  <a:pt x="312653" y="1129"/>
+                  <a:pt x="563791" y="0"/>
+                </a:cubicBezTo>
+                <a:cubicBezTo>
+                  <a:pt x="814929" y="-1129"/>
+                  <a:pt x="837271" y="8503"/>
+                  <a:pt x="1042710" y="0"/>
+                </a:cubicBezTo>
+                <a:cubicBezTo>
+                  <a:pt x="1248149" y="-8503"/>
+                  <a:pt x="1588432" y="-28862"/>
+                  <a:pt x="1733809" y="0"/>
+                </a:cubicBezTo>
+                <a:cubicBezTo>
+                  <a:pt x="1879186" y="28862"/>
+                  <a:pt x="2052815" y="5974"/>
+                  <a:pt x="2297600" y="0"/>
+                </a:cubicBezTo>
+                <a:cubicBezTo>
+                  <a:pt x="2542385" y="-5974"/>
+                  <a:pt x="2699960" y="-23550"/>
+                  <a:pt x="2861391" y="0"/>
+                </a:cubicBezTo>
+                <a:cubicBezTo>
+                  <a:pt x="3022822" y="23550"/>
+                  <a:pt x="3390411" y="25272"/>
+                  <a:pt x="3552490" y="0"/>
+                </a:cubicBezTo>
+                <a:cubicBezTo>
+                  <a:pt x="3714569" y="-25272"/>
+                  <a:pt x="3950585" y="-31327"/>
+                  <a:pt x="4243589" y="0"/>
+                </a:cubicBezTo>
+                <a:cubicBezTo>
+                  <a:pt x="4242703" y="5429"/>
+                  <a:pt x="4244410" y="14046"/>
+                  <a:pt x="4243589" y="18288"/>
+                </a:cubicBezTo>
+                <a:cubicBezTo>
+                  <a:pt x="4130424" y="-1240"/>
+                  <a:pt x="3932803" y="42249"/>
+                  <a:pt x="3722234" y="18288"/>
+                </a:cubicBezTo>
+                <a:cubicBezTo>
+                  <a:pt x="3511665" y="-5673"/>
+                  <a:pt x="3269903" y="45994"/>
+                  <a:pt x="3116007" y="18288"/>
+                </a:cubicBezTo>
+                <a:cubicBezTo>
+                  <a:pt x="2962111" y="-9418"/>
+                  <a:pt x="2744280" y="23224"/>
+                  <a:pt x="2509780" y="18288"/>
+                </a:cubicBezTo>
+                <a:cubicBezTo>
+                  <a:pt x="2275280" y="13352"/>
+                  <a:pt x="2066059" y="43664"/>
+                  <a:pt x="1945989" y="18288"/>
+                </a:cubicBezTo>
+                <a:cubicBezTo>
+                  <a:pt x="1825919" y="-7088"/>
+                  <a:pt x="1407329" y="12616"/>
+                  <a:pt x="1254890" y="18288"/>
+                </a:cubicBezTo>
+                <a:cubicBezTo>
+                  <a:pt x="1102451" y="23960"/>
+                  <a:pt x="837950" y="31673"/>
+                  <a:pt x="563791" y="18288"/>
+                </a:cubicBezTo>
+                <a:cubicBezTo>
+                  <a:pt x="289632" y="4903"/>
+                  <a:pt x="132768" y="7105"/>
+                  <a:pt x="0" y="18288"/>
+                </a:cubicBezTo>
+                <a:cubicBezTo>
+                  <a:pt x="668" y="13665"/>
+                  <a:pt x="578" y="5675"/>
+                  <a:pt x="0" y="0"/>
+                </a:cubicBezTo>
+                <a:close/>
+              </a:path>
+            </a:pathLst>
+          </a:custGeom>
+          <a:solidFill>
+            <a:schemeClr val="accent2"/>
+          </a:solidFill>
+          <a:ln w="38100" cap="rnd">
+            <a:solidFill>
+              <a:schemeClr val="accent2"/>
+            </a:solidFill>
+            <a:round/>
+            <a:extLst>
+              <a:ext uri="{C807C97D-BFC1-408E-A445-0C87EB9F89A2}">
+                <ask:lineSketchStyleProps xmlns:ask="http://schemas.microsoft.com/office/drawing/2018/sketchyshapes" sd="1219033472">
+                  <a:prstGeom prst="rect">
+                    <a:avLst/>
+                  </a:prstGeom>
+                  <ask:type>
+                    <ask:lineSketchFreehand/>
+                  </ask:type>
+                </ask:lineSketchStyleProps>
+              </a:ext>
+            </a:extLst>
+          </a:ln>
+        </p:spPr>
+        <p:style>
+          <a:lnRef idx="2">
+            <a:schemeClr val="accent1">
+              <a:shade val="50000"/>
+            </a:schemeClr>
+          </a:lnRef>
+          <a:fillRef idx="1">
+            <a:schemeClr val="accent1"/>
+          </a:fillRef>
+          <a:effectRef idx="0">
+            <a:schemeClr val="accent1"/>
+          </a:effectRef>
+          <a:fontRef idx="minor">
+            <a:schemeClr val="lt1"/>
+          </a:fontRef>
+        </p:style>
+        <p:txBody>
+          <a:bodyPr rtlCol="0" anchor="ctr"/>
+          <a:lstStyle/>
+          <a:p>
+            <a:pPr algn="ctr"/>
+            <a:endParaRPr lang="en-US"/>
+          </a:p>
+        </p:txBody>
+      </p:sp>
+      <p:pic>
+        <p:nvPicPr>
+          <p:cNvPr id="5" name="Picture 4" descr="A computer screen shot of a calculator&#10;&#10;Description automatically generated">
+            <a:extLst>
+              <a:ext uri="{FF2B5EF4-FFF2-40B4-BE49-F238E27FC236}">
+                <a16:creationId xmlns:a16="http://schemas.microsoft.com/office/drawing/2014/main" id="{50D55043-260A-145E-1C44-017BA26B8CB2}"/>
+              </a:ext>
+            </a:extLst>
+          </p:cNvPr>
+          <p:cNvPicPr>
+            <a:picLocks noChangeAspect="1"/>
+          </p:cNvPicPr>
+          <p:nvPr/>
+        </p:nvPicPr>
+        <p:blipFill rotWithShape="1">
+          <a:blip r:embed="rId2">
+            <a:extLst>
+              <a:ext uri="{28A0092B-C50C-407E-A947-70E740481C1C}">
+                <a14:useLocalDpi xmlns:a14="http://schemas.microsoft.com/office/drawing/2010/main" val="0"/>
+              </a:ext>
+            </a:extLst>
+          </a:blip>
+          <a:srcRect l="63500" t="23333" r="14721" b="13630"/>
+          <a:stretch/>
+        </p:blipFill>
+        <p:spPr>
+          <a:xfrm>
+            <a:off x="7988282" y="320040"/>
+            <a:ext cx="3673891" cy="5981446"/>
+          </a:xfrm>
+          <a:prstGeom prst="rect">
+            <a:avLst/>
+          </a:prstGeom>
+        </p:spPr>
+      </p:pic>
     </p:spTree>
     <p:extLst>
       <p:ext uri="{BB962C8B-B14F-4D97-AF65-F5344CB8AC3E}">
@@ -20436,6 +21190,14 @@
 <file path=ppt/slides/slide2.xml><?xml version="1.0" encoding="utf-8"?>
 <p:sld xmlns:a="http://schemas.openxmlformats.org/drawingml/2006/main" xmlns:r="http://schemas.openxmlformats.org/officeDocument/2006/relationships" xmlns:p="http://schemas.openxmlformats.org/presentationml/2006/main">
   <p:cSld>
+    <p:bg>
+      <p:bgPr>
+        <a:solidFill>
+          <a:schemeClr val="bg1"/>
+        </a:solidFill>
+        <a:effectLst/>
+      </p:bgPr>
+    </p:bg>
     <p:spTree>
       <p:nvGrpSpPr>
         <p:cNvPr id="1" name=""/>
@@ -20450,6 +21212,628 @@
           <a:chExt cx="0" cy="0"/>
         </a:xfrm>
       </p:grpSpPr>
+      <p:sp useBgFill="1">
+        <p:nvSpPr>
+          <p:cNvPr id="8" name="Rectangle 7">
+            <a:extLst>
+              <a:ext uri="{FF2B5EF4-FFF2-40B4-BE49-F238E27FC236}">
+                <a16:creationId xmlns:a16="http://schemas.microsoft.com/office/drawing/2014/main" id="{09588DA8-065E-4F6F-8EFD-43104AB2E0CF}"/>
+              </a:ext>
+              <a:ext uri="{C183D7F6-B498-43B3-948B-1728B52AA6E4}">
+                <adec:decorative xmlns:adec="http://schemas.microsoft.com/office/drawing/2017/decorative" val="1"/>
+              </a:ext>
+            </a:extLst>
+          </p:cNvPr>
+          <p:cNvSpPr>
+            <a:spLocks noGrp="1" noRot="1" noChangeAspect="1" noMove="1" noResize="1" noEditPoints="1" noAdjustHandles="1" noChangeArrowheads="1" noChangeShapeType="1" noTextEdit="1"/>
+          </p:cNvSpPr>
+          <p:nvPr>
+            <p:extLst>
+              <p:ext uri="{386F3935-93C4-4BCD-93E2-E3B085C9AB24}">
+                <p16:designElem xmlns:p16="http://schemas.microsoft.com/office/powerpoint/2015/main" val="1"/>
+              </p:ext>
+            </p:extLst>
+          </p:nvPr>
+        </p:nvSpPr>
+        <p:spPr>
+          <a:xfrm>
+            <a:off x="0" y="0"/>
+            <a:ext cx="12192000" cy="6858000"/>
+          </a:xfrm>
+          <a:prstGeom prst="rect">
+            <a:avLst/>
+          </a:prstGeom>
+          <a:ln w="12700" cap="flat" cmpd="sng" algn="ctr">
+            <a:noFill/>
+            <a:prstDash val="solid"/>
+            <a:miter lim="800000"/>
+          </a:ln>
+          <a:effectLst/>
+          <a:extLst>
+            <a:ext uri="{91240B29-F687-4F45-9708-019B960494DF}">
+              <a14:hiddenLine xmlns:a14="http://schemas.microsoft.com/office/drawing/2010/main" w="12700" cap="flat" cmpd="sng" algn="ctr">
+                <a:solidFill>
+                  <a:schemeClr val="accent1">
+                    <a:shade val="50000"/>
+                  </a:schemeClr>
+                </a:solidFill>
+                <a:prstDash val="solid"/>
+                <a:miter lim="800000"/>
+              </a14:hiddenLine>
+            </a:ext>
+          </a:extLst>
+        </p:spPr>
+        <p:style>
+          <a:lnRef idx="2">
+            <a:schemeClr val="accent1">
+              <a:shade val="50000"/>
+            </a:schemeClr>
+          </a:lnRef>
+          <a:fillRef idx="1">
+            <a:schemeClr val="accent1"/>
+          </a:fillRef>
+          <a:effectRef idx="0">
+            <a:schemeClr val="accent1"/>
+          </a:effectRef>
+          <a:fontRef idx="minor">
+            <a:schemeClr val="lt1"/>
+          </a:fontRef>
+        </p:style>
+        <p:txBody>
+          <a:bodyPr rtlCol="0" anchor="ctr"/>
+          <a:lstStyle/>
+          <a:p>
+            <a:pPr algn="ctr"/>
+            <a:endParaRPr lang="en-US"/>
+          </a:p>
+        </p:txBody>
+      </p:sp>
+      <p:sp useBgFill="1">
+        <p:nvSpPr>
+          <p:cNvPr id="10" name="Rectangle 9">
+            <a:extLst>
+              <a:ext uri="{FF2B5EF4-FFF2-40B4-BE49-F238E27FC236}">
+                <a16:creationId xmlns:a16="http://schemas.microsoft.com/office/drawing/2014/main" id="{C4285719-470E-454C-AF62-8323075F1F5B}"/>
+              </a:ext>
+              <a:ext uri="{C183D7F6-B498-43B3-948B-1728B52AA6E4}">
+                <adec:decorative xmlns:adec="http://schemas.microsoft.com/office/drawing/2017/decorative" val="1"/>
+              </a:ext>
+            </a:extLst>
+          </p:cNvPr>
+          <p:cNvSpPr>
+            <a:spLocks noGrp="1" noRot="1" noChangeAspect="1" noMove="1" noResize="1" noEditPoints="1" noAdjustHandles="1" noChangeArrowheads="1" noChangeShapeType="1" noTextEdit="1"/>
+          </p:cNvSpPr>
+          <p:nvPr>
+            <p:extLst>
+              <p:ext uri="{386F3935-93C4-4BCD-93E2-E3B085C9AB24}">
+                <p16:designElem xmlns:p16="http://schemas.microsoft.com/office/powerpoint/2015/main" val="1"/>
+              </p:ext>
+            </p:extLst>
+          </p:nvPr>
+        </p:nvSpPr>
+        <p:spPr>
+          <a:xfrm>
+            <a:off x="0" y="0"/>
+            <a:ext cx="12188952" cy="6858000"/>
+          </a:xfrm>
+          <a:prstGeom prst="rect">
+            <a:avLst/>
+          </a:prstGeom>
+          <a:ln w="12700" cap="flat" cmpd="sng" algn="ctr">
+            <a:noFill/>
+            <a:prstDash val="solid"/>
+            <a:miter lim="800000"/>
+          </a:ln>
+          <a:effectLst/>
+          <a:extLst>
+            <a:ext uri="{91240B29-F687-4F45-9708-019B960494DF}">
+              <a14:hiddenLine xmlns:a14="http://schemas.microsoft.com/office/drawing/2010/main" w="12700" cap="flat" cmpd="sng" algn="ctr">
+                <a:solidFill>
+                  <a:schemeClr val="accent1">
+                    <a:shade val="50000"/>
+                  </a:schemeClr>
+                </a:solidFill>
+                <a:prstDash val="solid"/>
+                <a:miter lim="800000"/>
+              </a14:hiddenLine>
+            </a:ext>
+          </a:extLst>
+        </p:spPr>
+        <p:style>
+          <a:lnRef idx="2">
+            <a:schemeClr val="accent1">
+              <a:shade val="50000"/>
+            </a:schemeClr>
+          </a:lnRef>
+          <a:fillRef idx="1">
+            <a:schemeClr val="accent1"/>
+          </a:fillRef>
+          <a:effectRef idx="0">
+            <a:schemeClr val="accent1"/>
+          </a:effectRef>
+          <a:fontRef idx="minor">
+            <a:schemeClr val="lt1"/>
+          </a:fontRef>
+        </p:style>
+        <p:txBody>
+          <a:bodyPr rtlCol="0" anchor="ctr"/>
+          <a:lstStyle/>
+          <a:p>
+            <a:pPr algn="ctr"/>
+            <a:endParaRPr lang="en-US"/>
+          </a:p>
+        </p:txBody>
+      </p:sp>
+      <p:sp>
+        <p:nvSpPr>
+          <p:cNvPr id="12" name="Rectangle 11">
+            <a:extLst>
+              <a:ext uri="{FF2B5EF4-FFF2-40B4-BE49-F238E27FC236}">
+                <a16:creationId xmlns:a16="http://schemas.microsoft.com/office/drawing/2014/main" id="{CD9FE4EF-C4D8-49A0-B2FF-81D8DB7D8A24}"/>
+              </a:ext>
+              <a:ext uri="{C183D7F6-B498-43B3-948B-1728B52AA6E4}">
+                <adec:decorative xmlns:adec="http://schemas.microsoft.com/office/drawing/2017/decorative" val="1"/>
+              </a:ext>
+            </a:extLst>
+          </p:cNvPr>
+          <p:cNvSpPr>
+            <a:spLocks noGrp="1" noRot="1" noChangeAspect="1" noMove="1" noResize="1" noEditPoints="1" noAdjustHandles="1" noChangeArrowheads="1" noChangeShapeType="1" noTextEdit="1"/>
+          </p:cNvSpPr>
+          <p:nvPr>
+            <p:extLst>
+              <p:ext uri="{386F3935-93C4-4BCD-93E2-E3B085C9AB24}">
+                <p16:designElem xmlns:p16="http://schemas.microsoft.com/office/powerpoint/2015/main" val="1"/>
+              </p:ext>
+            </p:extLst>
+          </p:nvPr>
+        </p:nvSpPr>
+        <p:spPr>
+          <a:xfrm rot="5400000" flipH="1">
+            <a:off x="-1410084" y="1410082"/>
+            <a:ext cx="6858000" cy="4037836"/>
+          </a:xfrm>
+          <a:prstGeom prst="rect">
+            <a:avLst/>
+          </a:prstGeom>
+          <a:gradFill>
+            <a:gsLst>
+              <a:gs pos="8000">
+                <a:srgbClr val="000000"/>
+              </a:gs>
+              <a:gs pos="100000">
+                <a:schemeClr val="accent1">
+                  <a:lumMod val="75000"/>
+                </a:schemeClr>
+              </a:gs>
+            </a:gsLst>
+            <a:lin ang="3000000" scaled="0"/>
+          </a:gradFill>
+          <a:ln>
+            <a:noFill/>
+          </a:ln>
+        </p:spPr>
+        <p:style>
+          <a:lnRef idx="2">
+            <a:schemeClr val="accent1">
+              <a:shade val="50000"/>
+            </a:schemeClr>
+          </a:lnRef>
+          <a:fillRef idx="1">
+            <a:schemeClr val="accent1"/>
+          </a:fillRef>
+          <a:effectRef idx="0">
+            <a:schemeClr val="accent1"/>
+          </a:effectRef>
+          <a:fontRef idx="minor">
+            <a:schemeClr val="lt1"/>
+          </a:fontRef>
+        </p:style>
+        <p:txBody>
+          <a:bodyPr rtlCol="0" anchor="ctr"/>
+          <a:lstStyle/>
+          <a:p>
+            <a:pPr algn="ctr"/>
+            <a:endParaRPr lang="en-US"/>
+          </a:p>
+        </p:txBody>
+      </p:sp>
+      <p:sp>
+        <p:nvSpPr>
+          <p:cNvPr id="14" name="Rectangle 13">
+            <a:extLst>
+              <a:ext uri="{FF2B5EF4-FFF2-40B4-BE49-F238E27FC236}">
+                <a16:creationId xmlns:a16="http://schemas.microsoft.com/office/drawing/2014/main" id="{4300840D-0A0B-4512-BACA-B439D5B9C57C}"/>
+              </a:ext>
+              <a:ext uri="{C183D7F6-B498-43B3-948B-1728B52AA6E4}">
+                <adec:decorative xmlns:adec="http://schemas.microsoft.com/office/drawing/2017/decorative" val="1"/>
+              </a:ext>
+            </a:extLst>
+          </p:cNvPr>
+          <p:cNvSpPr>
+            <a:spLocks noGrp="1" noRot="1" noChangeAspect="1" noMove="1" noResize="1" noEditPoints="1" noAdjustHandles="1" noChangeArrowheads="1" noChangeShapeType="1" noTextEdit="1"/>
+          </p:cNvSpPr>
+          <p:nvPr>
+            <p:extLst>
+              <p:ext uri="{386F3935-93C4-4BCD-93E2-E3B085C9AB24}">
+                <p16:designElem xmlns:p16="http://schemas.microsoft.com/office/powerpoint/2015/main" val="1"/>
+              </p:ext>
+            </p:extLst>
+          </p:nvPr>
+        </p:nvSpPr>
+        <p:spPr>
+          <a:xfrm rot="5400000" flipH="1">
+            <a:off x="-1410085" y="1420219"/>
+            <a:ext cx="6857999" cy="4037839"/>
+          </a:xfrm>
+          <a:prstGeom prst="rect">
+            <a:avLst/>
+          </a:prstGeom>
+          <a:gradFill>
+            <a:gsLst>
+              <a:gs pos="0">
+                <a:srgbClr val="000000">
+                  <a:alpha val="0"/>
+                </a:srgbClr>
+              </a:gs>
+              <a:gs pos="99000">
+                <a:schemeClr val="accent1">
+                  <a:alpha val="46000"/>
+                </a:schemeClr>
+              </a:gs>
+            </a:gsLst>
+            <a:lin ang="1800000" scaled="0"/>
+          </a:gradFill>
+          <a:ln>
+            <a:noFill/>
+          </a:ln>
+        </p:spPr>
+        <p:style>
+          <a:lnRef idx="2">
+            <a:schemeClr val="accent1">
+              <a:shade val="50000"/>
+            </a:schemeClr>
+          </a:lnRef>
+          <a:fillRef idx="1">
+            <a:schemeClr val="accent1"/>
+          </a:fillRef>
+          <a:effectRef idx="0">
+            <a:schemeClr val="accent1"/>
+          </a:effectRef>
+          <a:fontRef idx="minor">
+            <a:schemeClr val="lt1"/>
+          </a:fontRef>
+        </p:style>
+        <p:txBody>
+          <a:bodyPr rtlCol="0" anchor="ctr"/>
+          <a:lstStyle/>
+          <a:p>
+            <a:pPr algn="ctr"/>
+            <a:endParaRPr lang="en-US"/>
+          </a:p>
+        </p:txBody>
+      </p:sp>
+      <p:sp>
+        <p:nvSpPr>
+          <p:cNvPr id="16" name="Rectangle 15">
+            <a:extLst>
+              <a:ext uri="{FF2B5EF4-FFF2-40B4-BE49-F238E27FC236}">
+                <a16:creationId xmlns:a16="http://schemas.microsoft.com/office/drawing/2014/main" id="{D2B78728-A580-49A7-84F9-6EF6F583ADE0}"/>
+              </a:ext>
+              <a:ext uri="{C183D7F6-B498-43B3-948B-1728B52AA6E4}">
+                <adec:decorative xmlns:adec="http://schemas.microsoft.com/office/drawing/2017/decorative" val="1"/>
+              </a:ext>
+            </a:extLst>
+          </p:cNvPr>
+          <p:cNvSpPr>
+            <a:spLocks noGrp="1" noRot="1" noChangeAspect="1" noMove="1" noResize="1" noEditPoints="1" noAdjustHandles="1" noChangeArrowheads="1" noChangeShapeType="1" noTextEdit="1"/>
+          </p:cNvSpPr>
+          <p:nvPr>
+            <p:extLst>
+              <p:ext uri="{386F3935-93C4-4BCD-93E2-E3B085C9AB24}">
+                <p16:designElem xmlns:p16="http://schemas.microsoft.com/office/powerpoint/2015/main" val="1"/>
+              </p:ext>
+            </p:extLst>
+          </p:nvPr>
+        </p:nvSpPr>
+        <p:spPr>
+          <a:xfrm rot="5400000" flipH="1">
+            <a:off x="767923" y="3588085"/>
+            <a:ext cx="2501979" cy="4037841"/>
+          </a:xfrm>
+          <a:prstGeom prst="rect">
+            <a:avLst/>
+          </a:prstGeom>
+          <a:gradFill>
+            <a:gsLst>
+              <a:gs pos="2000">
+                <a:schemeClr val="accent1">
+                  <a:alpha val="29000"/>
+                </a:schemeClr>
+              </a:gs>
+              <a:gs pos="100000">
+                <a:srgbClr val="000000">
+                  <a:alpha val="30000"/>
+                </a:srgbClr>
+              </a:gs>
+            </a:gsLst>
+            <a:lin ang="7800000" scaled="0"/>
+          </a:gradFill>
+          <a:ln>
+            <a:noFill/>
+          </a:ln>
+        </p:spPr>
+        <p:style>
+          <a:lnRef idx="2">
+            <a:schemeClr val="accent1">
+              <a:shade val="50000"/>
+            </a:schemeClr>
+          </a:lnRef>
+          <a:fillRef idx="1">
+            <a:schemeClr val="accent1"/>
+          </a:fillRef>
+          <a:effectRef idx="0">
+            <a:schemeClr val="accent1"/>
+          </a:effectRef>
+          <a:fontRef idx="minor">
+            <a:schemeClr val="lt1"/>
+          </a:fontRef>
+        </p:style>
+        <p:txBody>
+          <a:bodyPr rtlCol="0" anchor="ctr"/>
+          <a:lstStyle/>
+          <a:p>
+            <a:pPr algn="ctr"/>
+            <a:endParaRPr lang="en-US" dirty="0"/>
+          </a:p>
+        </p:txBody>
+      </p:sp>
+      <p:sp>
+        <p:nvSpPr>
+          <p:cNvPr id="18" name="Freeform: Shape 17">
+            <a:extLst>
+              <a:ext uri="{FF2B5EF4-FFF2-40B4-BE49-F238E27FC236}">
+                <a16:creationId xmlns:a16="http://schemas.microsoft.com/office/drawing/2014/main" id="{38FAA1A1-D861-433F-88FA-1E9D6FD31D11}"/>
+              </a:ext>
+              <a:ext uri="{C183D7F6-B498-43B3-948B-1728B52AA6E4}">
+                <adec:decorative xmlns:adec="http://schemas.microsoft.com/office/drawing/2017/decorative" val="1"/>
+              </a:ext>
+            </a:extLst>
+          </p:cNvPr>
+          <p:cNvSpPr>
+            <a:spLocks noGrp="1" noRot="1" noChangeAspect="1" noMove="1" noResize="1" noEditPoints="1" noAdjustHandles="1" noChangeArrowheads="1" noChangeShapeType="1" noTextEdit="1"/>
+          </p:cNvSpPr>
+          <p:nvPr>
+            <p:extLst>
+              <p:ext uri="{386F3935-93C4-4BCD-93E2-E3B085C9AB24}">
+                <p16:designElem xmlns:p16="http://schemas.microsoft.com/office/powerpoint/2015/main" val="1"/>
+              </p:ext>
+            </p:extLst>
+          </p:nvPr>
+        </p:nvSpPr>
+        <p:spPr>
+          <a:xfrm rot="20635413">
+            <a:off x="-501737" y="969718"/>
+            <a:ext cx="3900357" cy="4178958"/>
+          </a:xfrm>
+          <a:custGeom>
+            <a:avLst/>
+            <a:gdLst>
+              <a:gd name="connsiteX0" fmla="*/ 2432225 w 3900357"/>
+              <a:gd name="connsiteY0" fmla="*/ 93939 h 4178958"/>
+              <a:gd name="connsiteX1" fmla="*/ 3900357 w 3900357"/>
+              <a:gd name="connsiteY1" fmla="*/ 2089479 h 4178958"/>
+              <a:gd name="connsiteX2" fmla="*/ 1810878 w 3900357"/>
+              <a:gd name="connsiteY2" fmla="*/ 4178958 h 4178958"/>
+              <a:gd name="connsiteX3" fmla="*/ 78249 w 3900357"/>
+              <a:gd name="connsiteY3" fmla="*/ 3257727 h 4178958"/>
+              <a:gd name="connsiteX4" fmla="*/ 0 w 3900357"/>
+              <a:gd name="connsiteY4" fmla="*/ 3128923 h 4178958"/>
+              <a:gd name="connsiteX5" fmla="*/ 831324 w 3900357"/>
+              <a:gd name="connsiteY5" fmla="*/ 244281 h 4178958"/>
+              <a:gd name="connsiteX6" fmla="*/ 997559 w 3900357"/>
+              <a:gd name="connsiteY6" fmla="*/ 164202 h 4178958"/>
+              <a:gd name="connsiteX7" fmla="*/ 1810878 w 3900357"/>
+              <a:gd name="connsiteY7" fmla="*/ 0 h 4178958"/>
+              <a:gd name="connsiteX8" fmla="*/ 2432225 w 3900357"/>
+              <a:gd name="connsiteY8" fmla="*/ 93939 h 4178958"/>
+            </a:gdLst>
+            <a:ahLst/>
+            <a:cxnLst>
+              <a:cxn ang="0">
+                <a:pos x="connsiteX0" y="connsiteY0"/>
+              </a:cxn>
+              <a:cxn ang="0">
+                <a:pos x="connsiteX1" y="connsiteY1"/>
+              </a:cxn>
+              <a:cxn ang="0">
+                <a:pos x="connsiteX2" y="connsiteY2"/>
+              </a:cxn>
+              <a:cxn ang="0">
+                <a:pos x="connsiteX3" y="connsiteY3"/>
+              </a:cxn>
+              <a:cxn ang="0">
+                <a:pos x="connsiteX4" y="connsiteY4"/>
+              </a:cxn>
+              <a:cxn ang="0">
+                <a:pos x="connsiteX5" y="connsiteY5"/>
+              </a:cxn>
+              <a:cxn ang="0">
+                <a:pos x="connsiteX6" y="connsiteY6"/>
+              </a:cxn>
+              <a:cxn ang="0">
+                <a:pos x="connsiteX7" y="connsiteY7"/>
+              </a:cxn>
+              <a:cxn ang="0">
+                <a:pos x="connsiteX8" y="connsiteY8"/>
+              </a:cxn>
+            </a:cxnLst>
+            <a:rect l="l" t="t" r="r" b="b"/>
+            <a:pathLst>
+              <a:path w="3900357" h="4178958">
+                <a:moveTo>
+                  <a:pt x="2432225" y="93939"/>
+                </a:moveTo>
+                <a:cubicBezTo>
+                  <a:pt x="3282786" y="358491"/>
+                  <a:pt x="3900357" y="1151865"/>
+                  <a:pt x="3900357" y="2089479"/>
+                </a:cubicBezTo>
+                <a:cubicBezTo>
+                  <a:pt x="3900357" y="3243466"/>
+                  <a:pt x="2964865" y="4178958"/>
+                  <a:pt x="1810878" y="4178958"/>
+                </a:cubicBezTo>
+                <a:cubicBezTo>
+                  <a:pt x="1089636" y="4178958"/>
+                  <a:pt x="453744" y="3813531"/>
+                  <a:pt x="78249" y="3257727"/>
+                </a:cubicBezTo>
+                <a:lnTo>
+                  <a:pt x="0" y="3128923"/>
+                </a:lnTo>
+                <a:lnTo>
+                  <a:pt x="831324" y="244281"/>
+                </a:lnTo>
+                <a:lnTo>
+                  <a:pt x="997559" y="164202"/>
+                </a:lnTo>
+                <a:cubicBezTo>
+                  <a:pt x="1247540" y="58468"/>
+                  <a:pt x="1522381" y="0"/>
+                  <a:pt x="1810878" y="0"/>
+                </a:cubicBezTo>
+                <a:cubicBezTo>
+                  <a:pt x="2027251" y="0"/>
+                  <a:pt x="2235942" y="32888"/>
+                  <a:pt x="2432225" y="93939"/>
+                </a:cubicBezTo>
+                <a:close/>
+              </a:path>
+            </a:pathLst>
+          </a:custGeom>
+          <a:gradFill>
+            <a:gsLst>
+              <a:gs pos="29000">
+                <a:srgbClr val="000000">
+                  <a:alpha val="0"/>
+                </a:srgbClr>
+              </a:gs>
+              <a:gs pos="100000">
+                <a:schemeClr val="accent1">
+                  <a:alpha val="43000"/>
+                </a:schemeClr>
+              </a:gs>
+            </a:gsLst>
+            <a:lin ang="1800000" scaled="0"/>
+          </a:gradFill>
+          <a:ln>
+            <a:noFill/>
+          </a:ln>
+        </p:spPr>
+        <p:style>
+          <a:lnRef idx="2">
+            <a:schemeClr val="accent1">
+              <a:shade val="50000"/>
+            </a:schemeClr>
+          </a:lnRef>
+          <a:fillRef idx="1">
+            <a:schemeClr val="accent1"/>
+          </a:fillRef>
+          <a:effectRef idx="0">
+            <a:schemeClr val="accent1"/>
+          </a:effectRef>
+          <a:fontRef idx="minor">
+            <a:schemeClr val="lt1"/>
+          </a:fontRef>
+        </p:style>
+        <p:txBody>
+          <a:bodyPr wrap="square" rtlCol="0" anchor="ctr">
+            <a:noAutofit/>
+          </a:bodyPr>
+          <a:lstStyle/>
+          <a:p>
+            <a:pPr algn="ctr"/>
+            <a:endParaRPr lang="en-US" dirty="0"/>
+          </a:p>
+        </p:txBody>
+      </p:sp>
+      <p:sp>
+        <p:nvSpPr>
+          <p:cNvPr id="20" name="Rectangle 19">
+            <a:extLst>
+              <a:ext uri="{FF2B5EF4-FFF2-40B4-BE49-F238E27FC236}">
+                <a16:creationId xmlns:a16="http://schemas.microsoft.com/office/drawing/2014/main" id="{8D71EDA1-87BF-4D5D-AB79-F346FD19278A}"/>
+              </a:ext>
+              <a:ext uri="{C183D7F6-B498-43B3-948B-1728B52AA6E4}">
+                <adec:decorative xmlns:adec="http://schemas.microsoft.com/office/drawing/2017/decorative" val="1"/>
+              </a:ext>
+            </a:extLst>
+          </p:cNvPr>
+          <p:cNvSpPr>
+            <a:spLocks noGrp="1" noRot="1" noChangeAspect="1" noMove="1" noResize="1" noEditPoints="1" noAdjustHandles="1" noChangeArrowheads="1" noChangeShapeType="1" noTextEdit="1"/>
+          </p:cNvSpPr>
+          <p:nvPr>
+            <p:extLst>
+              <p:ext uri="{386F3935-93C4-4BCD-93E2-E3B085C9AB24}">
+                <p16:designElem xmlns:p16="http://schemas.microsoft.com/office/powerpoint/2015/main" val="1"/>
+              </p:ext>
+            </p:extLst>
+          </p:nvPr>
+        </p:nvSpPr>
+        <p:spPr>
+          <a:xfrm rot="5400000" flipH="1">
+            <a:off x="-1410093" y="1399943"/>
+            <a:ext cx="6858003" cy="4037835"/>
+          </a:xfrm>
+          <a:prstGeom prst="rect">
+            <a:avLst/>
+          </a:prstGeom>
+          <a:gradFill>
+            <a:gsLst>
+              <a:gs pos="0">
+                <a:srgbClr val="000000">
+                  <a:alpha val="0"/>
+                </a:srgbClr>
+              </a:gs>
+              <a:gs pos="99000">
+                <a:schemeClr val="accent1">
+                  <a:lumMod val="60000"/>
+                  <a:lumOff val="40000"/>
+                  <a:alpha val="11000"/>
+                </a:schemeClr>
+              </a:gs>
+            </a:gsLst>
+            <a:lin ang="7200000" scaled="0"/>
+          </a:gradFill>
+          <a:ln>
+            <a:noFill/>
+          </a:ln>
+        </p:spPr>
+        <p:style>
+          <a:lnRef idx="2">
+            <a:schemeClr val="accent1">
+              <a:shade val="50000"/>
+            </a:schemeClr>
+          </a:lnRef>
+          <a:fillRef idx="1">
+            <a:schemeClr val="accent1"/>
+          </a:fillRef>
+          <a:effectRef idx="0">
+            <a:schemeClr val="accent1"/>
+          </a:effectRef>
+          <a:fontRef idx="minor">
+            <a:schemeClr val="lt1"/>
+          </a:fontRef>
+        </p:style>
+        <p:txBody>
+          <a:bodyPr rtlCol="0" anchor="ctr"/>
+          <a:lstStyle/>
+          <a:p>
+            <a:pPr algn="ctr"/>
+            <a:endParaRPr lang="en-US"/>
+          </a:p>
+        </p:txBody>
+      </p:sp>
       <p:sp>
         <p:nvSpPr>
           <p:cNvPr id="2" name="Title 1">
@@ -20466,22 +21850,38 @@
             <p:ph type="title"/>
           </p:nvPr>
         </p:nvSpPr>
-        <p:spPr/>
+        <p:spPr>
+          <a:xfrm>
+            <a:off x="466722" y="586855"/>
+            <a:ext cx="3201366" cy="3387497"/>
+          </a:xfrm>
+        </p:spPr>
         <p:txBody>
-          <a:bodyPr/>
+          <a:bodyPr anchor="b">
+            <a:normAutofit/>
+          </a:bodyPr>
           <a:lstStyle/>
           <a:p>
+            <a:pPr algn="r"/>
             <a:r>
-              <a:rPr lang="en-US" dirty="0"/>
+              <a:rPr lang="en-US" sz="4000">
+                <a:solidFill>
+                  <a:srgbClr val="FFFFFF"/>
+                </a:solidFill>
+              </a:rPr>
               <a:t>Project Overview</a:t>
             </a:r>
-            <a:endParaRPr lang="en-IN" dirty="0"/>
+            <a:endParaRPr lang="en-IN" sz="4000">
+              <a:solidFill>
+                <a:srgbClr val="FFFFFF"/>
+              </a:solidFill>
+            </a:endParaRPr>
           </a:p>
         </p:txBody>
       </p:sp>
       <p:sp>
         <p:nvSpPr>
-          <p:cNvPr id="3" name="Content Placeholder 2">
+          <p:cNvPr id="17" name="Content Placeholder 2">
             <a:extLst>
               <a:ext uri="{FF2B5EF4-FFF2-40B4-BE49-F238E27FC236}">
                 <a16:creationId xmlns:a16="http://schemas.microsoft.com/office/drawing/2014/main" id="{7D13270C-E2EE-D8A9-9257-E57F9E7FF963}"/>
@@ -20495,46 +21895,37 @@
             <p:ph idx="1"/>
           </p:nvPr>
         </p:nvSpPr>
-        <p:spPr/>
+        <p:spPr>
+          <a:xfrm>
+            <a:off x="4810259" y="649480"/>
+            <a:ext cx="6555347" cy="5546047"/>
+          </a:xfrm>
+        </p:spPr>
         <p:txBody>
-          <a:bodyPr/>
+          <a:bodyPr anchor="ctr">
+            <a:normAutofit/>
+          </a:bodyPr>
           <a:lstStyle/>
           <a:p>
             <a:r>
-              <a:rPr lang="en-US" sz="2000" b="0" dirty="0">
+              <a:rPr lang="en-US" sz="2000" b="0">
                 <a:effectLst/>
                 <a:latin typeface="Arial" panose="020B0604020202020204" pitchFamily="34" charset="0"/>
                 <a:cs typeface="Arial" panose="020B0604020202020204" pitchFamily="34" charset="0"/>
               </a:rPr>
-              <a:t>Python calculator(GUI application) constructed using </a:t>
-            </a:r>
-            <a:r>
-              <a:rPr lang="en-US" sz="2000" b="0" dirty="0" err="1">
-                <a:effectLst/>
-                <a:latin typeface="Arial" panose="020B0604020202020204" pitchFamily="34" charset="0"/>
-                <a:cs typeface="Arial" panose="020B0604020202020204" pitchFamily="34" charset="0"/>
-              </a:rPr>
-              <a:t>Tkinter</a:t>
-            </a:r>
-            <a:r>
-              <a:rPr lang="en-US" sz="2000" b="0" dirty="0">
-                <a:effectLst/>
-                <a:latin typeface="Arial" panose="020B0604020202020204" pitchFamily="34" charset="0"/>
-                <a:cs typeface="Arial" panose="020B0604020202020204" pitchFamily="34" charset="0"/>
-              </a:rPr>
-              <a:t> library in VS Code</a:t>
+              <a:t>Python calculator(GUI application) constructed using Tkinter library in VS Code</a:t>
             </a:r>
           </a:p>
           <a:p>
             <a:r>
-              <a:rPr lang="en-US" sz="2000" dirty="0">
+              <a:rPr lang="en-US" sz="2000">
                 <a:latin typeface="Arial" panose="020B0604020202020204" pitchFamily="34" charset="0"/>
                 <a:cs typeface="Arial" panose="020B0604020202020204" pitchFamily="34" charset="0"/>
               </a:rPr>
               <a:t>C</a:t>
             </a:r>
             <a:r>
-              <a:rPr lang="en-US" sz="2000" b="0" dirty="0">
+              <a:rPr lang="en-US" sz="2000" b="0">
                 <a:effectLst/>
                 <a:latin typeface="Arial" panose="020B0604020202020204" pitchFamily="34" charset="0"/>
                 <a:cs typeface="Arial" panose="020B0604020202020204" pitchFamily="34" charset="0"/>
@@ -20544,14 +21935,14 @@
           </a:p>
           <a:p>
             <a:r>
-              <a:rPr lang="en-US" sz="2000" dirty="0">
+              <a:rPr lang="en-US" sz="2000">
                 <a:latin typeface="Arial" panose="020B0604020202020204" pitchFamily="34" charset="0"/>
                 <a:cs typeface="Arial" panose="020B0604020202020204" pitchFamily="34" charset="0"/>
               </a:rPr>
               <a:t>Allows the s</a:t>
             </a:r>
             <a:r>
-              <a:rPr lang="en-US" sz="2000" b="0" dirty="0">
+              <a:rPr lang="en-US" sz="2000" b="0">
                 <a:effectLst/>
                 <a:latin typeface="Arial" panose="020B0604020202020204" pitchFamily="34" charset="0"/>
                 <a:cs typeface="Arial" panose="020B0604020202020204" pitchFamily="34" charset="0"/>
@@ -20561,14 +21952,14 @@
           </a:p>
           <a:p>
             <a:r>
-              <a:rPr lang="en-US" sz="2000" dirty="0">
+              <a:rPr lang="en-US" sz="2000">
                 <a:latin typeface="Arial" panose="020B0604020202020204" pitchFamily="34" charset="0"/>
                 <a:cs typeface="Arial" panose="020B0604020202020204" pitchFamily="34" charset="0"/>
               </a:rPr>
               <a:t>Y</a:t>
             </a:r>
             <a:r>
-              <a:rPr lang="en-US" sz="2000" b="0" dirty="0">
+              <a:rPr lang="en-US" sz="2000" b="0">
                 <a:effectLst/>
                 <a:latin typeface="Arial" panose="020B0604020202020204" pitchFamily="34" charset="0"/>
                 <a:cs typeface="Arial" panose="020B0604020202020204" pitchFamily="34" charset="0"/>
@@ -20577,7 +21968,7 @@
             </a:r>
           </a:p>
           <a:p>
-            <a:endParaRPr lang="en-IN" dirty="0"/>
+            <a:endParaRPr lang="en-IN" sz="2000"/>
           </a:p>
         </p:txBody>
       </p:sp>

--- a/Project 1.pptx
+++ b/Project 1.pptx
@@ -124,7 +124,7 @@
 <file path=ppt/revisionInfo.xml><?xml version="1.0" encoding="utf-8"?>
 <p1510:revInfo xmlns:a="http://schemas.openxmlformats.org/drawingml/2006/main" xmlns:r="http://schemas.openxmlformats.org/officeDocument/2006/relationships" xmlns:p1510="http://schemas.microsoft.com/office/powerpoint/2015/10/main">
   <p1510:revLst>
-    <p1510:client id="{D78F7972-82B7-4AEB-92B6-C2AC2D8AECB8}" v="2" dt="2024-03-09T14:40:57.703"/>
+    <p1510:client id="{D78F7972-82B7-4AEB-92B6-C2AC2D8AECB8}" v="10" dt="2024-03-09T16:44:45.919"/>
   </p1510:revLst>
 </p1510:revInfo>
 </file>
@@ -134,7 +134,7 @@
   <pc:docChgLst>
     <pc:chgData name="Garima Mahajan/OPS/BBL" userId="b3a8aa5d-8c88-4e29-878b-39afa047cefa" providerId="ADAL" clId="{D78F7972-82B7-4AEB-92B6-C2AC2D8AECB8}"/>
     <pc:docChg chg="undo custSel addSld delSld modSld">
-      <pc:chgData name="Garima Mahajan/OPS/BBL" userId="b3a8aa5d-8c88-4e29-878b-39afa047cefa" providerId="ADAL" clId="{D78F7972-82B7-4AEB-92B6-C2AC2D8AECB8}" dt="2024-03-09T14:42:44.935" v="54" actId="14100"/>
+      <pc:chgData name="Garima Mahajan/OPS/BBL" userId="b3a8aa5d-8c88-4e29-878b-39afa047cefa" providerId="ADAL" clId="{D78F7972-82B7-4AEB-92B6-C2AC2D8AECB8}" dt="2024-03-09T16:44:45.919" v="62" actId="20577"/>
       <pc:docMkLst>
         <pc:docMk/>
       </pc:docMkLst>
@@ -309,6 +309,21 @@
             <pc:docMk/>
             <pc:sldMk cId="4059308290" sldId="257"/>
             <ac:graphicFrameMk id="5" creationId="{F0A75023-AB0A-6036-88D0-7F5844A6F079}"/>
+          </ac:graphicFrameMkLst>
+        </pc:graphicFrameChg>
+      </pc:sldChg>
+      <pc:sldChg chg="modSp">
+        <pc:chgData name="Garima Mahajan/OPS/BBL" userId="b3a8aa5d-8c88-4e29-878b-39afa047cefa" providerId="ADAL" clId="{D78F7972-82B7-4AEB-92B6-C2AC2D8AECB8}" dt="2024-03-09T16:44:45.919" v="62" actId="20577"/>
+        <pc:sldMkLst>
+          <pc:docMk/>
+          <pc:sldMk cId="3944067794" sldId="264"/>
+        </pc:sldMkLst>
+        <pc:graphicFrameChg chg="mod">
+          <ac:chgData name="Garima Mahajan/OPS/BBL" userId="b3a8aa5d-8c88-4e29-878b-39afa047cefa" providerId="ADAL" clId="{D78F7972-82B7-4AEB-92B6-C2AC2D8AECB8}" dt="2024-03-09T16:44:45.919" v="62" actId="20577"/>
+          <ac:graphicFrameMkLst>
+            <pc:docMk/>
+            <pc:sldMk cId="3944067794" sldId="264"/>
+            <ac:graphicFrameMk id="5" creationId="{4421069C-21D8-2A1C-18D6-FF9CA3A84DE7}"/>
           </ac:graphicFrameMkLst>
         </pc:graphicFrameChg>
       </pc:sldChg>
@@ -6770,8 +6785,16 @@
             </a:lnSpc>
           </a:pPr>
           <a:r>
+            <a:rPr lang="en-US" dirty="0" err="1"/>
+            <a:t>Tkinter</a:t>
+          </a:r>
+          <a:r>
+            <a:rPr lang="en-US" dirty="0"/>
+            <a:t> library use </a:t>
+          </a:r>
+          <a:r>
             <a:rPr lang="en-US"/>
-            <a:t>Tkinter library use for creation of GUI interface</a:t>
+            <a:t>for the creation of GUI interface</a:t>
           </a:r>
         </a:p>
       </dgm:t>
@@ -9329,8 +9352,16 @@
             <a:buNone/>
           </a:pPr>
           <a:r>
+            <a:rPr lang="en-US" sz="2400" kern="1200" dirty="0" err="1"/>
+            <a:t>Tkinter</a:t>
+          </a:r>
+          <a:r>
+            <a:rPr lang="en-US" sz="2400" kern="1200" dirty="0"/>
+            <a:t> library use </a:t>
+          </a:r>
+          <a:r>
             <a:rPr lang="en-US" sz="2400" kern="1200"/>
-            <a:t>Tkinter library use for creation of GUI interface</a:t>
+            <a:t>for the creation of GUI interface</a:t>
           </a:r>
         </a:p>
       </dsp:txBody>
@@ -24771,7 +24802,7 @@
             <p:ph idx="1"/>
             <p:extLst>
               <p:ext uri="{D42A27DB-BD31-4B8C-83A1-F6EECF244321}">
-                <p14:modId xmlns:p14="http://schemas.microsoft.com/office/powerpoint/2010/main" val="1625365261"/>
+                <p14:modId xmlns:p14="http://schemas.microsoft.com/office/powerpoint/2010/main" val="3756518045"/>
               </p:ext>
             </p:extLst>
           </p:nvPr>

--- a/Project 1.pptx
+++ b/Project 1.pptx
@@ -134,7 +134,7 @@
   <pc:docChgLst>
     <pc:chgData name="Garima Mahajan/OPS/BBL" userId="b3a8aa5d-8c88-4e29-878b-39afa047cefa" providerId="ADAL" clId="{D78F7972-82B7-4AEB-92B6-C2AC2D8AECB8}"/>
     <pc:docChg chg="undo custSel addSld delSld modSld">
-      <pc:chgData name="Garima Mahajan/OPS/BBL" userId="b3a8aa5d-8c88-4e29-878b-39afa047cefa" providerId="ADAL" clId="{D78F7972-82B7-4AEB-92B6-C2AC2D8AECB8}" dt="2024-03-09T16:44:45.919" v="62" actId="20577"/>
+      <pc:chgData name="Garima Mahajan/OPS/BBL" userId="b3a8aa5d-8c88-4e29-878b-39afa047cefa" providerId="ADAL" clId="{D78F7972-82B7-4AEB-92B6-C2AC2D8AECB8}" dt="2024-03-09T16:46:15.856" v="63" actId="20577"/>
       <pc:docMkLst>
         <pc:docMk/>
       </pc:docMkLst>
@@ -186,7 +186,7 @@
         </pc:picChg>
       </pc:sldChg>
       <pc:sldChg chg="addSp delSp modSp mod setBg">
-        <pc:chgData name="Garima Mahajan/OPS/BBL" userId="b3a8aa5d-8c88-4e29-878b-39afa047cefa" providerId="ADAL" clId="{D78F7972-82B7-4AEB-92B6-C2AC2D8AECB8}" dt="2024-03-09T14:39:06.913" v="7" actId="26606"/>
+        <pc:chgData name="Garima Mahajan/OPS/BBL" userId="b3a8aa5d-8c88-4e29-878b-39afa047cefa" providerId="ADAL" clId="{D78F7972-82B7-4AEB-92B6-C2AC2D8AECB8}" dt="2024-03-09T16:46:15.856" v="63" actId="20577"/>
         <pc:sldMkLst>
           <pc:docMk/>
           <pc:sldMk cId="4059308290" sldId="257"/>
@@ -279,8 +279,8 @@
             <ac:spMk id="16" creationId="{D2B78728-A580-49A7-84F9-6EF6F583ADE0}"/>
           </ac:spMkLst>
         </pc:spChg>
-        <pc:spChg chg="add">
-          <ac:chgData name="Garima Mahajan/OPS/BBL" userId="b3a8aa5d-8c88-4e29-878b-39afa047cefa" providerId="ADAL" clId="{D78F7972-82B7-4AEB-92B6-C2AC2D8AECB8}" dt="2024-03-09T14:39:06.913" v="7" actId="26606"/>
+        <pc:spChg chg="add mod">
+          <ac:chgData name="Garima Mahajan/OPS/BBL" userId="b3a8aa5d-8c88-4e29-878b-39afa047cefa" providerId="ADAL" clId="{D78F7972-82B7-4AEB-92B6-C2AC2D8AECB8}" dt="2024-03-09T16:46:15.856" v="63" actId="20577"/>
           <ac:spMkLst>
             <pc:docMk/>
             <pc:sldMk cId="4059308290" sldId="257"/>
@@ -6790,11 +6790,7 @@
           </a:r>
           <a:r>
             <a:rPr lang="en-US" dirty="0"/>
-            <a:t> library use </a:t>
-          </a:r>
-          <a:r>
-            <a:rPr lang="en-US"/>
-            <a:t>for the creation of GUI interface</a:t>
+            <a:t> library use for the creation of GUI interface</a:t>
           </a:r>
         </a:p>
       </dgm:t>
@@ -9357,11 +9353,7 @@
           </a:r>
           <a:r>
             <a:rPr lang="en-US" sz="2400" kern="1200" dirty="0"/>
-            <a:t> library use </a:t>
-          </a:r>
-          <a:r>
-            <a:rPr lang="en-US" sz="2400" kern="1200"/>
-            <a:t>for the creation of GUI interface</a:t>
+            <a:t> library use for the creation of GUI interface</a:t>
           </a:r>
         </a:p>
       </dsp:txBody>
@@ -21939,12 +21931,28 @@
           <a:lstStyle/>
           <a:p>
             <a:r>
-              <a:rPr lang="en-US" sz="2000" b="0">
+              <a:rPr lang="en-US" sz="2000" b="0" dirty="0">
                 <a:effectLst/>
                 <a:latin typeface="Arial" panose="020B0604020202020204" pitchFamily="34" charset="0"/>
                 <a:cs typeface="Arial" panose="020B0604020202020204" pitchFamily="34" charset="0"/>
               </a:rPr>
-              <a:t>Python calculator(GUI application) constructed using Tkinter library in VS Code</a:t>
+              <a:t>Python calculator(GUI application) constructed using </a:t>
+            </a:r>
+            <a:r>
+              <a:rPr lang="en-US" sz="2000" b="0" dirty="0" err="1">
+                <a:effectLst/>
+                <a:latin typeface="Arial" panose="020B0604020202020204" pitchFamily="34" charset="0"/>
+                <a:cs typeface="Arial" panose="020B0604020202020204" pitchFamily="34" charset="0"/>
+              </a:rPr>
+              <a:t>Tkinter</a:t>
+            </a:r>
+            <a:r>
+              <a:rPr lang="en-US" sz="2000" b="0" dirty="0">
+                <a:effectLst/>
+                <a:latin typeface="Arial" panose="020B0604020202020204" pitchFamily="34" charset="0"/>
+                <a:cs typeface="Arial" panose="020B0604020202020204" pitchFamily="34" charset="0"/>
+              </a:rPr>
+              <a:t> library in VS Code</a:t>
             </a:r>
           </a:p>
           <a:p>
@@ -21961,19 +21969,19 @@
                 <a:latin typeface="Arial" panose="020B0604020202020204" pitchFamily="34" charset="0"/>
                 <a:cs typeface="Arial" panose="020B0604020202020204" pitchFamily="34" charset="0"/>
               </a:rPr>
-              <a:t>lickable buttons that performs core mathematical operations encompassing addition, subtraction, multiplication, and division </a:t>
+              <a:t>lickable buttons that perform core mathematical operations encompassing addition, subtraction, multiplication, and division </a:t>
             </a:r>
           </a:p>
           <a:p>
             <a:r>
-              <a:rPr lang="en-US" sz="2000">
+              <a:rPr lang="en-US" sz="2000" dirty="0">
                 <a:latin typeface="Arial" panose="020B0604020202020204" pitchFamily="34" charset="0"/>
                 <a:cs typeface="Arial" panose="020B0604020202020204" pitchFamily="34" charset="0"/>
               </a:rPr>
               <a:t>Allows the s</a:t>
             </a:r>
             <a:r>
-              <a:rPr lang="en-US" sz="2000" b="0">
+              <a:rPr lang="en-US" sz="2000" b="0" dirty="0">
                 <a:effectLst/>
                 <a:latin typeface="Arial" panose="020B0604020202020204" pitchFamily="34" charset="0"/>
                 <a:cs typeface="Arial" panose="020B0604020202020204" pitchFamily="34" charset="0"/>
@@ -21983,14 +21991,14 @@
           </a:p>
           <a:p>
             <a:r>
-              <a:rPr lang="en-US" sz="2000">
+              <a:rPr lang="en-US" sz="2000" dirty="0">
                 <a:latin typeface="Arial" panose="020B0604020202020204" pitchFamily="34" charset="0"/>
                 <a:cs typeface="Arial" panose="020B0604020202020204" pitchFamily="34" charset="0"/>
               </a:rPr>
               <a:t>Y</a:t>
             </a:r>
             <a:r>
-              <a:rPr lang="en-US" sz="2000" b="0">
+              <a:rPr lang="en-US" sz="2000" b="0" dirty="0">
                 <a:effectLst/>
                 <a:latin typeface="Arial" panose="020B0604020202020204" pitchFamily="34" charset="0"/>
                 <a:cs typeface="Arial" panose="020B0604020202020204" pitchFamily="34" charset="0"/>
@@ -21999,7 +22007,7 @@
             </a:r>
           </a:p>
           <a:p>
-            <a:endParaRPr lang="en-IN" sz="2000"/>
+            <a:endParaRPr lang="en-IN" sz="2000" dirty="0"/>
           </a:p>
         </p:txBody>
       </p:sp>

--- a/Project 1.pptx
+++ b/Project 1.pptx
@@ -124,7 +124,7 @@
 <file path=ppt/revisionInfo.xml><?xml version="1.0" encoding="utf-8"?>
 <p1510:revInfo xmlns:a="http://schemas.openxmlformats.org/drawingml/2006/main" xmlns:r="http://schemas.openxmlformats.org/officeDocument/2006/relationships" xmlns:p1510="http://schemas.microsoft.com/office/powerpoint/2015/10/main">
   <p1510:revLst>
-    <p1510:client id="{D78F7972-82B7-4AEB-92B6-C2AC2D8AECB8}" v="10" dt="2024-03-09T16:44:45.919"/>
+    <p1510:client id="{D78F7972-82B7-4AEB-92B6-C2AC2D8AECB8}" v="526" dt="2024-03-09T18:18:21.280"/>
   </p1510:revLst>
 </p1510:revInfo>
 </file>
@@ -134,7 +134,7 @@
   <pc:docChgLst>
     <pc:chgData name="Garima Mahajan/OPS/BBL" userId="b3a8aa5d-8c88-4e29-878b-39afa047cefa" providerId="ADAL" clId="{D78F7972-82B7-4AEB-92B6-C2AC2D8AECB8}"/>
     <pc:docChg chg="undo custSel addSld delSld modSld">
-      <pc:chgData name="Garima Mahajan/OPS/BBL" userId="b3a8aa5d-8c88-4e29-878b-39afa047cefa" providerId="ADAL" clId="{D78F7972-82B7-4AEB-92B6-C2AC2D8AECB8}" dt="2024-03-09T16:46:15.856" v="63" actId="20577"/>
+      <pc:chgData name="Garima Mahajan/OPS/BBL" userId="b3a8aa5d-8c88-4e29-878b-39afa047cefa" providerId="ADAL" clId="{D78F7972-82B7-4AEB-92B6-C2AC2D8AECB8}" dt="2024-03-09T18:18:21.280" v="579" actId="313"/>
       <pc:docMkLst>
         <pc:docMk/>
       </pc:docMkLst>
@@ -309,6 +309,36 @@
             <pc:docMk/>
             <pc:sldMk cId="4059308290" sldId="257"/>
             <ac:graphicFrameMk id="5" creationId="{F0A75023-AB0A-6036-88D0-7F5844A6F079}"/>
+          </ac:graphicFrameMkLst>
+        </pc:graphicFrameChg>
+      </pc:sldChg>
+      <pc:sldChg chg="modSp">
+        <pc:chgData name="Garima Mahajan/OPS/BBL" userId="b3a8aa5d-8c88-4e29-878b-39afa047cefa" providerId="ADAL" clId="{D78F7972-82B7-4AEB-92B6-C2AC2D8AECB8}" dt="2024-03-09T18:13:15.294" v="501" actId="20577"/>
+        <pc:sldMkLst>
+          <pc:docMk/>
+          <pc:sldMk cId="507341500" sldId="260"/>
+        </pc:sldMkLst>
+        <pc:graphicFrameChg chg="mod">
+          <ac:chgData name="Garima Mahajan/OPS/BBL" userId="b3a8aa5d-8c88-4e29-878b-39afa047cefa" providerId="ADAL" clId="{D78F7972-82B7-4AEB-92B6-C2AC2D8AECB8}" dt="2024-03-09T18:13:15.294" v="501" actId="20577"/>
+          <ac:graphicFrameMkLst>
+            <pc:docMk/>
+            <pc:sldMk cId="507341500" sldId="260"/>
+            <ac:graphicFrameMk id="5" creationId="{490CA332-AAFA-0571-164B-0A5662EBB4CF}"/>
+          </ac:graphicFrameMkLst>
+        </pc:graphicFrameChg>
+      </pc:sldChg>
+      <pc:sldChg chg="modSp">
+        <pc:chgData name="Garima Mahajan/OPS/BBL" userId="b3a8aa5d-8c88-4e29-878b-39afa047cefa" providerId="ADAL" clId="{D78F7972-82B7-4AEB-92B6-C2AC2D8AECB8}" dt="2024-03-09T18:18:21.280" v="579" actId="313"/>
+        <pc:sldMkLst>
+          <pc:docMk/>
+          <pc:sldMk cId="3029399311" sldId="261"/>
+        </pc:sldMkLst>
+        <pc:graphicFrameChg chg="mod">
+          <ac:chgData name="Garima Mahajan/OPS/BBL" userId="b3a8aa5d-8c88-4e29-878b-39afa047cefa" providerId="ADAL" clId="{D78F7972-82B7-4AEB-92B6-C2AC2D8AECB8}" dt="2024-03-09T18:18:21.280" v="579" actId="313"/>
+          <ac:graphicFrameMkLst>
+            <pc:docMk/>
+            <pc:sldMk cId="3029399311" sldId="261"/>
+            <ac:graphicFrameMk id="5" creationId="{4A95F975-0391-3D4B-2EF1-9DC861060E84}"/>
           </ac:graphicFrameMkLst>
         </pc:graphicFrameChg>
       </pc:sldChg>
@@ -5897,12 +5927,8 @@
         <a:lstStyle/>
         <a:p>
           <a:r>
-            <a:rPr lang="en-US" dirty="0" err="1"/>
-            <a:t>Tkinter</a:t>
-          </a:r>
-          <a:r>
             <a:rPr lang="en-US" dirty="0"/>
-            <a:t> library was used using import </a:t>
+            <a:t>The </a:t>
           </a:r>
           <a:r>
             <a:rPr lang="en-US" dirty="0" err="1"/>
@@ -5910,13 +5936,29 @@
           </a:r>
           <a:r>
             <a:rPr lang="en-US" dirty="0"/>
-            <a:t> as tk.</a:t>
+            <a:t> library was </a:t>
+          </a:r>
+          <a:r>
+            <a:rPr lang="en-US" dirty="0" err="1"/>
+            <a:t>utilizeed</a:t>
+          </a:r>
+          <a:r>
+            <a:rPr lang="en-US" dirty="0"/>
+            <a:t> by importing it with the alias ‘</a:t>
+          </a:r>
+          <a:r>
+            <a:rPr lang="en-US" dirty="0" err="1"/>
+            <a:t>tk</a:t>
+          </a:r>
+          <a:r>
+            <a:rPr lang="en-US" dirty="0"/>
+            <a:t>’.</a:t>
           </a:r>
         </a:p>
         <a:p>
           <a:r>
             <a:rPr lang="en-US" dirty="0"/>
-            <a:t>VS Code used for the Python code</a:t>
+            <a:t>Python code was developed using VS Code</a:t>
           </a:r>
         </a:p>
       </dgm:t>
@@ -5952,7 +5994,7 @@
         <a:p>
           <a:r>
             <a:rPr lang="en-US" dirty="0"/>
-            <a:t>def keyword was used to define 3 functions:</a:t>
+            <a:t>The ‘def’ keyword was used to declare the 3 functions:</a:t>
           </a:r>
         </a:p>
         <a:p>
@@ -6021,7 +6063,7 @@
         <a:p>
           <a:r>
             <a:rPr lang="en-US" dirty="0"/>
-            <a:t>Global keyword was used in the functions to create global variable inside the function. </a:t>
+            <a:t>The ‘global’ keyword was utilized within the functions to establish global variables inside the function. </a:t>
           </a:r>
         </a:p>
       </dgm:t>
@@ -6057,7 +6099,7 @@
         <a:p>
           <a:r>
             <a:rPr lang="en-US" dirty="0"/>
-            <a:t>root= </a:t>
+            <a:t>To create a GUI window, ‘</a:t>
           </a:r>
           <a:r>
             <a:rPr lang="en-US" dirty="0" err="1"/>
@@ -6065,7 +6107,7 @@
           </a:r>
           <a:r>
             <a:rPr lang="en-US" dirty="0"/>
-            <a:t>() for creating a GUI window </a:t>
+            <a:t>()’ method is used, assigning the result to the variable ‘root’</a:t>
           </a:r>
         </a:p>
       </dgm:t>
@@ -6100,12 +6142,8 @@
         <a:lstStyle/>
         <a:p>
           <a:r>
-            <a:rPr lang="en-US" dirty="0" err="1"/>
-            <a:t>root.title</a:t>
-          </a:r>
-          <a:r>
             <a:rPr lang="en-US" dirty="0"/>
-            <a:t> to give title to GUI application</a:t>
+            <a:t>To provide title to the GUI application, ‘title’ method of the ‘root’ window is utilized</a:t>
           </a:r>
         </a:p>
       </dgm:t>
@@ -6140,13 +6178,30 @@
         <a:lstStyle/>
         <a:p>
           <a:r>
-            <a:rPr lang="en-US" dirty="0" err="1"/>
-            <a:t>root.mainloop</a:t>
+            <a:rPr lang="en-US" dirty="0"/>
+            <a:t>The</a:t>
           </a:r>
           <a:r>
-            <a:rPr lang="en-US" dirty="0"/>
-            <a:t>() is method to execute in the window</a:t>
+            <a:rPr lang="en-US" baseline="0" dirty="0"/>
+            <a:t> ‘</a:t>
           </a:r>
+          <a:r>
+            <a:rPr lang="en-US" baseline="0" dirty="0" err="1"/>
+            <a:t>mainloop</a:t>
+          </a:r>
+          <a:r>
+            <a:rPr lang="en-US" baseline="0" dirty="0"/>
+            <a:t>’ method is called to ‘root’ window to execute and run </a:t>
+          </a:r>
+          <a:r>
+            <a:rPr lang="en-US" baseline="0" dirty="0" err="1"/>
+            <a:t>Tkinter</a:t>
+          </a:r>
+          <a:r>
+            <a:rPr lang="en-US" baseline="0" dirty="0"/>
+            <a:t> window</a:t>
+          </a:r>
+          <a:endParaRPr lang="en-US" dirty="0"/>
         </a:p>
       </dgm:t>
     </dgm:pt>
@@ -6194,7 +6249,7 @@
       <dgm:spPr/>
     </dgm:pt>
     <dgm:pt modelId="{112F2CE0-D0DC-481F-AE3D-88B2C13B706F}" type="pres">
-      <dgm:prSet presAssocID="{DDA554CF-0E74-4F18-A0D7-FFAF59A885D1}" presName="node" presStyleLbl="node1" presStyleIdx="1" presStyleCnt="6">
+      <dgm:prSet presAssocID="{DDA554CF-0E74-4F18-A0D7-FFAF59A885D1}" presName="node" presStyleLbl="node1" presStyleIdx="1" presStyleCnt="6" custLinFactNeighborX="-422" custLinFactNeighborY="-2354">
         <dgm:presLayoutVars>
           <dgm:bulletEnabled val="1"/>
         </dgm:presLayoutVars>
@@ -6308,8 +6363,16 @@
         <a:lstStyle/>
         <a:p>
           <a:r>
-            <a:rPr lang="en-US"/>
-            <a:t>try and except keywords were employed inside evaluate_calculation to avoid any errors</a:t>
+            <a:rPr lang="en-US" dirty="0"/>
+            <a:t>The ‘try’ and ‘except’ keywords were employed inside </a:t>
+          </a:r>
+          <a:r>
+            <a:rPr lang="en-US" dirty="0" err="1"/>
+            <a:t>evaluate_calculation</a:t>
+          </a:r>
+          <a:r>
+            <a:rPr lang="en-US" dirty="0"/>
+            <a:t> to avoid any errors</a:t>
           </a:r>
         </a:p>
       </dgm:t>
@@ -6345,7 +6408,7 @@
         <a:p>
           <a:r>
             <a:rPr lang="en-US" dirty="0"/>
-            <a:t>Individual buttons were created as </a:t>
+            <a:t>Buttons are instantized as ‘</a:t>
           </a:r>
           <a:r>
             <a:rPr lang="en-US" dirty="0" err="1"/>
@@ -6353,7 +6416,7 @@
           </a:r>
           <a:r>
             <a:rPr lang="en-US" dirty="0"/>
-            <a:t> as part of the root window</a:t>
+            <a:t>’ objects within the root window</a:t>
           </a:r>
         </a:p>
       </dgm:t>
@@ -6389,7 +6452,7 @@
         <a:p>
           <a:r>
             <a:rPr lang="en-US" dirty="0"/>
-            <a:t>Grid method was used to put button(widgets) in table format(</a:t>
+            <a:t>The ‘grid’ method was used to arrange button(widgets) in table format(</a:t>
           </a:r>
           <a:r>
             <a:rPr lang="en-US" dirty="0" err="1"/>
@@ -8088,12 +8151,8 @@
             <a:buNone/>
           </a:pPr>
           <a:r>
-            <a:rPr lang="en-US" sz="1800" kern="1200" dirty="0" err="1"/>
-            <a:t>Tkinter</a:t>
-          </a:r>
-          <a:r>
             <a:rPr lang="en-US" sz="1800" kern="1200" dirty="0"/>
-            <a:t> library was used using import </a:t>
+            <a:t>The </a:t>
           </a:r>
           <a:r>
             <a:rPr lang="en-US" sz="1800" kern="1200" dirty="0" err="1"/>
@@ -8101,7 +8160,23 @@
           </a:r>
           <a:r>
             <a:rPr lang="en-US" sz="1800" kern="1200" dirty="0"/>
-            <a:t> as tk.</a:t>
+            <a:t> library was </a:t>
+          </a:r>
+          <a:r>
+            <a:rPr lang="en-US" sz="1800" kern="1200" dirty="0" err="1"/>
+            <a:t>utilizeed</a:t>
+          </a:r>
+          <a:r>
+            <a:rPr lang="en-US" sz="1800" kern="1200" dirty="0"/>
+            <a:t> by importing it with the alias ‘</a:t>
+          </a:r>
+          <a:r>
+            <a:rPr lang="en-US" sz="1800" kern="1200" dirty="0" err="1"/>
+            <a:t>tk</a:t>
+          </a:r>
+          <a:r>
+            <a:rPr lang="en-US" sz="1800" kern="1200" dirty="0"/>
+            <a:t>’.</a:t>
           </a:r>
         </a:p>
         <a:p>
@@ -8119,7 +8194,7 @@
           </a:pPr>
           <a:r>
             <a:rPr lang="en-US" sz="1800" kern="1200" dirty="0"/>
-            <a:t>VS Code used for the Python code</a:t>
+            <a:t>Python code was developed using VS Code</a:t>
           </a:r>
         </a:p>
       </dsp:txBody>
@@ -8135,7 +8210,7 @@
       </dsp:nvSpPr>
       <dsp:spPr>
         <a:xfrm>
-          <a:off x="4047245" y="3032"/>
+          <a:off x="4035288" y="0"/>
           <a:ext cx="2833338" cy="1700003"/>
         </a:xfrm>
         <a:prstGeom prst="rect">
@@ -8197,7 +8272,7 @@
           </a:pPr>
           <a:r>
             <a:rPr lang="en-US" sz="1800" kern="1200" dirty="0"/>
-            <a:t>def keyword was used to define 3 functions:</a:t>
+            <a:t>The ‘def’ keyword was used to declare the 3 functions:</a:t>
           </a:r>
         </a:p>
         <a:p>
@@ -8271,7 +8346,7 @@
         </a:p>
       </dsp:txBody>
       <dsp:txXfrm>
-        <a:off x="4047245" y="3032"/>
+        <a:off x="4035288" y="0"/>
         <a:ext cx="2833338" cy="1700003"/>
       </dsp:txXfrm>
     </dsp:sp>
@@ -8344,7 +8419,7 @@
           </a:pPr>
           <a:r>
             <a:rPr lang="en-US" sz="1800" kern="1200" dirty="0"/>
-            <a:t>Global keyword was used in the functions to create global variable inside the function. </a:t>
+            <a:t>The ‘global’ keyword was utilized within the functions to establish global variables inside the function. </a:t>
           </a:r>
         </a:p>
       </dsp:txBody>
@@ -8422,7 +8497,7 @@
           </a:pPr>
           <a:r>
             <a:rPr lang="en-US" sz="1800" kern="1200" dirty="0"/>
-            <a:t>root= </a:t>
+            <a:t>To create a GUI window, ‘</a:t>
           </a:r>
           <a:r>
             <a:rPr lang="en-US" sz="1800" kern="1200" dirty="0" err="1"/>
@@ -8430,7 +8505,7 @@
           </a:r>
           <a:r>
             <a:rPr lang="en-US" sz="1800" kern="1200" dirty="0"/>
-            <a:t>() for creating a GUI window </a:t>
+            <a:t>()’ method is used, assigning the result to the variable ‘root’</a:t>
           </a:r>
         </a:p>
       </dsp:txBody>
@@ -8507,12 +8582,8 @@
             <a:buNone/>
           </a:pPr>
           <a:r>
-            <a:rPr lang="en-US" sz="1800" kern="1200" dirty="0" err="1"/>
-            <a:t>root.title</a:t>
-          </a:r>
-          <a:r>
             <a:rPr lang="en-US" sz="1800" kern="1200" dirty="0"/>
-            <a:t> to give title to GUI application</a:t>
+            <a:t>To provide title to the GUI application, ‘title’ method of the ‘root’ window is utilized</a:t>
           </a:r>
         </a:p>
       </dsp:txBody>
@@ -8589,13 +8660,30 @@
             <a:buNone/>
           </a:pPr>
           <a:r>
-            <a:rPr lang="en-US" sz="1800" kern="1200" dirty="0" err="1"/>
-            <a:t>root.mainloop</a:t>
+            <a:rPr lang="en-US" sz="1800" kern="1200" dirty="0"/>
+            <a:t>The</a:t>
           </a:r>
           <a:r>
-            <a:rPr lang="en-US" sz="1800" kern="1200" dirty="0"/>
-            <a:t>() is method to execute in the window</a:t>
+            <a:rPr lang="en-US" sz="1800" kern="1200" baseline="0" dirty="0"/>
+            <a:t> ‘</a:t>
           </a:r>
+          <a:r>
+            <a:rPr lang="en-US" sz="1800" kern="1200" baseline="0" dirty="0" err="1"/>
+            <a:t>mainloop</a:t>
+          </a:r>
+          <a:r>
+            <a:rPr lang="en-US" sz="1800" kern="1200" baseline="0" dirty="0"/>
+            <a:t>’ method is called to ‘root’ window to execute and run </a:t>
+          </a:r>
+          <a:r>
+            <a:rPr lang="en-US" sz="1800" kern="1200" baseline="0" dirty="0" err="1"/>
+            <a:t>Tkinter</a:t>
+          </a:r>
+          <a:r>
+            <a:rPr lang="en-US" sz="1800" kern="1200" baseline="0" dirty="0"/>
+            <a:t> window</a:t>
+          </a:r>
+          <a:endParaRPr lang="en-US" sz="1800" kern="1200" dirty="0"/>
         </a:p>
       </dsp:txBody>
       <dsp:txXfrm>
@@ -8683,8 +8771,16 @@
             <a:buNone/>
           </a:pPr>
           <a:r>
-            <a:rPr lang="en-US" sz="2500" kern="1200"/>
-            <a:t>try and except keywords were employed inside evaluate_calculation to avoid any errors</a:t>
+            <a:rPr lang="en-US" sz="2500" kern="1200" dirty="0"/>
+            <a:t>The ‘try’ and ‘except’ keywords were employed inside </a:t>
+          </a:r>
+          <a:r>
+            <a:rPr lang="en-US" sz="2500" kern="1200" dirty="0" err="1"/>
+            <a:t>evaluate_calculation</a:t>
+          </a:r>
+          <a:r>
+            <a:rPr lang="en-US" sz="2500" kern="1200" dirty="0"/>
+            <a:t> to avoid any errors</a:t>
           </a:r>
         </a:p>
       </dsp:txBody>
@@ -8762,7 +8858,7 @@
           </a:pPr>
           <a:r>
             <a:rPr lang="en-US" sz="2400" kern="1200" dirty="0"/>
-            <a:t>Individual buttons were created as </a:t>
+            <a:t>Buttons are instantized as ‘</a:t>
           </a:r>
           <a:r>
             <a:rPr lang="en-US" sz="2400" kern="1200" dirty="0" err="1"/>
@@ -8770,7 +8866,7 @@
           </a:r>
           <a:r>
             <a:rPr lang="en-US" sz="2400" kern="1200" dirty="0"/>
-            <a:t> as part of the root window</a:t>
+            <a:t>’ objects within the root window</a:t>
           </a:r>
         </a:p>
       </dsp:txBody>
@@ -8848,7 +8944,7 @@
           </a:pPr>
           <a:r>
             <a:rPr lang="en-US" sz="2400" kern="1200" dirty="0"/>
-            <a:t>Grid method was used to put button(widgets) in table format(</a:t>
+            <a:t>The ‘grid’ method was used to arrange button(widgets) in table format(</a:t>
           </a:r>
           <a:r>
             <a:rPr lang="en-US" sz="2400" kern="1200" dirty="0" err="1"/>
@@ -21957,14 +22053,14 @@
           </a:p>
           <a:p>
             <a:r>
-              <a:rPr lang="en-US" sz="2000">
+              <a:rPr lang="en-US" sz="2000" dirty="0">
                 <a:latin typeface="Arial" panose="020B0604020202020204" pitchFamily="34" charset="0"/>
                 <a:cs typeface="Arial" panose="020B0604020202020204" pitchFamily="34" charset="0"/>
               </a:rPr>
               <a:t>C</a:t>
             </a:r>
             <a:r>
-              <a:rPr lang="en-US" sz="2000" b="0">
+              <a:rPr lang="en-US" sz="2000" b="0" dirty="0">
                 <a:effectLst/>
                 <a:latin typeface="Arial" panose="020B0604020202020204" pitchFamily="34" charset="0"/>
                 <a:cs typeface="Arial" panose="020B0604020202020204" pitchFamily="34" charset="0"/>
@@ -23242,7 +23338,7 @@
             <p:ph idx="1"/>
             <p:extLst>
               <p:ext uri="{D42A27DB-BD31-4B8C-83A1-F6EECF244321}">
-                <p14:modId xmlns:p14="http://schemas.microsoft.com/office/powerpoint/2010/main" val="3688249565"/>
+                <p14:modId xmlns:p14="http://schemas.microsoft.com/office/powerpoint/2010/main" val="3058804465"/>
               </p:ext>
             </p:extLst>
           </p:nvPr>
@@ -23657,7 +23753,7 @@
             <p:ph idx="1"/>
             <p:extLst>
               <p:ext uri="{D42A27DB-BD31-4B8C-83A1-F6EECF244321}">
-                <p14:modId xmlns:p14="http://schemas.microsoft.com/office/powerpoint/2010/main" val="4132990714"/>
+                <p14:modId xmlns:p14="http://schemas.microsoft.com/office/powerpoint/2010/main" val="3035374211"/>
               </p:ext>
             </p:extLst>
           </p:nvPr>

--- a/Project 1.pptx
+++ b/Project 1.pptx
@@ -124,7 +124,7 @@
 <file path=ppt/revisionInfo.xml><?xml version="1.0" encoding="utf-8"?>
 <p1510:revInfo xmlns:a="http://schemas.openxmlformats.org/drawingml/2006/main" xmlns:r="http://schemas.openxmlformats.org/officeDocument/2006/relationships" xmlns:p1510="http://schemas.microsoft.com/office/powerpoint/2015/10/main">
   <p1510:revLst>
-    <p1510:client id="{D78F7972-82B7-4AEB-92B6-C2AC2D8AECB8}" v="526" dt="2024-03-09T18:18:21.280"/>
+    <p1510:client id="{D78F7972-82B7-4AEB-92B6-C2AC2D8AECB8}" v="661" dt="2024-03-09T18:31:50.420"/>
   </p1510:revLst>
 </p1510:revInfo>
 </file>
@@ -134,7 +134,7 @@
   <pc:docChgLst>
     <pc:chgData name="Garima Mahajan/OPS/BBL" userId="b3a8aa5d-8c88-4e29-878b-39afa047cefa" providerId="ADAL" clId="{D78F7972-82B7-4AEB-92B6-C2AC2D8AECB8}"/>
     <pc:docChg chg="undo custSel addSld delSld modSld">
-      <pc:chgData name="Garima Mahajan/OPS/BBL" userId="b3a8aa5d-8c88-4e29-878b-39afa047cefa" providerId="ADAL" clId="{D78F7972-82B7-4AEB-92B6-C2AC2D8AECB8}" dt="2024-03-09T18:18:21.280" v="579" actId="313"/>
+      <pc:chgData name="Garima Mahajan/OPS/BBL" userId="b3a8aa5d-8c88-4e29-878b-39afa047cefa" providerId="ADAL" clId="{D78F7972-82B7-4AEB-92B6-C2AC2D8AECB8}" dt="2024-03-09T18:33:51.968" v="738" actId="20577"/>
       <pc:docMkLst>
         <pc:docMk/>
       </pc:docMkLst>
@@ -313,13 +313,13 @@
         </pc:graphicFrameChg>
       </pc:sldChg>
       <pc:sldChg chg="modSp">
-        <pc:chgData name="Garima Mahajan/OPS/BBL" userId="b3a8aa5d-8c88-4e29-878b-39afa047cefa" providerId="ADAL" clId="{D78F7972-82B7-4AEB-92B6-C2AC2D8AECB8}" dt="2024-03-09T18:13:15.294" v="501" actId="20577"/>
+        <pc:chgData name="Garima Mahajan/OPS/BBL" userId="b3a8aa5d-8c88-4e29-878b-39afa047cefa" providerId="ADAL" clId="{D78F7972-82B7-4AEB-92B6-C2AC2D8AECB8}" dt="2024-03-09T18:30:36.707" v="718"/>
         <pc:sldMkLst>
           <pc:docMk/>
           <pc:sldMk cId="507341500" sldId="260"/>
         </pc:sldMkLst>
         <pc:graphicFrameChg chg="mod">
-          <ac:chgData name="Garima Mahajan/OPS/BBL" userId="b3a8aa5d-8c88-4e29-878b-39afa047cefa" providerId="ADAL" clId="{D78F7972-82B7-4AEB-92B6-C2AC2D8AECB8}" dt="2024-03-09T18:13:15.294" v="501" actId="20577"/>
+          <ac:chgData name="Garima Mahajan/OPS/BBL" userId="b3a8aa5d-8c88-4e29-878b-39afa047cefa" providerId="ADAL" clId="{D78F7972-82B7-4AEB-92B6-C2AC2D8AECB8}" dt="2024-03-09T18:30:36.707" v="718"/>
           <ac:graphicFrameMkLst>
             <pc:docMk/>
             <pc:sldMk cId="507341500" sldId="260"/>
@@ -328,19 +328,161 @@
         </pc:graphicFrameChg>
       </pc:sldChg>
       <pc:sldChg chg="modSp">
-        <pc:chgData name="Garima Mahajan/OPS/BBL" userId="b3a8aa5d-8c88-4e29-878b-39afa047cefa" providerId="ADAL" clId="{D78F7972-82B7-4AEB-92B6-C2AC2D8AECB8}" dt="2024-03-09T18:18:21.280" v="579" actId="313"/>
+        <pc:chgData name="Garima Mahajan/OPS/BBL" userId="b3a8aa5d-8c88-4e29-878b-39afa047cefa" providerId="ADAL" clId="{D78F7972-82B7-4AEB-92B6-C2AC2D8AECB8}" dt="2024-03-09T18:26:40.070" v="609" actId="20577"/>
         <pc:sldMkLst>
           <pc:docMk/>
           <pc:sldMk cId="3029399311" sldId="261"/>
         </pc:sldMkLst>
         <pc:graphicFrameChg chg="mod">
-          <ac:chgData name="Garima Mahajan/OPS/BBL" userId="b3a8aa5d-8c88-4e29-878b-39afa047cefa" providerId="ADAL" clId="{D78F7972-82B7-4AEB-92B6-C2AC2D8AECB8}" dt="2024-03-09T18:18:21.280" v="579" actId="313"/>
+          <ac:chgData name="Garima Mahajan/OPS/BBL" userId="b3a8aa5d-8c88-4e29-878b-39afa047cefa" providerId="ADAL" clId="{D78F7972-82B7-4AEB-92B6-C2AC2D8AECB8}" dt="2024-03-09T18:26:40.070" v="609" actId="20577"/>
           <ac:graphicFrameMkLst>
             <pc:docMk/>
             <pc:sldMk cId="3029399311" sldId="261"/>
             <ac:graphicFrameMk id="5" creationId="{4A95F975-0391-3D4B-2EF1-9DC861060E84}"/>
           </ac:graphicFrameMkLst>
         </pc:graphicFrameChg>
+      </pc:sldChg>
+      <pc:sldChg chg="addSp delSp modSp mod">
+        <pc:chgData name="Garima Mahajan/OPS/BBL" userId="b3a8aa5d-8c88-4e29-878b-39afa047cefa" providerId="ADAL" clId="{D78F7972-82B7-4AEB-92B6-C2AC2D8AECB8}" dt="2024-03-09T18:29:25.164" v="710" actId="1076"/>
+        <pc:sldMkLst>
+          <pc:docMk/>
+          <pc:sldMk cId="2890937130" sldId="262"/>
+        </pc:sldMkLst>
+        <pc:spChg chg="add del">
+          <ac:chgData name="Garima Mahajan/OPS/BBL" userId="b3a8aa5d-8c88-4e29-878b-39afa047cefa" providerId="ADAL" clId="{D78F7972-82B7-4AEB-92B6-C2AC2D8AECB8}" dt="2024-03-09T18:27:26.066" v="613" actId="22"/>
+          <ac:spMkLst>
+            <pc:docMk/>
+            <pc:sldMk cId="2890937130" sldId="262"/>
+            <ac:spMk id="9" creationId="{831F7E7E-A5CF-4AB5-12B6-9C4DB68CB9D4}"/>
+          </ac:spMkLst>
+        </pc:spChg>
+        <pc:spChg chg="add mod">
+          <ac:chgData name="Garima Mahajan/OPS/BBL" userId="b3a8aa5d-8c88-4e29-878b-39afa047cefa" providerId="ADAL" clId="{D78F7972-82B7-4AEB-92B6-C2AC2D8AECB8}" dt="2024-03-09T18:27:31.525" v="615"/>
+          <ac:spMkLst>
+            <pc:docMk/>
+            <pc:sldMk cId="2890937130" sldId="262"/>
+            <ac:spMk id="11" creationId="{E3B827BB-D9E8-CBBA-79DA-F25F863D703A}"/>
+          </ac:spMkLst>
+        </pc:spChg>
+        <pc:spChg chg="add mod">
+          <ac:chgData name="Garima Mahajan/OPS/BBL" userId="b3a8aa5d-8c88-4e29-878b-39afa047cefa" providerId="ADAL" clId="{D78F7972-82B7-4AEB-92B6-C2AC2D8AECB8}" dt="2024-03-09T18:27:31.525" v="615"/>
+          <ac:spMkLst>
+            <pc:docMk/>
+            <pc:sldMk cId="2890937130" sldId="262"/>
+            <ac:spMk id="12" creationId="{9E3621BE-7C97-8B1D-097B-576CB46321BB}"/>
+          </ac:spMkLst>
+        </pc:spChg>
+        <pc:grpChg chg="add mod">
+          <ac:chgData name="Garima Mahajan/OPS/BBL" userId="b3a8aa5d-8c88-4e29-878b-39afa047cefa" providerId="ADAL" clId="{D78F7972-82B7-4AEB-92B6-C2AC2D8AECB8}" dt="2024-03-09T18:29:25.164" v="710" actId="1076"/>
+          <ac:grpSpMkLst>
+            <pc:docMk/>
+            <pc:sldMk cId="2890937130" sldId="262"/>
+            <ac:grpSpMk id="10" creationId="{97F94AC7-C196-7731-3AE7-60FF554B5E1F}"/>
+          </ac:grpSpMkLst>
+        </pc:grpChg>
+        <pc:graphicFrameChg chg="mod">
+          <ac:chgData name="Garima Mahajan/OPS/BBL" userId="b3a8aa5d-8c88-4e29-878b-39afa047cefa" providerId="ADAL" clId="{D78F7972-82B7-4AEB-92B6-C2AC2D8AECB8}" dt="2024-03-09T18:29:12.511" v="709" actId="20577"/>
+          <ac:graphicFrameMkLst>
+            <pc:docMk/>
+            <pc:sldMk cId="2890937130" sldId="262"/>
+            <ac:graphicFrameMk id="22" creationId="{F3E2AAB3-0A25-60A4-CAAD-A5D3F7D1D13B}"/>
+          </ac:graphicFrameMkLst>
+        </pc:graphicFrameChg>
+      </pc:sldChg>
+      <pc:sldChg chg="addSp delSp modSp mod">
+        <pc:chgData name="Garima Mahajan/OPS/BBL" userId="b3a8aa5d-8c88-4e29-878b-39afa047cefa" providerId="ADAL" clId="{D78F7972-82B7-4AEB-92B6-C2AC2D8AECB8}" dt="2024-03-09T18:33:51.968" v="738" actId="20577"/>
+        <pc:sldMkLst>
+          <pc:docMk/>
+          <pc:sldMk cId="2282209988" sldId="263"/>
+        </pc:sldMkLst>
+        <pc:spChg chg="mod">
+          <ac:chgData name="Garima Mahajan/OPS/BBL" userId="b3a8aa5d-8c88-4e29-878b-39afa047cefa" providerId="ADAL" clId="{D78F7972-82B7-4AEB-92B6-C2AC2D8AECB8}" dt="2024-03-09T18:33:16.907" v="730" actId="26606"/>
+          <ac:spMkLst>
+            <pc:docMk/>
+            <pc:sldMk cId="2282209988" sldId="263"/>
+            <ac:spMk id="2" creationId="{81121884-BC38-EF3E-3F69-9C7BCEEFC2C4}"/>
+          </ac:spMkLst>
+        </pc:spChg>
+        <pc:spChg chg="mod ord">
+          <ac:chgData name="Garima Mahajan/OPS/BBL" userId="b3a8aa5d-8c88-4e29-878b-39afa047cefa" providerId="ADAL" clId="{D78F7972-82B7-4AEB-92B6-C2AC2D8AECB8}" dt="2024-03-09T18:33:51.968" v="738" actId="20577"/>
+          <ac:spMkLst>
+            <pc:docMk/>
+            <pc:sldMk cId="2282209988" sldId="263"/>
+            <ac:spMk id="6" creationId="{07E1A43B-8C6A-FA1A-16EC-A88BF8DFC539}"/>
+          </ac:spMkLst>
+        </pc:spChg>
+        <pc:spChg chg="del">
+          <ac:chgData name="Garima Mahajan/OPS/BBL" userId="b3a8aa5d-8c88-4e29-878b-39afa047cefa" providerId="ADAL" clId="{D78F7972-82B7-4AEB-92B6-C2AC2D8AECB8}" dt="2024-03-09T18:33:16.907" v="730" actId="26606"/>
+          <ac:spMkLst>
+            <pc:docMk/>
+            <pc:sldMk cId="2282209988" sldId="263"/>
+            <ac:spMk id="44" creationId="{A8384FB5-9ADC-4DDC-881B-597D56F5B15D}"/>
+          </ac:spMkLst>
+        </pc:spChg>
+        <pc:spChg chg="del">
+          <ac:chgData name="Garima Mahajan/OPS/BBL" userId="b3a8aa5d-8c88-4e29-878b-39afa047cefa" providerId="ADAL" clId="{D78F7972-82B7-4AEB-92B6-C2AC2D8AECB8}" dt="2024-03-09T18:33:16.907" v="730" actId="26606"/>
+          <ac:spMkLst>
+            <pc:docMk/>
+            <pc:sldMk cId="2282209988" sldId="263"/>
+            <ac:spMk id="46" creationId="{91E5A9A7-95C6-4F4F-B00E-C82E07FE62EF}"/>
+          </ac:spMkLst>
+        </pc:spChg>
+        <pc:spChg chg="del">
+          <ac:chgData name="Garima Mahajan/OPS/BBL" userId="b3a8aa5d-8c88-4e29-878b-39afa047cefa" providerId="ADAL" clId="{D78F7972-82B7-4AEB-92B6-C2AC2D8AECB8}" dt="2024-03-09T18:33:16.907" v="730" actId="26606"/>
+          <ac:spMkLst>
+            <pc:docMk/>
+            <pc:sldMk cId="2282209988" sldId="263"/>
+            <ac:spMk id="48" creationId="{D07DD2DE-F619-49DD-B5E7-03A290FF4ED1}"/>
+          </ac:spMkLst>
+        </pc:spChg>
+        <pc:spChg chg="del">
+          <ac:chgData name="Garima Mahajan/OPS/BBL" userId="b3a8aa5d-8c88-4e29-878b-39afa047cefa" providerId="ADAL" clId="{D78F7972-82B7-4AEB-92B6-C2AC2D8AECB8}" dt="2024-03-09T18:33:16.907" v="730" actId="26606"/>
+          <ac:spMkLst>
+            <pc:docMk/>
+            <pc:sldMk cId="2282209988" sldId="263"/>
+            <ac:spMk id="50" creationId="{85149191-5F60-4A28-AAFF-039F96B0F3EC}"/>
+          </ac:spMkLst>
+        </pc:spChg>
+        <pc:spChg chg="del">
+          <ac:chgData name="Garima Mahajan/OPS/BBL" userId="b3a8aa5d-8c88-4e29-878b-39afa047cefa" providerId="ADAL" clId="{D78F7972-82B7-4AEB-92B6-C2AC2D8AECB8}" dt="2024-03-09T18:33:16.907" v="730" actId="26606"/>
+          <ac:spMkLst>
+            <pc:docMk/>
+            <pc:sldMk cId="2282209988" sldId="263"/>
+            <ac:spMk id="52" creationId="{F8260ED5-17F7-4158-B241-D51DD4CF1B7E}"/>
+          </ac:spMkLst>
+        </pc:spChg>
+        <pc:spChg chg="add">
+          <ac:chgData name="Garima Mahajan/OPS/BBL" userId="b3a8aa5d-8c88-4e29-878b-39afa047cefa" providerId="ADAL" clId="{D78F7972-82B7-4AEB-92B6-C2AC2D8AECB8}" dt="2024-03-09T18:33:16.907" v="730" actId="26606"/>
+          <ac:spMkLst>
+            <pc:docMk/>
+            <pc:sldMk cId="2282209988" sldId="263"/>
+            <ac:spMk id="57" creationId="{B712E947-0734-45F9-9C4F-41114EC3A33E}"/>
+          </ac:spMkLst>
+        </pc:spChg>
+        <pc:grpChg chg="add">
+          <ac:chgData name="Garima Mahajan/OPS/BBL" userId="b3a8aa5d-8c88-4e29-878b-39afa047cefa" providerId="ADAL" clId="{D78F7972-82B7-4AEB-92B6-C2AC2D8AECB8}" dt="2024-03-09T18:33:16.907" v="730" actId="26606"/>
+          <ac:grpSpMkLst>
+            <pc:docMk/>
+            <pc:sldMk cId="2282209988" sldId="263"/>
+            <ac:grpSpMk id="59" creationId="{12B3290A-D3BF-4B87-B55B-FD9A98B49727}"/>
+          </ac:grpSpMkLst>
+        </pc:grpChg>
+        <pc:picChg chg="mod ord modCrop">
+          <ac:chgData name="Garima Mahajan/OPS/BBL" userId="b3a8aa5d-8c88-4e29-878b-39afa047cefa" providerId="ADAL" clId="{D78F7972-82B7-4AEB-92B6-C2AC2D8AECB8}" dt="2024-03-09T18:33:34.277" v="736" actId="14100"/>
+          <ac:picMkLst>
+            <pc:docMk/>
+            <pc:sldMk cId="2282209988" sldId="263"/>
+            <ac:picMk id="5" creationId="{E50E7898-DC04-CED5-91F9-856777917081}"/>
+          </ac:picMkLst>
+        </pc:picChg>
+        <pc:picChg chg="add mod">
+          <ac:chgData name="Garima Mahajan/OPS/BBL" userId="b3a8aa5d-8c88-4e29-878b-39afa047cefa" providerId="ADAL" clId="{D78F7972-82B7-4AEB-92B6-C2AC2D8AECB8}" dt="2024-03-09T18:33:27.478" v="733" actId="14100"/>
+          <ac:picMkLst>
+            <pc:docMk/>
+            <pc:sldMk cId="2282209988" sldId="263"/>
+            <ac:picMk id="10" creationId="{BDDE9907-1131-A33E-86C0-1F0C37680371}"/>
+          </ac:picMkLst>
+        </pc:picChg>
       </pc:sldChg>
       <pc:sldChg chg="modSp">
         <pc:chgData name="Garima Mahajan/OPS/BBL" userId="b3a8aa5d-8c88-4e29-878b-39afa047cefa" providerId="ADAL" clId="{D78F7972-82B7-4AEB-92B6-C2AC2D8AECB8}" dt="2024-03-09T16:44:45.919" v="62" actId="20577"/>
@@ -6237,7 +6379,7 @@
       <dgm:spPr/>
     </dgm:pt>
     <dgm:pt modelId="{61DD7FDA-7AFA-497E-A924-038CD8F5E1E2}" type="pres">
-      <dgm:prSet presAssocID="{C05E96C1-B024-4043-8BCB-EC28F1BE4B79}" presName="node" presStyleLbl="node1" presStyleIdx="0" presStyleCnt="6">
+      <dgm:prSet presAssocID="{C05E96C1-B024-4043-8BCB-EC28F1BE4B79}" presName="node" presStyleLbl="node1" presStyleIdx="0" presStyleCnt="6" custScaleX="125538">
         <dgm:presLayoutVars>
           <dgm:bulletEnabled val="1"/>
         </dgm:presLayoutVars>
@@ -6261,7 +6403,7 @@
       <dgm:spPr/>
     </dgm:pt>
     <dgm:pt modelId="{0D7BB137-5339-47F9-86EF-DDE73F46139F}" type="pres">
-      <dgm:prSet presAssocID="{0E201C4C-2194-4916-8D4F-14B721B6DFD8}" presName="node" presStyleLbl="node1" presStyleIdx="2" presStyleCnt="6">
+      <dgm:prSet presAssocID="{0E201C4C-2194-4916-8D4F-14B721B6DFD8}" presName="node" presStyleLbl="node1" presStyleIdx="2" presStyleCnt="6" custScaleX="132496">
         <dgm:presLayoutVars>
           <dgm:bulletEnabled val="1"/>
         </dgm:presLayoutVars>
@@ -6273,7 +6415,7 @@
       <dgm:spPr/>
     </dgm:pt>
     <dgm:pt modelId="{3988DCE6-4950-456E-8120-4D53DD63BE86}" type="pres">
-      <dgm:prSet presAssocID="{BAF8215D-0A9D-4715-A523-1975D78ED3C4}" presName="node" presStyleLbl="node1" presStyleIdx="3" presStyleCnt="6" custLinFactNeighborX="-3698">
+      <dgm:prSet presAssocID="{BAF8215D-0A9D-4715-A523-1975D78ED3C4}" presName="node" presStyleLbl="node1" presStyleIdx="3" presStyleCnt="6" custScaleX="122337" custLinFactNeighborX="-10758" custLinFactNeighborY="-560">
         <dgm:presLayoutVars>
           <dgm:bulletEnabled val="1"/>
         </dgm:presLayoutVars>
@@ -6285,7 +6427,7 @@
       <dgm:spPr/>
     </dgm:pt>
     <dgm:pt modelId="{95E04D87-C3BD-42B6-957C-6355B39DF25D}" type="pres">
-      <dgm:prSet presAssocID="{BBE4BEB7-0D92-49F1-927F-413A636DE2A6}" presName="node" presStyleLbl="node1" presStyleIdx="4" presStyleCnt="6">
+      <dgm:prSet presAssocID="{BBE4BEB7-0D92-49F1-927F-413A636DE2A6}" presName="node" presStyleLbl="node1" presStyleIdx="4" presStyleCnt="6" custScaleX="127396">
         <dgm:presLayoutVars>
           <dgm:bulletEnabled val="1"/>
         </dgm:presLayoutVars>
@@ -6297,7 +6439,7 @@
       <dgm:spPr/>
     </dgm:pt>
     <dgm:pt modelId="{29D89A5C-7833-42D9-A20C-69CC636B01D6}" type="pres">
-      <dgm:prSet presAssocID="{BB2EDB29-A9AF-40BC-90EE-BC29A2DA1DF0}" presName="node" presStyleLbl="node1" presStyleIdx="5" presStyleCnt="6">
+      <dgm:prSet presAssocID="{BB2EDB29-A9AF-40BC-90EE-BC29A2DA1DF0}" presName="node" presStyleLbl="node1" presStyleIdx="5" presStyleCnt="6" custScaleX="125982">
         <dgm:presLayoutVars>
           <dgm:bulletEnabled val="1"/>
         </dgm:presLayoutVars>
@@ -6452,7 +6594,7 @@
         <a:p>
           <a:r>
             <a:rPr lang="en-US" dirty="0"/>
-            <a:t>The ‘grid’ method was used to arrange button(widgets) in table format(</a:t>
+            <a:t>Design Layout: The ‘grid’ method was used to arrange button(widgets) in table format(</a:t>
           </a:r>
           <a:r>
             <a:rPr lang="en-US" dirty="0" err="1"/>
@@ -6634,7 +6776,7 @@
 <dgm:dataModel xmlns:dgm="http://schemas.openxmlformats.org/drawingml/2006/diagram" xmlns:a="http://schemas.openxmlformats.org/drawingml/2006/main">
   <dgm:ptLst>
     <dgm:pt modelId="{841814D9-684C-47AF-A70D-29D898AA3ADF}" type="doc">
-      <dgm:prSet loTypeId="urn:microsoft.com/office/officeart/2005/8/layout/vList2" loCatId="list" qsTypeId="urn:microsoft.com/office/officeart/2005/8/quickstyle/simple1" qsCatId="simple" csTypeId="urn:microsoft.com/office/officeart/2005/8/colors/colorful1" csCatId="colorful"/>
+      <dgm:prSet loTypeId="urn:microsoft.com/office/officeart/2005/8/layout/vList2" loCatId="list" qsTypeId="urn:microsoft.com/office/officeart/2005/8/quickstyle/simple1" qsCatId="simple" csTypeId="urn:microsoft.com/office/officeart/2005/8/colors/colorful1" csCatId="colorful" phldr="1"/>
       <dgm:spPr/>
       <dgm:t>
         <a:bodyPr/>
@@ -6652,9 +6794,14 @@
         <a:lstStyle/>
         <a:p>
           <a:r>
-            <a:rPr lang="en-US"/>
-            <a:t>For each button, position was specified using row and column number</a:t>
+            <a:rPr lang="en-US" dirty="0"/>
+            <a:t>To</a:t>
           </a:r>
+          <a:r>
+            <a:rPr lang="en-US" baseline="0" dirty="0"/>
+            <a:t> bind the buttons to their respective function, the ‘command’ parameter was used</a:t>
+          </a:r>
+          <a:endParaRPr lang="en-US" dirty="0"/>
         </a:p>
       </dgm:t>
     </dgm:pt>
@@ -6688,8 +6835,20 @@
         <a:lstStyle/>
         <a:p>
           <a:r>
-            <a:rPr lang="en-US"/>
-            <a:t>Paranthesis was removed in clear_field function button because the function is being passed and not called</a:t>
+            <a:rPr lang="en-US" dirty="0" err="1"/>
+            <a:t>Paranthesis</a:t>
+          </a:r>
+          <a:r>
+            <a:rPr lang="en-US" dirty="0"/>
+            <a:t> is removed in </a:t>
+          </a:r>
+          <a:r>
+            <a:rPr lang="en-US" dirty="0" err="1"/>
+            <a:t>clear_field</a:t>
+          </a:r>
+          <a:r>
+            <a:rPr lang="en-US" dirty="0"/>
+            <a:t> function button because the function is being passed as an argument and not called</a:t>
           </a:r>
         </a:p>
       </dgm:t>
@@ -6724,7 +6883,7 @@
         <a:lstStyle/>
         <a:p>
           <a:r>
-            <a:rPr lang="en-US"/>
+            <a:rPr lang="en-US" dirty="0"/>
             <a:t>Lambda is removed in clear and equals button since there is no parameter for the function in that case</a:t>
           </a:r>
         </a:p>
@@ -6762,7 +6921,7 @@
       <dgm:spPr/>
     </dgm:pt>
     <dgm:pt modelId="{23F19CFA-03A5-42E8-BDFF-D686F57C8248}" type="pres">
-      <dgm:prSet presAssocID="{D12B58F7-E60A-4F18-9B3D-D4097FAB0EDF}" presName="parentText" presStyleLbl="node1" presStyleIdx="0" presStyleCnt="3" custLinFactNeighborX="-110">
+      <dgm:prSet presAssocID="{D12B58F7-E60A-4F18-9B3D-D4097FAB0EDF}" presName="parentText" presStyleLbl="node1" presStyleIdx="0" presStyleCnt="3" custLinFactNeighborX="-2092" custLinFactNeighborY="80116">
         <dgm:presLayoutVars>
           <dgm:chMax val="0"/>
           <dgm:bulletEnabled val="1"/>
@@ -8090,8 +8249,8 @@
       </dsp:nvSpPr>
       <dsp:spPr>
         <a:xfrm>
-          <a:off x="930572" y="3032"/>
-          <a:ext cx="2833338" cy="1700003"/>
+          <a:off x="249622" y="51588"/>
+          <a:ext cx="3463137" cy="1655181"/>
         </a:xfrm>
         <a:prstGeom prst="rect">
           <a:avLst/>
@@ -8133,12 +8292,12 @@
         </a:fontRef>
       </dsp:style>
       <dsp:txBody>
-        <a:bodyPr spcFirstLastPara="0" vert="horz" wrap="square" lIns="68580" tIns="68580" rIns="68580" bIns="68580" numCol="1" spcCol="1270" anchor="ctr" anchorCtr="0">
+        <a:bodyPr spcFirstLastPara="0" vert="horz" wrap="square" lIns="64770" tIns="64770" rIns="64770" bIns="64770" numCol="1" spcCol="1270" anchor="ctr" anchorCtr="0">
           <a:noAutofit/>
         </a:bodyPr>
         <a:lstStyle/>
         <a:p>
-          <a:pPr marL="0" lvl="0" indent="0" algn="ctr" defTabSz="800100">
+          <a:pPr marL="0" lvl="0" indent="0" algn="ctr" defTabSz="755650">
             <a:lnSpc>
               <a:spcPct val="90000"/>
             </a:lnSpc>
@@ -8151,36 +8310,36 @@
             <a:buNone/>
           </a:pPr>
           <a:r>
-            <a:rPr lang="en-US" sz="1800" kern="1200" dirty="0"/>
+            <a:rPr lang="en-US" sz="1700" kern="1200" dirty="0"/>
             <a:t>The </a:t>
           </a:r>
           <a:r>
-            <a:rPr lang="en-US" sz="1800" kern="1200" dirty="0" err="1"/>
+            <a:rPr lang="en-US" sz="1700" kern="1200" dirty="0" err="1"/>
             <a:t>Tkinter</a:t>
           </a:r>
           <a:r>
-            <a:rPr lang="en-US" sz="1800" kern="1200" dirty="0"/>
+            <a:rPr lang="en-US" sz="1700" kern="1200" dirty="0"/>
             <a:t> library was </a:t>
           </a:r>
           <a:r>
-            <a:rPr lang="en-US" sz="1800" kern="1200" dirty="0" err="1"/>
+            <a:rPr lang="en-US" sz="1700" kern="1200" dirty="0" err="1"/>
             <a:t>utilizeed</a:t>
           </a:r>
           <a:r>
-            <a:rPr lang="en-US" sz="1800" kern="1200" dirty="0"/>
+            <a:rPr lang="en-US" sz="1700" kern="1200" dirty="0"/>
             <a:t> by importing it with the alias ‘</a:t>
           </a:r>
           <a:r>
-            <a:rPr lang="en-US" sz="1800" kern="1200" dirty="0" err="1"/>
+            <a:rPr lang="en-US" sz="1700" kern="1200" dirty="0" err="1"/>
             <a:t>tk</a:t>
           </a:r>
           <a:r>
-            <a:rPr lang="en-US" sz="1800" kern="1200" dirty="0"/>
+            <a:rPr lang="en-US" sz="1700" kern="1200" dirty="0"/>
             <a:t>’.</a:t>
           </a:r>
         </a:p>
         <a:p>
-          <a:pPr marL="0" lvl="0" indent="0" algn="ctr" defTabSz="800100">
+          <a:pPr marL="0" lvl="0" indent="0" algn="ctr" defTabSz="755650">
             <a:lnSpc>
               <a:spcPct val="90000"/>
             </a:lnSpc>
@@ -8193,14 +8352,14 @@
             <a:buNone/>
           </a:pPr>
           <a:r>
-            <a:rPr lang="en-US" sz="1800" kern="1200" dirty="0"/>
+            <a:rPr lang="en-US" sz="1700" kern="1200" dirty="0"/>
             <a:t>Python code was developed using VS Code</a:t>
           </a:r>
         </a:p>
       </dsp:txBody>
       <dsp:txXfrm>
-        <a:off x="930572" y="3032"/>
-        <a:ext cx="2833338" cy="1700003"/>
+        <a:off x="249622" y="51588"/>
+        <a:ext cx="3463137" cy="1655181"/>
       </dsp:txXfrm>
     </dsp:sp>
     <dsp:sp modelId="{112F2CE0-D0DC-481F-AE3D-88B2C13B706F}">
@@ -8210,8 +8369,8 @@
       </dsp:nvSpPr>
       <dsp:spPr>
         <a:xfrm>
-          <a:off x="4035288" y="0"/>
-          <a:ext cx="2833338" cy="1700003"/>
+          <a:off x="3976981" y="12625"/>
+          <a:ext cx="2758636" cy="1655181"/>
         </a:xfrm>
         <a:prstGeom prst="rect">
           <a:avLst/>
@@ -8253,12 +8412,12 @@
         </a:fontRef>
       </dsp:style>
       <dsp:txBody>
-        <a:bodyPr spcFirstLastPara="0" vert="horz" wrap="square" lIns="68580" tIns="68580" rIns="68580" bIns="68580" numCol="1" spcCol="1270" anchor="ctr" anchorCtr="0">
+        <a:bodyPr spcFirstLastPara="0" vert="horz" wrap="square" lIns="64770" tIns="64770" rIns="64770" bIns="64770" numCol="1" spcCol="1270" anchor="ctr" anchorCtr="0">
           <a:noAutofit/>
         </a:bodyPr>
         <a:lstStyle/>
         <a:p>
-          <a:pPr marL="0" lvl="0" indent="0" algn="ctr" defTabSz="800100">
+          <a:pPr marL="0" lvl="0" indent="0" algn="ctr" defTabSz="755650">
             <a:lnSpc>
               <a:spcPct val="90000"/>
             </a:lnSpc>
@@ -8271,12 +8430,12 @@
             <a:buNone/>
           </a:pPr>
           <a:r>
-            <a:rPr lang="en-US" sz="1800" kern="1200" dirty="0"/>
+            <a:rPr lang="en-US" sz="1700" kern="1200" dirty="0"/>
             <a:t>The ‘def’ keyword was used to declare the 3 functions:</a:t>
           </a:r>
         </a:p>
         <a:p>
-          <a:pPr marL="0" lvl="0" indent="0" algn="ctr" defTabSz="800100">
+          <a:pPr marL="0" lvl="0" indent="0" algn="ctr" defTabSz="755650">
             <a:lnSpc>
               <a:spcPct val="90000"/>
             </a:lnSpc>
@@ -8289,17 +8448,17 @@
             <a:buNone/>
           </a:pPr>
           <a:r>
-            <a:rPr lang="en-US" sz="1800" kern="1200" dirty="0"/>
+            <a:rPr lang="en-US" sz="1700" kern="1200" dirty="0"/>
             <a:t>- </a:t>
           </a:r>
           <a:r>
-            <a:rPr lang="en-US" sz="1800" kern="1200" dirty="0" err="1"/>
+            <a:rPr lang="en-US" sz="1700" kern="1200" dirty="0" err="1"/>
             <a:t>add_to_calculation</a:t>
           </a:r>
-          <a:endParaRPr lang="en-US" sz="1800" kern="1200" dirty="0"/>
+          <a:endParaRPr lang="en-US" sz="1700" kern="1200" dirty="0"/>
         </a:p>
         <a:p>
-          <a:pPr marL="0" lvl="0" indent="0" algn="ctr" defTabSz="800100">
+          <a:pPr marL="0" lvl="0" indent="0" algn="ctr" defTabSz="755650">
             <a:lnSpc>
               <a:spcPct val="90000"/>
             </a:lnSpc>
@@ -8312,17 +8471,17 @@
             <a:buNone/>
           </a:pPr>
           <a:r>
-            <a:rPr lang="en-US" sz="1800" kern="1200" dirty="0"/>
+            <a:rPr lang="en-US" sz="1700" kern="1200" dirty="0"/>
             <a:t>- </a:t>
           </a:r>
           <a:r>
-            <a:rPr lang="en-US" sz="1800" kern="1200" dirty="0" err="1"/>
+            <a:rPr lang="en-US" sz="1700" kern="1200" dirty="0" err="1"/>
             <a:t>evaluate_calculation</a:t>
           </a:r>
-          <a:endParaRPr lang="en-US" sz="1800" kern="1200" dirty="0"/>
+          <a:endParaRPr lang="en-US" sz="1700" kern="1200" dirty="0"/>
         </a:p>
         <a:p>
-          <a:pPr marL="0" lvl="0" indent="0" algn="ctr" defTabSz="800100">
+          <a:pPr marL="0" lvl="0" indent="0" algn="ctr" defTabSz="755650">
             <a:lnSpc>
               <a:spcPct val="90000"/>
             </a:lnSpc>
@@ -8335,19 +8494,19 @@
             <a:buNone/>
           </a:pPr>
           <a:r>
-            <a:rPr lang="en-US" sz="1800" kern="1200" dirty="0"/>
+            <a:rPr lang="en-US" sz="1700" kern="1200" dirty="0"/>
             <a:t>- </a:t>
           </a:r>
           <a:r>
-            <a:rPr lang="en-US" sz="1800" kern="1200" dirty="0" err="1"/>
+            <a:rPr lang="en-US" sz="1700" kern="1200" dirty="0" err="1"/>
             <a:t>clear_field</a:t>
           </a:r>
-          <a:endParaRPr lang="en-US" sz="1800" kern="1200" dirty="0"/>
+          <a:endParaRPr lang="en-US" sz="1700" kern="1200" dirty="0"/>
         </a:p>
       </dsp:txBody>
       <dsp:txXfrm>
-        <a:off x="4035288" y="0"/>
-        <a:ext cx="2833338" cy="1700003"/>
+        <a:off x="3976981" y="12625"/>
+        <a:ext cx="2758636" cy="1655181"/>
       </dsp:txXfrm>
     </dsp:sp>
     <dsp:sp modelId="{0D7BB137-5339-47F9-86EF-DDE73F46139F}">
@@ -8357,8 +8516,8 @@
       </dsp:nvSpPr>
       <dsp:spPr>
         <a:xfrm>
-          <a:off x="7163917" y="3032"/>
-          <a:ext cx="2833338" cy="1700003"/>
+          <a:off x="7023123" y="51588"/>
+          <a:ext cx="3655083" cy="1655181"/>
         </a:xfrm>
         <a:prstGeom prst="rect">
           <a:avLst/>
@@ -8400,12 +8559,12 @@
         </a:fontRef>
       </dsp:style>
       <dsp:txBody>
-        <a:bodyPr spcFirstLastPara="0" vert="horz" wrap="square" lIns="68580" tIns="68580" rIns="68580" bIns="68580" numCol="1" spcCol="1270" anchor="ctr" anchorCtr="0">
+        <a:bodyPr spcFirstLastPara="0" vert="horz" wrap="square" lIns="64770" tIns="64770" rIns="64770" bIns="64770" numCol="1" spcCol="1270" anchor="ctr" anchorCtr="0">
           <a:noAutofit/>
         </a:bodyPr>
         <a:lstStyle/>
         <a:p>
-          <a:pPr marL="0" lvl="0" indent="0" algn="ctr" defTabSz="800100">
+          <a:pPr marL="0" lvl="0" indent="0" algn="ctr" defTabSz="755650">
             <a:lnSpc>
               <a:spcPct val="90000"/>
             </a:lnSpc>
@@ -8418,14 +8577,14 @@
             <a:buNone/>
           </a:pPr>
           <a:r>
-            <a:rPr lang="en-US" sz="1800" kern="1200" dirty="0"/>
+            <a:rPr lang="en-US" sz="1700" kern="1200" dirty="0"/>
             <a:t>The ‘global’ keyword was utilized within the functions to establish global variables inside the function. </a:t>
           </a:r>
         </a:p>
       </dsp:txBody>
       <dsp:txXfrm>
-        <a:off x="7163917" y="3032"/>
-        <a:ext cx="2833338" cy="1700003"/>
+        <a:off x="7023123" y="51588"/>
+        <a:ext cx="3655083" cy="1655181"/>
       </dsp:txXfrm>
     </dsp:sp>
     <dsp:sp modelId="{3988DCE6-4950-456E-8120-4D53DD63BE86}">
@@ -8435,8 +8594,8 @@
       </dsp:nvSpPr>
       <dsp:spPr>
         <a:xfrm>
-          <a:off x="825796" y="1986369"/>
-          <a:ext cx="2833338" cy="1700003"/>
+          <a:off x="0" y="1973365"/>
+          <a:ext cx="3374833" cy="1655181"/>
         </a:xfrm>
         <a:prstGeom prst="rect">
           <a:avLst/>
@@ -8478,12 +8637,12 @@
         </a:fontRef>
       </dsp:style>
       <dsp:txBody>
-        <a:bodyPr spcFirstLastPara="0" vert="horz" wrap="square" lIns="68580" tIns="68580" rIns="68580" bIns="68580" numCol="1" spcCol="1270" anchor="ctr" anchorCtr="0">
+        <a:bodyPr spcFirstLastPara="0" vert="horz" wrap="square" lIns="64770" tIns="64770" rIns="64770" bIns="64770" numCol="1" spcCol="1270" anchor="ctr" anchorCtr="0">
           <a:noAutofit/>
         </a:bodyPr>
         <a:lstStyle/>
         <a:p>
-          <a:pPr marL="0" lvl="0" indent="0" algn="ctr" defTabSz="800100">
+          <a:pPr marL="0" lvl="0" indent="0" algn="ctr" defTabSz="755650">
             <a:lnSpc>
               <a:spcPct val="90000"/>
             </a:lnSpc>
@@ -8496,22 +8655,22 @@
             <a:buNone/>
           </a:pPr>
           <a:r>
-            <a:rPr lang="en-US" sz="1800" kern="1200" dirty="0"/>
+            <a:rPr lang="en-US" sz="1700" kern="1200" dirty="0"/>
             <a:t>To create a GUI window, ‘</a:t>
           </a:r>
           <a:r>
-            <a:rPr lang="en-US" sz="1800" kern="1200" dirty="0" err="1"/>
+            <a:rPr lang="en-US" sz="1700" kern="1200" dirty="0" err="1"/>
             <a:t>tk.Tk</a:t>
           </a:r>
           <a:r>
-            <a:rPr lang="en-US" sz="1800" kern="1200" dirty="0"/>
+            <a:rPr lang="en-US" sz="1700" kern="1200" dirty="0"/>
             <a:t>()’ method is used, assigning the result to the variable ‘root’</a:t>
           </a:r>
         </a:p>
       </dsp:txBody>
       <dsp:txXfrm>
-        <a:off x="825796" y="1986369"/>
-        <a:ext cx="2833338" cy="1700003"/>
+        <a:off x="0" y="1973365"/>
+        <a:ext cx="3374833" cy="1655181"/>
       </dsp:txXfrm>
     </dsp:sp>
     <dsp:sp modelId="{95E04D87-C3BD-42B6-957C-6355B39DF25D}">
@@ -8521,8 +8680,8 @@
       </dsp:nvSpPr>
       <dsp:spPr>
         <a:xfrm>
-          <a:off x="4047245" y="1986369"/>
-          <a:ext cx="2833338" cy="1700003"/>
+          <a:off x="3656442" y="1982634"/>
+          <a:ext cx="3514392" cy="1655181"/>
         </a:xfrm>
         <a:prstGeom prst="rect">
           <a:avLst/>
@@ -8564,12 +8723,12 @@
         </a:fontRef>
       </dsp:style>
       <dsp:txBody>
-        <a:bodyPr spcFirstLastPara="0" vert="horz" wrap="square" lIns="68580" tIns="68580" rIns="68580" bIns="68580" numCol="1" spcCol="1270" anchor="ctr" anchorCtr="0">
+        <a:bodyPr spcFirstLastPara="0" vert="horz" wrap="square" lIns="64770" tIns="64770" rIns="64770" bIns="64770" numCol="1" spcCol="1270" anchor="ctr" anchorCtr="0">
           <a:noAutofit/>
         </a:bodyPr>
         <a:lstStyle/>
         <a:p>
-          <a:pPr marL="0" lvl="0" indent="0" algn="ctr" defTabSz="800100">
+          <a:pPr marL="0" lvl="0" indent="0" algn="ctr" defTabSz="755650">
             <a:lnSpc>
               <a:spcPct val="90000"/>
             </a:lnSpc>
@@ -8582,14 +8741,14 @@
             <a:buNone/>
           </a:pPr>
           <a:r>
-            <a:rPr lang="en-US" sz="1800" kern="1200" dirty="0"/>
+            <a:rPr lang="en-US" sz="1700" kern="1200" dirty="0"/>
             <a:t>To provide title to the GUI application, ‘title’ method of the ‘root’ window is utilized</a:t>
           </a:r>
         </a:p>
       </dsp:txBody>
       <dsp:txXfrm>
-        <a:off x="4047245" y="1986369"/>
-        <a:ext cx="2833338" cy="1700003"/>
+        <a:off x="3656442" y="1982634"/>
+        <a:ext cx="3514392" cy="1655181"/>
       </dsp:txXfrm>
     </dsp:sp>
     <dsp:sp modelId="{29D89A5C-7833-42D9-A20C-69CC636B01D6}">
@@ -8599,8 +8758,8 @@
       </dsp:nvSpPr>
       <dsp:spPr>
         <a:xfrm>
-          <a:off x="7163917" y="1986369"/>
-          <a:ext cx="2833338" cy="1700003"/>
+          <a:off x="7446698" y="1982634"/>
+          <a:ext cx="3475385" cy="1655181"/>
         </a:xfrm>
         <a:prstGeom prst="rect">
           <a:avLst/>
@@ -8642,12 +8801,12 @@
         </a:fontRef>
       </dsp:style>
       <dsp:txBody>
-        <a:bodyPr spcFirstLastPara="0" vert="horz" wrap="square" lIns="68580" tIns="68580" rIns="68580" bIns="68580" numCol="1" spcCol="1270" anchor="ctr" anchorCtr="0">
+        <a:bodyPr spcFirstLastPara="0" vert="horz" wrap="square" lIns="64770" tIns="64770" rIns="64770" bIns="64770" numCol="1" spcCol="1270" anchor="ctr" anchorCtr="0">
           <a:noAutofit/>
         </a:bodyPr>
         <a:lstStyle/>
         <a:p>
-          <a:pPr marL="0" lvl="0" indent="0" algn="ctr" defTabSz="800100">
+          <a:pPr marL="0" lvl="0" indent="0" algn="ctr" defTabSz="755650">
             <a:lnSpc>
               <a:spcPct val="90000"/>
             </a:lnSpc>
@@ -8660,35 +8819,35 @@
             <a:buNone/>
           </a:pPr>
           <a:r>
-            <a:rPr lang="en-US" sz="1800" kern="1200" dirty="0"/>
+            <a:rPr lang="en-US" sz="1700" kern="1200" dirty="0"/>
             <a:t>The</a:t>
           </a:r>
           <a:r>
-            <a:rPr lang="en-US" sz="1800" kern="1200" baseline="0" dirty="0"/>
+            <a:rPr lang="en-US" sz="1700" kern="1200" baseline="0" dirty="0"/>
             <a:t> ‘</a:t>
           </a:r>
           <a:r>
-            <a:rPr lang="en-US" sz="1800" kern="1200" baseline="0" dirty="0" err="1"/>
+            <a:rPr lang="en-US" sz="1700" kern="1200" baseline="0" dirty="0" err="1"/>
             <a:t>mainloop</a:t>
           </a:r>
           <a:r>
-            <a:rPr lang="en-US" sz="1800" kern="1200" baseline="0" dirty="0"/>
+            <a:rPr lang="en-US" sz="1700" kern="1200" baseline="0" dirty="0"/>
             <a:t>’ method is called to ‘root’ window to execute and run </a:t>
           </a:r>
           <a:r>
-            <a:rPr lang="en-US" sz="1800" kern="1200" baseline="0" dirty="0" err="1"/>
+            <a:rPr lang="en-US" sz="1700" kern="1200" baseline="0" dirty="0" err="1"/>
             <a:t>Tkinter</a:t>
           </a:r>
           <a:r>
-            <a:rPr lang="en-US" sz="1800" kern="1200" baseline="0" dirty="0"/>
+            <a:rPr lang="en-US" sz="1700" kern="1200" baseline="0" dirty="0"/>
             <a:t> window</a:t>
           </a:r>
-          <a:endParaRPr lang="en-US" sz="1800" kern="1200" dirty="0"/>
+          <a:endParaRPr lang="en-US" sz="1700" kern="1200" dirty="0"/>
         </a:p>
       </dsp:txBody>
       <dsp:txXfrm>
-        <a:off x="7163917" y="1986369"/>
-        <a:ext cx="2833338" cy="1700003"/>
+        <a:off x="7446698" y="1982634"/>
+        <a:ext cx="3475385" cy="1655181"/>
       </dsp:txXfrm>
     </dsp:sp>
   </dsp:spTree>
@@ -8944,7 +9103,7 @@
           </a:pPr>
           <a:r>
             <a:rPr lang="en-US" sz="2400" kern="1200" dirty="0"/>
-            <a:t>The ‘grid’ method was used to arrange button(widgets) in table format(</a:t>
+            <a:t>Design Layout: The ‘grid’ method was used to arrange button(widgets) in table format(</a:t>
           </a:r>
           <a:r>
             <a:rPr lang="en-US" sz="2400" kern="1200" dirty="0" err="1"/>
@@ -9058,8 +9217,8 @@
       </dsp:nvSpPr>
       <dsp:spPr>
         <a:xfrm>
-          <a:off x="0" y="33138"/>
-          <a:ext cx="10927829" cy="1152029"/>
+          <a:off x="0" y="118167"/>
+          <a:ext cx="10927829" cy="953403"/>
         </a:xfrm>
         <a:prstGeom prst="roundRect">
           <a:avLst/>
@@ -9101,12 +9260,12 @@
         </a:fontRef>
       </dsp:style>
       <dsp:txBody>
-        <a:bodyPr spcFirstLastPara="0" vert="horz" wrap="square" lIns="110490" tIns="110490" rIns="110490" bIns="110490" numCol="1" spcCol="1270" anchor="ctr" anchorCtr="0">
+        <a:bodyPr spcFirstLastPara="0" vert="horz" wrap="square" lIns="91440" tIns="91440" rIns="91440" bIns="91440" numCol="1" spcCol="1270" anchor="ctr" anchorCtr="0">
           <a:noAutofit/>
         </a:bodyPr>
         <a:lstStyle/>
         <a:p>
-          <a:pPr marL="0" lvl="0" indent="0" algn="l" defTabSz="1289050">
+          <a:pPr marL="0" lvl="0" indent="0" algn="l" defTabSz="1066800">
             <a:lnSpc>
               <a:spcPct val="90000"/>
             </a:lnSpc>
@@ -9119,14 +9278,19 @@
             <a:buNone/>
           </a:pPr>
           <a:r>
-            <a:rPr lang="en-US" sz="2900" kern="1200"/>
-            <a:t>For each button, position was specified using row and column number</a:t>
+            <a:rPr lang="en-US" sz="2400" kern="1200" dirty="0"/>
+            <a:t>To</a:t>
           </a:r>
+          <a:r>
+            <a:rPr lang="en-US" sz="2400" kern="1200" baseline="0" dirty="0"/>
+            <a:t> bind the buttons to their respective function, the ‘command’ parameter was used</a:t>
+          </a:r>
+          <a:endParaRPr lang="en-US" sz="2400" kern="1200" dirty="0"/>
         </a:p>
       </dsp:txBody>
       <dsp:txXfrm>
-        <a:off x="56237" y="89375"/>
-        <a:ext cx="10815355" cy="1039555"/>
+        <a:off x="46541" y="164708"/>
+        <a:ext cx="10834747" cy="860321"/>
       </dsp:txXfrm>
     </dsp:sp>
     <dsp:sp modelId="{6B275A73-E05B-4EEE-9F77-69FE08F41A7C}">
@@ -9136,8 +9300,8 @@
       </dsp:nvSpPr>
       <dsp:spPr>
         <a:xfrm>
-          <a:off x="0" y="1268687"/>
-          <a:ext cx="10927829" cy="1152029"/>
+          <a:off x="0" y="1085315"/>
+          <a:ext cx="10927829" cy="953403"/>
         </a:xfrm>
         <a:prstGeom prst="roundRect">
           <a:avLst/>
@@ -9179,12 +9343,12 @@
         </a:fontRef>
       </dsp:style>
       <dsp:txBody>
-        <a:bodyPr spcFirstLastPara="0" vert="horz" wrap="square" lIns="110490" tIns="110490" rIns="110490" bIns="110490" numCol="1" spcCol="1270" anchor="ctr" anchorCtr="0">
+        <a:bodyPr spcFirstLastPara="0" vert="horz" wrap="square" lIns="91440" tIns="91440" rIns="91440" bIns="91440" numCol="1" spcCol="1270" anchor="ctr" anchorCtr="0">
           <a:noAutofit/>
         </a:bodyPr>
         <a:lstStyle/>
         <a:p>
-          <a:pPr marL="0" lvl="0" indent="0" algn="l" defTabSz="1289050">
+          <a:pPr marL="0" lvl="0" indent="0" algn="l" defTabSz="1066800">
             <a:lnSpc>
               <a:spcPct val="90000"/>
             </a:lnSpc>
@@ -9197,14 +9361,26 @@
             <a:buNone/>
           </a:pPr>
           <a:r>
-            <a:rPr lang="en-US" sz="2900" kern="1200"/>
-            <a:t>Paranthesis was removed in clear_field function button because the function is being passed and not called</a:t>
+            <a:rPr lang="en-US" sz="2400" kern="1200" dirty="0" err="1"/>
+            <a:t>Paranthesis</a:t>
+          </a:r>
+          <a:r>
+            <a:rPr lang="en-US" sz="2400" kern="1200" dirty="0"/>
+            <a:t> is removed in </a:t>
+          </a:r>
+          <a:r>
+            <a:rPr lang="en-US" sz="2400" kern="1200" dirty="0" err="1"/>
+            <a:t>clear_field</a:t>
+          </a:r>
+          <a:r>
+            <a:rPr lang="en-US" sz="2400" kern="1200" dirty="0"/>
+            <a:t> function button because the function is being passed as an argument and not called</a:t>
           </a:r>
         </a:p>
       </dsp:txBody>
       <dsp:txXfrm>
-        <a:off x="56237" y="1324924"/>
-        <a:ext cx="10815355" cy="1039555"/>
+        <a:off x="46541" y="1131856"/>
+        <a:ext cx="10834747" cy="860321"/>
       </dsp:txXfrm>
     </dsp:sp>
     <dsp:sp modelId="{FF3A3DDB-8427-493D-AC3F-759C6B5B2F1B}">
@@ -9214,8 +9390,8 @@
       </dsp:nvSpPr>
       <dsp:spPr>
         <a:xfrm>
-          <a:off x="0" y="2504237"/>
-          <a:ext cx="10927829" cy="1152029"/>
+          <a:off x="0" y="2107838"/>
+          <a:ext cx="10927829" cy="953403"/>
         </a:xfrm>
         <a:prstGeom prst="roundRect">
           <a:avLst/>
@@ -9257,12 +9433,12 @@
         </a:fontRef>
       </dsp:style>
       <dsp:txBody>
-        <a:bodyPr spcFirstLastPara="0" vert="horz" wrap="square" lIns="110490" tIns="110490" rIns="110490" bIns="110490" numCol="1" spcCol="1270" anchor="ctr" anchorCtr="0">
+        <a:bodyPr spcFirstLastPara="0" vert="horz" wrap="square" lIns="91440" tIns="91440" rIns="91440" bIns="91440" numCol="1" spcCol="1270" anchor="ctr" anchorCtr="0">
           <a:noAutofit/>
         </a:bodyPr>
         <a:lstStyle/>
         <a:p>
-          <a:pPr marL="0" lvl="0" indent="0" algn="l" defTabSz="1289050">
+          <a:pPr marL="0" lvl="0" indent="0" algn="l" defTabSz="1066800">
             <a:lnSpc>
               <a:spcPct val="90000"/>
             </a:lnSpc>
@@ -9275,14 +9451,14 @@
             <a:buNone/>
           </a:pPr>
           <a:r>
-            <a:rPr lang="en-US" sz="2900" kern="1200"/>
+            <a:rPr lang="en-US" sz="2400" kern="1200" dirty="0"/>
             <a:t>Lambda is removed in clear and equals button since there is no parameter for the function in that case</a:t>
           </a:r>
         </a:p>
       </dsp:txBody>
       <dsp:txXfrm>
-        <a:off x="56237" y="2560474"/>
-        <a:ext cx="10815355" cy="1039555"/>
+        <a:off x="46541" y="2154379"/>
+        <a:ext cx="10834747" cy="860321"/>
       </dsp:txXfrm>
     </dsp:sp>
   </dsp:spTree>
@@ -23338,7 +23514,7 @@
             <p:ph idx="1"/>
             <p:extLst>
               <p:ext uri="{D42A27DB-BD31-4B8C-83A1-F6EECF244321}">
-                <p14:modId xmlns:p14="http://schemas.microsoft.com/office/powerpoint/2010/main" val="3058804465"/>
+                <p14:modId xmlns:p14="http://schemas.microsoft.com/office/powerpoint/2010/main" val="3394906335"/>
               </p:ext>
             </p:extLst>
           </p:nvPr>
@@ -23753,7 +23929,7 @@
             <p:ph idx="1"/>
             <p:extLst>
               <p:ext uri="{D42A27DB-BD31-4B8C-83A1-F6EECF244321}">
-                <p14:modId xmlns:p14="http://schemas.microsoft.com/office/powerpoint/2010/main" val="3035374211"/>
+                <p14:modId xmlns:p14="http://schemas.microsoft.com/office/powerpoint/2010/main" val="453246449"/>
               </p:ext>
             </p:extLst>
           </p:nvPr>
@@ -24169,14 +24345,14 @@
             <p:ph idx="1"/>
             <p:extLst>
               <p:ext uri="{D42A27DB-BD31-4B8C-83A1-F6EECF244321}">
-                <p14:modId xmlns:p14="http://schemas.microsoft.com/office/powerpoint/2010/main" val="3523329008"/>
+                <p14:modId xmlns:p14="http://schemas.microsoft.com/office/powerpoint/2010/main" val="274576428"/>
               </p:ext>
             </p:extLst>
           </p:nvPr>
         </p:nvGraphicFramePr>
         <p:xfrm>
-          <a:off x="644056" y="2615979"/>
-          <a:ext cx="10927829" cy="3689405"/>
+          <a:off x="644056" y="3181350"/>
+          <a:ext cx="10927829" cy="3124034"/>
         </p:xfrm>
         <a:graphic>
           <a:graphicData uri="http://schemas.openxmlformats.org/drawingml/2006/diagram">
@@ -24184,6 +24360,138 @@
           </a:graphicData>
         </a:graphic>
       </p:graphicFrame>
+      <p:grpSp>
+        <p:nvGrpSpPr>
+          <p:cNvPr id="10" name="Group 9">
+            <a:extLst>
+              <a:ext uri="{FF2B5EF4-FFF2-40B4-BE49-F238E27FC236}">
+                <a16:creationId xmlns:a16="http://schemas.microsoft.com/office/drawing/2014/main" id="{97F94AC7-C196-7731-3AE7-60FF554B5E1F}"/>
+              </a:ext>
+            </a:extLst>
+          </p:cNvPr>
+          <p:cNvGrpSpPr/>
+          <p:nvPr/>
+        </p:nvGrpSpPr>
+        <p:grpSpPr>
+          <a:xfrm>
+            <a:off x="620115" y="2205469"/>
+            <a:ext cx="10927829" cy="993128"/>
+            <a:chOff x="0" y="0"/>
+            <a:chExt cx="10927829" cy="993128"/>
+          </a:xfrm>
+        </p:grpSpPr>
+        <p:sp>
+          <p:nvSpPr>
+            <p:cNvPr id="11" name="Rectangle: Rounded Corners 10">
+              <a:extLst>
+                <a:ext uri="{FF2B5EF4-FFF2-40B4-BE49-F238E27FC236}">
+                  <a16:creationId xmlns:a16="http://schemas.microsoft.com/office/drawing/2014/main" id="{E3B827BB-D9E8-CBBA-79DA-F25F863D703A}"/>
+                </a:ext>
+              </a:extLst>
+            </p:cNvPr>
+            <p:cNvSpPr/>
+            <p:nvPr/>
+          </p:nvSpPr>
+          <p:spPr>
+            <a:xfrm>
+              <a:off x="0" y="0"/>
+              <a:ext cx="10927829" cy="993128"/>
+            </a:xfrm>
+            <a:prstGeom prst="roundRect">
+              <a:avLst/>
+            </a:prstGeom>
+          </p:spPr>
+          <p:style>
+            <a:lnRef idx="2">
+              <a:schemeClr val="lt1">
+                <a:hueOff val="0"/>
+                <a:satOff val="0"/>
+                <a:lumOff val="0"/>
+                <a:alphaOff val="0"/>
+              </a:schemeClr>
+            </a:lnRef>
+            <a:fillRef idx="1">
+              <a:schemeClr val="accent2">
+                <a:hueOff val="0"/>
+                <a:satOff val="0"/>
+                <a:lumOff val="0"/>
+                <a:alphaOff val="0"/>
+              </a:schemeClr>
+            </a:fillRef>
+            <a:effectRef idx="0">
+              <a:schemeClr val="accent2">
+                <a:hueOff val="0"/>
+                <a:satOff val="0"/>
+                <a:lumOff val="0"/>
+                <a:alphaOff val="0"/>
+              </a:schemeClr>
+            </a:effectRef>
+            <a:fontRef idx="minor">
+              <a:schemeClr val="lt1"/>
+            </a:fontRef>
+          </p:style>
+        </p:sp>
+        <p:sp>
+          <p:nvSpPr>
+            <p:cNvPr id="12" name="Rectangle: Rounded Corners 4">
+              <a:extLst>
+                <a:ext uri="{FF2B5EF4-FFF2-40B4-BE49-F238E27FC236}">
+                  <a16:creationId xmlns:a16="http://schemas.microsoft.com/office/drawing/2014/main" id="{9E3621BE-7C97-8B1D-097B-576CB46321BB}"/>
+                </a:ext>
+              </a:extLst>
+            </p:cNvPr>
+            <p:cNvSpPr txBox="1"/>
+            <p:nvPr/>
+          </p:nvSpPr>
+          <p:spPr>
+            <a:xfrm>
+              <a:off x="48481" y="48481"/>
+              <a:ext cx="10830867" cy="896166"/>
+            </a:xfrm>
+            <a:prstGeom prst="rect">
+              <a:avLst/>
+            </a:prstGeom>
+          </p:spPr>
+          <p:style>
+            <a:lnRef idx="0">
+              <a:scrgbClr r="0" g="0" b="0"/>
+            </a:lnRef>
+            <a:fillRef idx="0">
+              <a:scrgbClr r="0" g="0" b="0"/>
+            </a:fillRef>
+            <a:effectRef idx="0">
+              <a:scrgbClr r="0" g="0" b="0"/>
+            </a:effectRef>
+            <a:fontRef idx="minor">
+              <a:schemeClr val="lt1"/>
+            </a:fontRef>
+          </p:style>
+          <p:txBody>
+            <a:bodyPr spcFirstLastPara="0" vert="horz" wrap="square" lIns="95250" tIns="95250" rIns="95250" bIns="95250" numCol="1" spcCol="1270" anchor="ctr" anchorCtr="0">
+              <a:noAutofit/>
+            </a:bodyPr>
+            <a:lstStyle/>
+            <a:p>
+              <a:pPr marL="0" lvl="0" indent="0" algn="l" defTabSz="1111250">
+                <a:lnSpc>
+                  <a:spcPct val="90000"/>
+                </a:lnSpc>
+                <a:spcBef>
+                  <a:spcPct val="0"/>
+                </a:spcBef>
+                <a:spcAft>
+                  <a:spcPct val="35000"/>
+                </a:spcAft>
+                <a:buNone/>
+              </a:pPr>
+              <a:r>
+                <a:rPr lang="en-US" sz="2500" kern="1200" dirty="0"/>
+                <a:t>For each button, position was specified using row and column number</a:t>
+              </a:r>
+            </a:p>
+          </p:txBody>
+        </p:sp>
+      </p:grpSp>
     </p:spTree>
     <p:extLst>
       <p:ext uri="{BB962C8B-B14F-4D97-AF65-F5344CB8AC3E}">
@@ -24224,10 +24532,10 @@
       </p:grpSpPr>
       <p:sp useBgFill="1">
         <p:nvSpPr>
-          <p:cNvPr id="44" name="Rectangle 43">
+          <p:cNvPr id="57" name="Rectangle 56">
             <a:extLst>
               <a:ext uri="{FF2B5EF4-FFF2-40B4-BE49-F238E27FC236}">
-                <a16:creationId xmlns:a16="http://schemas.microsoft.com/office/drawing/2014/main" id="{A8384FB5-9ADC-4DDC-881B-597D56F5B15D}"/>
+                <a16:creationId xmlns:a16="http://schemas.microsoft.com/office/drawing/2014/main" id="{B712E947-0734-45F9-9C4F-41114EC3A33E}"/>
               </a:ext>
               <a:ext uri="{C183D7F6-B498-43B3-948B-1728B52AA6E4}">
                 <adec:decorative xmlns:adec="http://schemas.microsoft.com/office/drawing/2017/decorative" val="1"/>
@@ -24247,7 +24555,7 @@
         </p:nvSpPr>
         <p:spPr>
           <a:xfrm>
-            <a:off x="0" y="0"/>
+            <a:off x="14285" y="0"/>
             <a:ext cx="12192000" cy="6858000"/>
           </a:xfrm>
           <a:prstGeom prst="rect">
@@ -24298,21 +24606,21 @@
           </a:p>
         </p:txBody>
       </p:sp>
-      <p:sp>
-        <p:nvSpPr>
-          <p:cNvPr id="46" name="Rectangle 45">
+      <p:grpSp>
+        <p:nvGrpSpPr>
+          <p:cNvPr id="59" name="Group 58">
             <a:extLst>
               <a:ext uri="{FF2B5EF4-FFF2-40B4-BE49-F238E27FC236}">
-                <a16:creationId xmlns:a16="http://schemas.microsoft.com/office/drawing/2014/main" id="{91E5A9A7-95C6-4F4F-B00E-C82E07FE62EF}"/>
+                <a16:creationId xmlns:a16="http://schemas.microsoft.com/office/drawing/2014/main" id="{12B3290A-D3BF-4B87-B55B-FD9A98B49727}"/>
               </a:ext>
               <a:ext uri="{C183D7F6-B498-43B3-948B-1728B52AA6E4}">
                 <adec:decorative xmlns:adec="http://schemas.microsoft.com/office/drawing/2017/decorative" val="1"/>
               </a:ext>
             </a:extLst>
           </p:cNvPr>
-          <p:cNvSpPr>
-            <a:spLocks noGrp="1" noRot="1" noChangeAspect="1" noMove="1" noResize="1" noEditPoints="1" noAdjustHandles="1" noChangeArrowheads="1" noChangeShapeType="1" noTextEdit="1"/>
-          </p:cNvSpPr>
+          <p:cNvGrpSpPr>
+            <a:grpSpLocks noGrp="1" noUngrp="1" noRot="1" noChangeAspect="1" noMove="1" noResize="1"/>
+          </p:cNvGrpSpPr>
           <p:nvPr>
             <p:extLst>
               <p:ext uri="{386F3935-93C4-4BCD-93E2-E3B085C9AB24}">
@@ -24320,381 +24628,236 @@
               </p:ext>
             </p:extLst>
           </p:nvPr>
-        </p:nvSpPr>
-        <p:spPr>
-          <a:xfrm rot="5400000" flipH="1">
-            <a:off x="-1417539" y="1417538"/>
-            <a:ext cx="6875818" cy="4040744"/>
+        </p:nvGrpSpPr>
+        <p:grpSpPr>
+          <a:xfrm>
+            <a:off x="0" y="0"/>
+            <a:ext cx="12199030" cy="1576446"/>
+            <a:chOff x="0" y="0"/>
+            <a:chExt cx="12192002" cy="1576446"/>
           </a:xfrm>
-          <a:prstGeom prst="rect">
-            <a:avLst/>
-          </a:prstGeom>
-          <a:gradFill>
-            <a:gsLst>
-              <a:gs pos="0">
-                <a:srgbClr val="000000"/>
-              </a:gs>
-              <a:gs pos="100000">
-                <a:schemeClr val="accent1">
-                  <a:lumMod val="75000"/>
-                </a:schemeClr>
-              </a:gs>
-            </a:gsLst>
-            <a:lin ang="18600000" scaled="0"/>
-          </a:gradFill>
-          <a:ln>
-            <a:noFill/>
-          </a:ln>
-        </p:spPr>
-        <p:style>
-          <a:lnRef idx="2">
-            <a:schemeClr val="accent1">
-              <a:shade val="50000"/>
-            </a:schemeClr>
-          </a:lnRef>
-          <a:fillRef idx="1">
-            <a:schemeClr val="accent1"/>
-          </a:fillRef>
-          <a:effectRef idx="0">
-            <a:schemeClr val="accent1"/>
-          </a:effectRef>
-          <a:fontRef idx="minor">
-            <a:schemeClr val="lt1"/>
-          </a:fontRef>
-        </p:style>
-        <p:txBody>
-          <a:bodyPr rtlCol="0" anchor="ctr"/>
-          <a:lstStyle/>
-          <a:p>
-            <a:pPr algn="ctr"/>
-            <a:endParaRPr lang="en-US" dirty="0"/>
-          </a:p>
-        </p:txBody>
-      </p:sp>
-      <p:sp>
-        <p:nvSpPr>
-          <p:cNvPr id="48" name="Rectangle 47">
-            <a:extLst>
-              <a:ext uri="{FF2B5EF4-FFF2-40B4-BE49-F238E27FC236}">
-                <a16:creationId xmlns:a16="http://schemas.microsoft.com/office/drawing/2014/main" id="{D07DD2DE-F619-49DD-B5E7-03A290FF4ED1}"/>
-              </a:ext>
-              <a:ext uri="{C183D7F6-B498-43B3-948B-1728B52AA6E4}">
-                <adec:decorative xmlns:adec="http://schemas.microsoft.com/office/drawing/2017/decorative" val="1"/>
-              </a:ext>
-            </a:extLst>
-          </p:cNvPr>
-          <p:cNvSpPr>
-            <a:spLocks noGrp="1" noRot="1" noChangeAspect="1" noMove="1" noResize="1" noEditPoints="1" noAdjustHandles="1" noChangeArrowheads="1" noChangeShapeType="1" noTextEdit="1"/>
-          </p:cNvSpPr>
-          <p:nvPr>
-            <p:extLst>
-              <p:ext uri="{386F3935-93C4-4BCD-93E2-E3B085C9AB24}">
-                <p16:designElem xmlns:p16="http://schemas.microsoft.com/office/powerpoint/2015/main" val="1"/>
-              </p:ext>
-            </p:extLst>
-          </p:nvPr>
-        </p:nvSpPr>
-        <p:spPr>
-          <a:xfrm rot="16200000">
-            <a:off x="-158495" y="2660473"/>
-            <a:ext cx="4355594" cy="4038603"/>
-          </a:xfrm>
-          <a:prstGeom prst="rect">
-            <a:avLst/>
-          </a:prstGeom>
-          <a:gradFill>
-            <a:gsLst>
-              <a:gs pos="0">
-                <a:schemeClr val="accent1">
-                  <a:alpha val="50000"/>
-                </a:schemeClr>
-              </a:gs>
-              <a:gs pos="100000">
-                <a:schemeClr val="accent1">
-                  <a:lumMod val="50000"/>
-                  <a:alpha val="0"/>
-                </a:schemeClr>
-              </a:gs>
-            </a:gsLst>
-            <a:lin ang="11400000" scaled="0"/>
-          </a:gradFill>
-          <a:ln>
-            <a:noFill/>
-          </a:ln>
-        </p:spPr>
-        <p:style>
-          <a:lnRef idx="2">
-            <a:schemeClr val="accent1">
-              <a:shade val="50000"/>
-            </a:schemeClr>
-          </a:lnRef>
-          <a:fillRef idx="1">
-            <a:schemeClr val="accent1"/>
-          </a:fillRef>
-          <a:effectRef idx="0">
-            <a:schemeClr val="accent1"/>
-          </a:effectRef>
-          <a:fontRef idx="minor">
-            <a:schemeClr val="lt1"/>
-          </a:fontRef>
-        </p:style>
-        <p:txBody>
-          <a:bodyPr rtlCol="0" anchor="ctr"/>
-          <a:lstStyle/>
-          <a:p>
-            <a:pPr algn="ctr"/>
-            <a:endParaRPr lang="en-US"/>
-          </a:p>
-        </p:txBody>
-      </p:sp>
-      <p:sp>
-        <p:nvSpPr>
-          <p:cNvPr id="50" name="Rectangle 49">
-            <a:extLst>
-              <a:ext uri="{FF2B5EF4-FFF2-40B4-BE49-F238E27FC236}">
-                <a16:creationId xmlns:a16="http://schemas.microsoft.com/office/drawing/2014/main" id="{85149191-5F60-4A28-AAFF-039F96B0F3EC}"/>
-              </a:ext>
-              <a:ext uri="{C183D7F6-B498-43B3-948B-1728B52AA6E4}">
-                <adec:decorative xmlns:adec="http://schemas.microsoft.com/office/drawing/2017/decorative" val="1"/>
-              </a:ext>
-            </a:extLst>
-          </p:cNvPr>
-          <p:cNvSpPr>
-            <a:spLocks noGrp="1" noRot="1" noChangeAspect="1" noMove="1" noResize="1" noEditPoints="1" noAdjustHandles="1" noChangeArrowheads="1" noChangeShapeType="1" noTextEdit="1"/>
-          </p:cNvSpPr>
-          <p:nvPr>
-            <p:extLst>
-              <p:ext uri="{386F3935-93C4-4BCD-93E2-E3B085C9AB24}">
-                <p16:designElem xmlns:p16="http://schemas.microsoft.com/office/powerpoint/2015/main" val="1"/>
-              </p:ext>
-            </p:extLst>
-          </p:nvPr>
-        </p:nvSpPr>
-        <p:spPr>
-          <a:xfrm rot="16200000" flipH="1">
-            <a:off x="-1180882" y="1638085"/>
-            <a:ext cx="6857572" cy="3581401"/>
-          </a:xfrm>
-          <a:prstGeom prst="rect">
-            <a:avLst/>
-          </a:prstGeom>
-          <a:gradFill>
-            <a:gsLst>
-              <a:gs pos="0">
-                <a:srgbClr val="000000">
-                  <a:alpha val="59000"/>
-                </a:srgbClr>
-              </a:gs>
-              <a:gs pos="69000">
-                <a:schemeClr val="accent1">
-                  <a:alpha val="0"/>
-                </a:schemeClr>
-              </a:gs>
-            </a:gsLst>
-            <a:lin ang="13200000" scaled="0"/>
-          </a:gradFill>
-          <a:ln>
-            <a:noFill/>
-          </a:ln>
-        </p:spPr>
-        <p:style>
-          <a:lnRef idx="2">
-            <a:schemeClr val="accent1">
-              <a:shade val="50000"/>
-            </a:schemeClr>
-          </a:lnRef>
-          <a:fillRef idx="1">
-            <a:schemeClr val="accent1"/>
-          </a:fillRef>
-          <a:effectRef idx="0">
-            <a:schemeClr val="accent1"/>
-          </a:effectRef>
-          <a:fontRef idx="minor">
-            <a:schemeClr val="lt1"/>
-          </a:fontRef>
-        </p:style>
-        <p:txBody>
-          <a:bodyPr rtlCol="0" anchor="ctr"/>
-          <a:lstStyle/>
-          <a:p>
-            <a:pPr algn="ctr"/>
-            <a:endParaRPr lang="en-US" dirty="0"/>
-          </a:p>
-        </p:txBody>
-      </p:sp>
-      <p:sp>
-        <p:nvSpPr>
-          <p:cNvPr id="52" name="Freeform: Shape 51">
-            <a:extLst>
-              <a:ext uri="{FF2B5EF4-FFF2-40B4-BE49-F238E27FC236}">
-                <a16:creationId xmlns:a16="http://schemas.microsoft.com/office/drawing/2014/main" id="{F8260ED5-17F7-4158-B241-D51DD4CF1B7E}"/>
-              </a:ext>
-              <a:ext uri="{C183D7F6-B498-43B3-948B-1728B52AA6E4}">
-                <adec:decorative xmlns:adec="http://schemas.microsoft.com/office/drawing/2017/decorative" val="1"/>
-              </a:ext>
-            </a:extLst>
-          </p:cNvPr>
-          <p:cNvSpPr>
-            <a:spLocks noGrp="1" noRot="1" noChangeAspect="1" noMove="1" noResize="1" noEditPoints="1" noAdjustHandles="1" noChangeArrowheads="1" noChangeShapeType="1" noTextEdit="1"/>
-          </p:cNvSpPr>
-          <p:nvPr>
-            <p:extLst>
-              <p:ext uri="{386F3935-93C4-4BCD-93E2-E3B085C9AB24}">
-                <p16:designElem xmlns:p16="http://schemas.microsoft.com/office/powerpoint/2015/main" val="1"/>
-              </p:ext>
-            </p:extLst>
-          </p:nvPr>
-        </p:nvSpPr>
-        <p:spPr>
-          <a:xfrm rot="6097846">
-            <a:off x="-747355" y="1201312"/>
-            <a:ext cx="4808302" cy="4088666"/>
-          </a:xfrm>
-          <a:custGeom>
-            <a:avLst/>
-            <a:gdLst>
-              <a:gd name="connsiteX0" fmla="*/ 48844 w 4808302"/>
-              <a:gd name="connsiteY0" fmla="*/ 2888671 h 4088666"/>
-              <a:gd name="connsiteX1" fmla="*/ 0 w 4808302"/>
-              <a:gd name="connsiteY1" fmla="*/ 2404151 h 4088666"/>
-              <a:gd name="connsiteX2" fmla="*/ 2404151 w 4808302"/>
-              <a:gd name="connsiteY2" fmla="*/ 0 h 4088666"/>
-              <a:gd name="connsiteX3" fmla="*/ 4808302 w 4808302"/>
-              <a:gd name="connsiteY3" fmla="*/ 2404151 h 4088666"/>
-              <a:gd name="connsiteX4" fmla="*/ 4700216 w 4808302"/>
-              <a:gd name="connsiteY4" fmla="*/ 3119072 h 4088666"/>
-              <a:gd name="connsiteX5" fmla="*/ 4643143 w 4808302"/>
-              <a:gd name="connsiteY5" fmla="*/ 3275009 h 4088666"/>
-              <a:gd name="connsiteX6" fmla="*/ 690093 w 4808302"/>
-              <a:gd name="connsiteY6" fmla="*/ 4088666 h 4088666"/>
-              <a:gd name="connsiteX7" fmla="*/ 548991 w 4808302"/>
-              <a:gd name="connsiteY7" fmla="*/ 3933414 h 4088666"/>
-              <a:gd name="connsiteX8" fmla="*/ 48844 w 4808302"/>
-              <a:gd name="connsiteY8" fmla="*/ 2888671 h 4088666"/>
-            </a:gdLst>
-            <a:ahLst/>
-            <a:cxnLst>
-              <a:cxn ang="0">
-                <a:pos x="connsiteX0" y="connsiteY0"/>
-              </a:cxn>
-              <a:cxn ang="0">
-                <a:pos x="connsiteX1" y="connsiteY1"/>
-              </a:cxn>
-              <a:cxn ang="0">
-                <a:pos x="connsiteX2" y="connsiteY2"/>
-              </a:cxn>
-              <a:cxn ang="0">
-                <a:pos x="connsiteX3" y="connsiteY3"/>
-              </a:cxn>
-              <a:cxn ang="0">
-                <a:pos x="connsiteX4" y="connsiteY4"/>
-              </a:cxn>
-              <a:cxn ang="0">
-                <a:pos x="connsiteX5" y="connsiteY5"/>
-              </a:cxn>
-              <a:cxn ang="0">
-                <a:pos x="connsiteX6" y="connsiteY6"/>
-              </a:cxn>
-              <a:cxn ang="0">
-                <a:pos x="connsiteX7" y="connsiteY7"/>
-              </a:cxn>
-              <a:cxn ang="0">
-                <a:pos x="connsiteX8" y="connsiteY8"/>
-              </a:cxn>
-            </a:cxnLst>
-            <a:rect l="l" t="t" r="r" b="b"/>
-            <a:pathLst>
-              <a:path w="4808302" h="4088666">
-                <a:moveTo>
-                  <a:pt x="48844" y="2888671"/>
-                </a:moveTo>
-                <a:cubicBezTo>
-                  <a:pt x="16818" y="2732167"/>
-                  <a:pt x="0" y="2570123"/>
-                  <a:pt x="0" y="2404151"/>
-                </a:cubicBezTo>
-                <a:cubicBezTo>
-                  <a:pt x="0" y="1076375"/>
-                  <a:pt x="1076375" y="0"/>
-                  <a:pt x="2404151" y="0"/>
-                </a:cubicBezTo>
-                <a:cubicBezTo>
-                  <a:pt x="3731927" y="0"/>
-                  <a:pt x="4808302" y="1076375"/>
-                  <a:pt x="4808302" y="2404151"/>
-                </a:cubicBezTo>
-                <a:cubicBezTo>
-                  <a:pt x="4808302" y="2653109"/>
-                  <a:pt x="4770461" y="2893229"/>
-                  <a:pt x="4700216" y="3119072"/>
-                </a:cubicBezTo>
-                <a:lnTo>
-                  <a:pt x="4643143" y="3275009"/>
-                </a:lnTo>
-                <a:lnTo>
-                  <a:pt x="690093" y="4088666"/>
-                </a:lnTo>
-                <a:lnTo>
-                  <a:pt x="548991" y="3933414"/>
-                </a:lnTo>
-                <a:cubicBezTo>
-                  <a:pt x="304015" y="3636572"/>
-                  <a:pt x="128908" y="3279932"/>
-                  <a:pt x="48844" y="2888671"/>
-                </a:cubicBezTo>
-                <a:close/>
-              </a:path>
-            </a:pathLst>
-          </a:custGeom>
-          <a:gradFill>
-            <a:gsLst>
-              <a:gs pos="39000">
-                <a:schemeClr val="accent1">
-                  <a:lumMod val="60000"/>
-                  <a:lumOff val="40000"/>
-                  <a:alpha val="0"/>
-                </a:schemeClr>
-              </a:gs>
-              <a:gs pos="100000">
-                <a:schemeClr val="accent1">
-                  <a:lumMod val="75000"/>
-                  <a:alpha val="26000"/>
-                </a:schemeClr>
-              </a:gs>
-            </a:gsLst>
-            <a:lin ang="18600000" scaled="0"/>
-          </a:gradFill>
-          <a:ln>
-            <a:noFill/>
-          </a:ln>
-        </p:spPr>
-        <p:style>
-          <a:lnRef idx="2">
-            <a:schemeClr val="accent1">
-              <a:shade val="50000"/>
-            </a:schemeClr>
-          </a:lnRef>
-          <a:fillRef idx="1">
-            <a:schemeClr val="accent1"/>
-          </a:fillRef>
-          <a:effectRef idx="0">
-            <a:schemeClr val="accent1"/>
-          </a:effectRef>
-          <a:fontRef idx="minor">
-            <a:schemeClr val="lt1"/>
-          </a:fontRef>
-        </p:style>
-        <p:txBody>
-          <a:bodyPr wrap="square" rtlCol="0" anchor="ctr">
-            <a:noAutofit/>
-          </a:bodyPr>
-          <a:lstStyle/>
-          <a:p>
-            <a:pPr algn="ctr"/>
-            <a:endParaRPr lang="en-US" dirty="0"/>
-          </a:p>
-        </p:txBody>
-      </p:sp>
+        </p:grpSpPr>
+        <p:sp>
+          <p:nvSpPr>
+            <p:cNvPr id="60" name="Rectangle 59">
+              <a:extLst>
+                <a:ext uri="{FF2B5EF4-FFF2-40B4-BE49-F238E27FC236}">
+                  <a16:creationId xmlns:a16="http://schemas.microsoft.com/office/drawing/2014/main" id="{033A715A-0686-440A-8F40-441B42A6605C}"/>
+                </a:ext>
+                <a:ext uri="{C183D7F6-B498-43B3-948B-1728B52AA6E4}">
+                  <adec:decorative xmlns:adec="http://schemas.microsoft.com/office/drawing/2017/decorative" val="1"/>
+                </a:ext>
+              </a:extLst>
+            </p:cNvPr>
+            <p:cNvSpPr/>
+            <p:nvPr>
+              <p:extLst>
+                <p:ext uri="{386F3935-93C4-4BCD-93E2-E3B085C9AB24}">
+                  <p16:designElem xmlns:p16="http://schemas.microsoft.com/office/powerpoint/2015/main" val="1"/>
+                </p:ext>
+              </p:extLst>
+            </p:nvPr>
+          </p:nvSpPr>
+          <p:spPr>
+            <a:xfrm rot="10800000" flipH="1">
+              <a:off x="2" y="0"/>
+              <a:ext cx="12191998" cy="1575955"/>
+            </a:xfrm>
+            <a:prstGeom prst="rect">
+              <a:avLst/>
+            </a:prstGeom>
+            <a:gradFill>
+              <a:gsLst>
+                <a:gs pos="0">
+                  <a:srgbClr val="000000">
+                    <a:alpha val="96000"/>
+                  </a:srgbClr>
+                </a:gs>
+                <a:gs pos="100000">
+                  <a:schemeClr val="accent1">
+                    <a:lumMod val="75000"/>
+                  </a:schemeClr>
+                </a:gs>
+              </a:gsLst>
+              <a:lin ang="8400000" scaled="0"/>
+            </a:gradFill>
+            <a:ln>
+              <a:noFill/>
+            </a:ln>
+          </p:spPr>
+          <p:style>
+            <a:lnRef idx="2">
+              <a:schemeClr val="accent1">
+                <a:shade val="50000"/>
+              </a:schemeClr>
+            </a:lnRef>
+            <a:fillRef idx="1">
+              <a:schemeClr val="accent1"/>
+            </a:fillRef>
+            <a:effectRef idx="0">
+              <a:schemeClr val="accent1"/>
+            </a:effectRef>
+            <a:fontRef idx="minor">
+              <a:schemeClr val="lt1"/>
+            </a:fontRef>
+          </p:style>
+          <p:txBody>
+            <a:bodyPr rtlCol="0" anchor="ctr"/>
+            <a:lstStyle/>
+            <a:p>
+              <a:pPr algn="ctr"/>
+              <a:endParaRPr lang="en-US"/>
+            </a:p>
+          </p:txBody>
+        </p:sp>
+        <p:sp>
+          <p:nvSpPr>
+            <p:cNvPr id="61" name="Rectangle 60">
+              <a:extLst>
+                <a:ext uri="{FF2B5EF4-FFF2-40B4-BE49-F238E27FC236}">
+                  <a16:creationId xmlns:a16="http://schemas.microsoft.com/office/drawing/2014/main" id="{4761657F-19F2-425B-B7E9-0118CD13C334}"/>
+                </a:ext>
+                <a:ext uri="{C183D7F6-B498-43B3-948B-1728B52AA6E4}">
+                  <adec:decorative xmlns:adec="http://schemas.microsoft.com/office/drawing/2017/decorative" val="1"/>
+                </a:ext>
+              </a:extLst>
+            </p:cNvPr>
+            <p:cNvSpPr/>
+            <p:nvPr>
+              <p:extLst>
+                <p:ext uri="{386F3935-93C4-4BCD-93E2-E3B085C9AB24}">
+                  <p16:designElem xmlns:p16="http://schemas.microsoft.com/office/powerpoint/2015/main" val="1"/>
+                </p:ext>
+              </p:extLst>
+            </p:nvPr>
+          </p:nvSpPr>
+          <p:spPr>
+            <a:xfrm rot="16200000">
+              <a:off x="5307778" y="-5307778"/>
+              <a:ext cx="1576446" cy="12192002"/>
+            </a:xfrm>
+            <a:prstGeom prst="rect">
+              <a:avLst/>
+            </a:prstGeom>
+            <a:gradFill>
+              <a:gsLst>
+                <a:gs pos="45000">
+                  <a:schemeClr val="accent1">
+                    <a:alpha val="0"/>
+                  </a:schemeClr>
+                </a:gs>
+                <a:gs pos="99000">
+                  <a:srgbClr val="000000">
+                    <a:alpha val="74000"/>
+                  </a:srgbClr>
+                </a:gs>
+              </a:gsLst>
+              <a:lin ang="11400000" scaled="0"/>
+            </a:gradFill>
+            <a:ln>
+              <a:noFill/>
+            </a:ln>
+          </p:spPr>
+          <p:style>
+            <a:lnRef idx="2">
+              <a:schemeClr val="accent1">
+                <a:shade val="50000"/>
+              </a:schemeClr>
+            </a:lnRef>
+            <a:fillRef idx="1">
+              <a:schemeClr val="accent1"/>
+            </a:fillRef>
+            <a:effectRef idx="0">
+              <a:schemeClr val="accent1"/>
+            </a:effectRef>
+            <a:fontRef idx="minor">
+              <a:schemeClr val="lt1"/>
+            </a:fontRef>
+          </p:style>
+          <p:txBody>
+            <a:bodyPr rtlCol="0" anchor="ctr"/>
+            <a:lstStyle/>
+            <a:p>
+              <a:pPr algn="ctr"/>
+              <a:endParaRPr lang="en-US" dirty="0"/>
+            </a:p>
+          </p:txBody>
+        </p:sp>
+        <p:sp>
+          <p:nvSpPr>
+            <p:cNvPr id="62" name="Rectangle 61">
+              <a:extLst>
+                <a:ext uri="{FF2B5EF4-FFF2-40B4-BE49-F238E27FC236}">
+                  <a16:creationId xmlns:a16="http://schemas.microsoft.com/office/drawing/2014/main" id="{E27B6634-79D3-4EDD-A77A-1065D6F3A4F2}"/>
+                </a:ext>
+                <a:ext uri="{C183D7F6-B498-43B3-948B-1728B52AA6E4}">
+                  <adec:decorative xmlns:adec="http://schemas.microsoft.com/office/drawing/2017/decorative" val="1"/>
+                </a:ext>
+              </a:extLst>
+            </p:cNvPr>
+            <p:cNvSpPr/>
+            <p:nvPr>
+              <p:extLst>
+                <p:ext uri="{386F3935-93C4-4BCD-93E2-E3B085C9AB24}">
+                  <p16:designElem xmlns:p16="http://schemas.microsoft.com/office/powerpoint/2015/main" val="1"/>
+                </p:ext>
+              </p:extLst>
+            </p:nvPr>
+          </p:nvSpPr>
+          <p:spPr>
+            <a:xfrm>
+              <a:off x="3825434" y="0"/>
+              <a:ext cx="4303422" cy="1575461"/>
+            </a:xfrm>
+            <a:prstGeom prst="rect">
+              <a:avLst/>
+            </a:prstGeom>
+            <a:gradFill>
+              <a:gsLst>
+                <a:gs pos="0">
+                  <a:schemeClr val="accent1">
+                    <a:alpha val="17000"/>
+                  </a:schemeClr>
+                </a:gs>
+                <a:gs pos="74000">
+                  <a:schemeClr val="accent1">
+                    <a:lumMod val="50000"/>
+                    <a:alpha val="0"/>
+                  </a:schemeClr>
+                </a:gs>
+              </a:gsLst>
+              <a:lin ang="14400000" scaled="0"/>
+            </a:gradFill>
+            <a:ln>
+              <a:noFill/>
+            </a:ln>
+          </p:spPr>
+          <p:style>
+            <a:lnRef idx="2">
+              <a:schemeClr val="accent1">
+                <a:shade val="50000"/>
+              </a:schemeClr>
+            </a:lnRef>
+            <a:fillRef idx="1">
+              <a:schemeClr val="accent1"/>
+            </a:fillRef>
+            <a:effectRef idx="0">
+              <a:schemeClr val="accent1"/>
+            </a:effectRef>
+            <a:fontRef idx="minor">
+              <a:schemeClr val="lt1"/>
+            </a:fontRef>
+          </p:style>
+          <p:txBody>
+            <a:bodyPr rtlCol="0" anchor="ctr"/>
+            <a:lstStyle/>
+            <a:p>
+              <a:pPr algn="ctr"/>
+              <a:endParaRPr lang="en-US"/>
+            </a:p>
+          </p:txBody>
+        </p:sp>
+      </p:grpSp>
       <p:sp>
         <p:nvSpPr>
           <p:cNvPr id="2" name="Title 1">
@@ -24713,82 +24876,62 @@
         </p:nvSpPr>
         <p:spPr>
           <a:xfrm>
-            <a:off x="660041" y="2767106"/>
-            <a:ext cx="2880828" cy="3071906"/>
+            <a:off x="1371598" y="319314"/>
+            <a:ext cx="9477377" cy="1030515"/>
           </a:xfrm>
         </p:spPr>
         <p:txBody>
-          <a:bodyPr vert="horz" lIns="91440" tIns="45720" rIns="91440" bIns="45720" rtlCol="0" anchor="t">
+          <a:bodyPr vert="horz" lIns="91440" tIns="45720" rIns="91440" bIns="45720" rtlCol="0" anchor="ctr">
             <a:normAutofit/>
           </a:bodyPr>
           <a:lstStyle/>
           <a:p>
             <a:r>
-              <a:rPr lang="en-US" sz="4000" kern="1200" dirty="0">
+              <a:rPr lang="en-US" sz="4000">
                 <a:solidFill>
                   <a:srgbClr val="FFFFFF"/>
                 </a:solidFill>
-                <a:latin typeface="+mj-lt"/>
-                <a:ea typeface="+mj-ea"/>
-                <a:cs typeface="+mj-cs"/>
               </a:rPr>
               <a:t>Key Features</a:t>
             </a:r>
           </a:p>
         </p:txBody>
       </p:sp>
-      <p:sp>
-        <p:nvSpPr>
-          <p:cNvPr id="6" name="TextBox 5">
+      <p:pic>
+        <p:nvPicPr>
+          <p:cNvPr id="10" name="Picture 9" descr="A screenshot of a computer program&#10;&#10;Description automatically generated">
             <a:extLst>
               <a:ext uri="{FF2B5EF4-FFF2-40B4-BE49-F238E27FC236}">
-                <a16:creationId xmlns:a16="http://schemas.microsoft.com/office/drawing/2014/main" id="{07E1A43B-8C6A-FA1A-16EC-A88BF8DFC539}"/>
+                <a16:creationId xmlns:a16="http://schemas.microsoft.com/office/drawing/2014/main" id="{BDDE9907-1131-A33E-86C0-1F0C37680371}"/>
               </a:ext>
             </a:extLst>
           </p:cNvPr>
-          <p:cNvSpPr txBox="1"/>
+          <p:cNvPicPr>
+            <a:picLocks noChangeAspect="1"/>
+          </p:cNvPicPr>
           <p:nvPr/>
-        </p:nvSpPr>
+        </p:nvPicPr>
+        <p:blipFill rotWithShape="1">
+          <a:blip r:embed="rId2">
+            <a:extLst>
+              <a:ext uri="{28A0092B-C50C-407E-A947-70E740481C1C}">
+                <a14:useLocalDpi xmlns:a14="http://schemas.microsoft.com/office/drawing/2010/main" val="0"/>
+              </a:ext>
+            </a:extLst>
+          </a:blip>
+          <a:srcRect l="23594" t="-260" b="8196"/>
+          <a:stretch/>
+        </p:blipFill>
         <p:spPr>
           <a:xfrm>
-            <a:off x="81280" y="4541520"/>
-            <a:ext cx="3626493" cy="787102"/>
+            <a:off x="497840" y="2050595"/>
+            <a:ext cx="5439008" cy="3232605"/>
           </a:xfrm>
           <a:prstGeom prst="rect">
             <a:avLst/>
           </a:prstGeom>
         </p:spPr>
-        <p:txBody>
-          <a:bodyPr vert="horz" lIns="91440" tIns="45720" rIns="91440" bIns="45720" rtlCol="0" anchor="b">
-            <a:normAutofit/>
-          </a:bodyPr>
-          <a:lstStyle/>
-          <a:p>
-            <a:pPr>
-              <a:lnSpc>
-                <a:spcPct val="90000"/>
-              </a:lnSpc>
-              <a:spcBef>
-                <a:spcPts val="1000"/>
-              </a:spcBef>
-              <a:spcAft>
-                <a:spcPts val="600"/>
-              </a:spcAft>
-            </a:pPr>
-            <a:r>
-              <a:rPr lang="en-US" sz="2000" kern="1200" dirty="0">
-                <a:solidFill>
-                  <a:srgbClr val="FFFFFF"/>
-                </a:solidFill>
-                <a:latin typeface="+mn-lt"/>
-                <a:ea typeface="+mn-ea"/>
-                <a:cs typeface="+mn-cs"/>
-              </a:rPr>
-              <a:t>The image displays the final appearance of the GUI Calculator </a:t>
-            </a:r>
-          </a:p>
-        </p:txBody>
-      </p:sp>
+      </p:pic>
       <p:pic>
         <p:nvPicPr>
           <p:cNvPr id="5" name="Content Placeholder 4" descr="A screenshot of a computer&#10;&#10;Description automatically generated">
@@ -24806,26 +24949,78 @@
           </p:nvPr>
         </p:nvPicPr>
         <p:blipFill rotWithShape="1">
-          <a:blip r:embed="rId2">
+          <a:blip r:embed="rId3">
             <a:extLst>
               <a:ext uri="{28A0092B-C50C-407E-A947-70E740481C1C}">
                 <a14:useLocalDpi xmlns:a14="http://schemas.microsoft.com/office/drawing/2010/main" val="0"/>
               </a:ext>
             </a:extLst>
           </a:blip>
-          <a:srcRect l="8882" t="14313" r="67983" b="41787"/>
+          <a:srcRect l="8882" t="14312" r="67983" b="49311"/>
           <a:stretch/>
         </p:blipFill>
         <p:spPr>
           <a:xfrm>
-            <a:off x="5340466" y="467208"/>
-            <a:ext cx="5549672" cy="5923584"/>
+            <a:off x="6267671" y="2074130"/>
+            <a:ext cx="4227609" cy="3209069"/>
           </a:xfrm>
           <a:prstGeom prst="rect">
             <a:avLst/>
           </a:prstGeom>
         </p:spPr>
       </p:pic>
+      <p:sp>
+        <p:nvSpPr>
+          <p:cNvPr id="6" name="TextBox 5">
+            <a:extLst>
+              <a:ext uri="{FF2B5EF4-FFF2-40B4-BE49-F238E27FC236}">
+                <a16:creationId xmlns:a16="http://schemas.microsoft.com/office/drawing/2014/main" id="{07E1A43B-8C6A-FA1A-16EC-A88BF8DFC539}"/>
+              </a:ext>
+            </a:extLst>
+          </p:cNvPr>
+          <p:cNvSpPr txBox="1"/>
+          <p:nvPr/>
+        </p:nvSpPr>
+        <p:spPr>
+          <a:xfrm>
+            <a:off x="1371598" y="5598160"/>
+            <a:ext cx="9496427" cy="857452"/>
+          </a:xfrm>
+          <a:prstGeom prst="rect">
+            <a:avLst/>
+          </a:prstGeom>
+        </p:spPr>
+        <p:txBody>
+          <a:bodyPr vert="horz" lIns="91440" tIns="45720" rIns="91440" bIns="45720" rtlCol="0">
+            <a:normAutofit/>
+          </a:bodyPr>
+          <a:lstStyle/>
+          <a:p>
+            <a:pPr indent="-228600">
+              <a:lnSpc>
+                <a:spcPct val="90000"/>
+              </a:lnSpc>
+              <a:spcBef>
+                <a:spcPts val="1000"/>
+              </a:spcBef>
+              <a:spcAft>
+                <a:spcPts val="600"/>
+              </a:spcAft>
+              <a:buFont typeface="Arial" panose="020B0604020202020204" pitchFamily="34" charset="0"/>
+              <a:buChar char="•"/>
+            </a:pPr>
+            <a:r>
+              <a:rPr lang="en-US" sz="2000" dirty="0"/>
+              <a:t>The images display the VS Code interface and the final appearance of the Python Based   GUI Calculator </a:t>
+            </a:r>
+            <a:r>
+              <a:rPr lang="en-US" sz="2000" dirty="0" err="1"/>
+              <a:t>repectively</a:t>
+            </a:r>
+            <a:endParaRPr lang="en-US" sz="2000" dirty="0"/>
+          </a:p>
+        </p:txBody>
+      </p:sp>
     </p:spTree>
     <p:extLst>
       <p:ext uri="{BB962C8B-B14F-4D97-AF65-F5344CB8AC3E}">
